--- a/resources/Innovation Day - Property Monitoring Kit.pptx
+++ b/resources/Innovation Day - Property Monitoring Kit.pptx
@@ -5,10 +5,10 @@
     <p:sldMasterId id="2147483689" r:id="rId1"/>
   </p:sldMasterIdLst>
   <p:notesMasterIdLst>
-    <p:notesMasterId r:id="rId17"/>
+    <p:notesMasterId r:id="rId20"/>
   </p:notesMasterIdLst>
   <p:handoutMasterIdLst>
-    <p:handoutMasterId r:id="rId18"/>
+    <p:handoutMasterId r:id="rId21"/>
   </p:handoutMasterIdLst>
   <p:sldIdLst>
     <p:sldId id="256" r:id="rId2"/>
@@ -19,13 +19,16 @@
     <p:sldId id="286" r:id="rId7"/>
     <p:sldId id="300" r:id="rId8"/>
     <p:sldId id="288" r:id="rId9"/>
-    <p:sldId id="302" r:id="rId10"/>
+    <p:sldId id="304" r:id="rId10"/>
     <p:sldId id="303" r:id="rId11"/>
-    <p:sldId id="301" r:id="rId12"/>
-    <p:sldId id="291" r:id="rId13"/>
-    <p:sldId id="292" r:id="rId14"/>
-    <p:sldId id="293" r:id="rId15"/>
-    <p:sldId id="294" r:id="rId16"/>
+    <p:sldId id="305" r:id="rId12"/>
+    <p:sldId id="306" r:id="rId13"/>
+    <p:sldId id="307" r:id="rId14"/>
+    <p:sldId id="301" r:id="rId15"/>
+    <p:sldId id="291" r:id="rId16"/>
+    <p:sldId id="292" r:id="rId17"/>
+    <p:sldId id="293" r:id="rId18"/>
+    <p:sldId id="294" r:id="rId19"/>
   </p:sldIdLst>
   <p:sldSz cx="12192000" cy="6858000"/>
   <p:notesSz cx="7023100" cy="9309100"/>
@@ -214,7 +217,7 @@
           <a:p>
             <a:fld id="{21D77433-D912-44EC-8502-E455187A804F}" type="datetimeFigureOut">
               <a:rPr lang="en-US" smtClean="0"/>
-              <a:t>8/22/2018</a:t>
+              <a:t>9/24/18</a:t>
             </a:fld>
             <a:endParaRPr lang="en-US"/>
           </a:p>
@@ -380,7 +383,7 @@
           <a:p>
             <a:fld id="{44F6AB8C-C820-4873-8D20-0E9DC031BD70}" type="datetimeFigureOut">
               <a:rPr lang="en-US" smtClean="0"/>
-              <a:t>8/22/2018</a:t>
+              <a:t>9/24/18</a:t>
             </a:fld>
             <a:endParaRPr lang="en-US"/>
           </a:p>
@@ -444,38 +447,37 @@
           <a:p>
             <a:pPr lvl="0"/>
             <a:r>
-              <a:rPr lang="en-US" smtClean="0"/>
+              <a:rPr lang="en-US"/>
               <a:t>Click to edit Master text styles</a:t>
             </a:r>
           </a:p>
           <a:p>
             <a:pPr lvl="1"/>
             <a:r>
-              <a:rPr lang="en-US" smtClean="0"/>
+              <a:rPr lang="en-US"/>
               <a:t>Second level</a:t>
             </a:r>
           </a:p>
           <a:p>
             <a:pPr lvl="2"/>
             <a:r>
-              <a:rPr lang="en-US" smtClean="0"/>
+              <a:rPr lang="en-US"/>
               <a:t>Third level</a:t>
             </a:r>
           </a:p>
           <a:p>
             <a:pPr lvl="3"/>
             <a:r>
-              <a:rPr lang="en-US" smtClean="0"/>
+              <a:rPr lang="en-US"/>
               <a:t>Fourth level</a:t>
             </a:r>
           </a:p>
           <a:p>
             <a:pPr lvl="4"/>
             <a:r>
-              <a:rPr lang="en-US" smtClean="0"/>
+              <a:rPr lang="en-US"/>
               <a:t>Fifth level</a:t>
             </a:r>
-            <a:endParaRPr lang="en-US"/>
           </a:p>
         </p:txBody>
       </p:sp>
@@ -777,7 +779,7 @@
           </a:lstStyle>
           <a:p>
             <a:r>
-              <a:rPr lang="en-US" smtClean="0"/>
+              <a:rPr lang="en-US"/>
               <a:t>Click to edit Master title style</a:t>
             </a:r>
             <a:endParaRPr lang="en-US" dirty="0"/>
@@ -897,7 +899,7 @@
           </a:lstStyle>
           <a:p>
             <a:r>
-              <a:rPr lang="en-US" smtClean="0"/>
+              <a:rPr lang="en-US"/>
               <a:t>Click to edit Master subtitle style</a:t>
             </a:r>
             <a:endParaRPr lang="en-US" dirty="0"/>
@@ -921,7 +923,7 @@
           <a:p>
             <a:fld id="{D61390C7-9EFE-4505-8D70-243612A87A08}" type="datetime1">
               <a:rPr lang="en-US" smtClean="0"/>
-              <a:t>8/22/2018</a:t>
+              <a:t>9/24/18</a:t>
             </a:fld>
             <a:endParaRPr lang="en-US"/>
           </a:p>
@@ -1113,7 +1115,7 @@
           </a:lstStyle>
           <a:p>
             <a:r>
-              <a:rPr lang="en-US" smtClean="0"/>
+              <a:rPr lang="en-US"/>
               <a:t>Click to edit Master title style</a:t>
             </a:r>
             <a:endParaRPr lang="en-US" dirty="0"/>
@@ -1236,7 +1238,7 @@
           <a:p>
             <a:pPr lvl="0"/>
             <a:r>
-              <a:rPr lang="en-US" smtClean="0"/>
+              <a:rPr lang="en-US"/>
               <a:t>Click to edit Master text styles</a:t>
             </a:r>
           </a:p>
@@ -1259,7 +1261,7 @@
           <a:p>
             <a:fld id="{844B3533-FB52-4865-8C82-0DA975B0A6AA}" type="datetime1">
               <a:rPr lang="en-US" smtClean="0"/>
-              <a:t>8/22/2018</a:t>
+              <a:t>9/24/18</a:t>
             </a:fld>
             <a:endParaRPr lang="en-US"/>
           </a:p>
@@ -1452,7 +1454,7 @@
           </a:lstStyle>
           <a:p>
             <a:r>
-              <a:rPr lang="en-US" smtClean="0"/>
+              <a:rPr lang="en-US"/>
               <a:t>Click to edit Master title style</a:t>
             </a:r>
             <a:endParaRPr lang="en-US" dirty="0"/>
@@ -1516,7 +1518,7 @@
           <a:p>
             <a:pPr lvl="0"/>
             <a:r>
-              <a:rPr lang="en-US" smtClean="0"/>
+              <a:rPr lang="en-US"/>
               <a:t>Click to edit Master text styles</a:t>
             </a:r>
           </a:p>
@@ -1638,7 +1640,7 @@
           <a:p>
             <a:pPr lvl="0"/>
             <a:r>
-              <a:rPr lang="en-US" smtClean="0"/>
+              <a:rPr lang="en-US"/>
               <a:t>Click to edit Master text styles</a:t>
             </a:r>
           </a:p>
@@ -1661,7 +1663,7 @@
           <a:p>
             <a:fld id="{844B3533-FB52-4865-8C82-0DA975B0A6AA}" type="datetime1">
               <a:rPr lang="en-US" smtClean="0"/>
-              <a:t>8/22/2018</a:t>
+              <a:t>9/24/18</a:t>
             </a:fld>
             <a:endParaRPr lang="en-US"/>
           </a:p>
@@ -1930,7 +1932,7 @@
           </a:lstStyle>
           <a:p>
             <a:r>
-              <a:rPr lang="en-US" smtClean="0"/>
+              <a:rPr lang="en-US"/>
               <a:t>Click to edit Master title style</a:t>
             </a:r>
             <a:endParaRPr lang="en-US" dirty="0"/>
@@ -1975,7 +1977,7 @@
               <a:buNone/>
             </a:pPr>
             <a:r>
-              <a:rPr lang="en-US" smtClean="0"/>
+              <a:rPr lang="en-US"/>
               <a:t>Click to edit Master text styles</a:t>
             </a:r>
           </a:p>
@@ -1998,7 +2000,7 @@
           <a:p>
             <a:fld id="{844B3533-FB52-4865-8C82-0DA975B0A6AA}" type="datetime1">
               <a:rPr lang="en-US" smtClean="0"/>
-              <a:t>8/22/2018</a:t>
+              <a:t>9/24/18</a:t>
             </a:fld>
             <a:endParaRPr lang="en-US"/>
           </a:p>
@@ -2191,7 +2193,7 @@
           </a:lstStyle>
           <a:p>
             <a:r>
-              <a:rPr lang="en-US" smtClean="0"/>
+              <a:rPr lang="en-US"/>
               <a:t>Click to edit Master title style</a:t>
             </a:r>
             <a:endParaRPr lang="en-US" dirty="0"/>
@@ -2252,7 +2254,7 @@
           <a:p>
             <a:pPr lvl="0"/>
             <a:r>
-              <a:rPr lang="en-US" smtClean="0"/>
+              <a:rPr lang="en-US"/>
               <a:t>Click to edit Master text styles</a:t>
             </a:r>
           </a:p>
@@ -2296,7 +2298,7 @@
               <a:buNone/>
             </a:pPr>
             <a:r>
-              <a:rPr lang="en-US" smtClean="0"/>
+              <a:rPr lang="en-US"/>
               <a:t>Click to edit Master text styles</a:t>
             </a:r>
           </a:p>
@@ -2319,7 +2321,7 @@
           <a:p>
             <a:fld id="{844B3533-FB52-4865-8C82-0DA975B0A6AA}" type="datetime1">
               <a:rPr lang="en-US" smtClean="0"/>
-              <a:t>8/22/2018</a:t>
+              <a:t>9/24/18</a:t>
             </a:fld>
             <a:endParaRPr lang="en-US"/>
           </a:p>
@@ -2588,7 +2590,7 @@
           </a:lstStyle>
           <a:p>
             <a:r>
-              <a:rPr lang="en-US" smtClean="0"/>
+              <a:rPr lang="en-US"/>
               <a:t>Click to edit Master title style</a:t>
             </a:r>
             <a:endParaRPr lang="en-US" dirty="0"/>
@@ -2649,7 +2651,7 @@
           <a:p>
             <a:pPr lvl="0"/>
             <a:r>
-              <a:rPr lang="en-US" smtClean="0"/>
+              <a:rPr lang="en-US"/>
               <a:t>Click to edit Master text styles</a:t>
             </a:r>
           </a:p>
@@ -2693,7 +2695,7 @@
               <a:buNone/>
             </a:pPr>
             <a:r>
-              <a:rPr lang="en-US" smtClean="0"/>
+              <a:rPr lang="en-US"/>
               <a:t>Click to edit Master text styles</a:t>
             </a:r>
           </a:p>
@@ -2716,7 +2718,7 @@
           <a:p>
             <a:fld id="{844B3533-FB52-4865-8C82-0DA975B0A6AA}" type="datetime1">
               <a:rPr lang="en-US" smtClean="0"/>
-              <a:t>8/22/2018</a:t>
+              <a:t>9/24/18</a:t>
             </a:fld>
             <a:endParaRPr lang="en-US"/>
           </a:p>
@@ -2898,7 +2900,7 @@
           <a:lstStyle/>
           <a:p>
             <a:r>
-              <a:rPr lang="en-US" smtClean="0"/>
+              <a:rPr lang="en-US"/>
               <a:t>Click to edit Master title style</a:t>
             </a:r>
             <a:endParaRPr lang="en-US" dirty="0"/>
@@ -2922,35 +2924,35 @@
           <a:p>
             <a:pPr lvl="0"/>
             <a:r>
-              <a:rPr lang="en-US" smtClean="0"/>
+              <a:rPr lang="en-US"/>
               <a:t>Click to edit Master text styles</a:t>
             </a:r>
           </a:p>
           <a:p>
             <a:pPr lvl="1"/>
             <a:r>
-              <a:rPr lang="en-US" smtClean="0"/>
+              <a:rPr lang="en-US"/>
               <a:t>Second level</a:t>
             </a:r>
           </a:p>
           <a:p>
             <a:pPr lvl="2"/>
             <a:r>
-              <a:rPr lang="en-US" smtClean="0"/>
+              <a:rPr lang="en-US"/>
               <a:t>Third level</a:t>
             </a:r>
           </a:p>
           <a:p>
             <a:pPr lvl="3"/>
             <a:r>
-              <a:rPr lang="en-US" smtClean="0"/>
+              <a:rPr lang="en-US"/>
               <a:t>Fourth level</a:t>
             </a:r>
           </a:p>
           <a:p>
             <a:pPr lvl="4"/>
             <a:r>
-              <a:rPr lang="en-US" smtClean="0"/>
+              <a:rPr lang="en-US"/>
               <a:t>Fifth level</a:t>
             </a:r>
             <a:endParaRPr lang="en-US" dirty="0"/>
@@ -2974,7 +2976,7 @@
           <a:p>
             <a:fld id="{387FAA98-CD57-40DB-8E3C-683296458C76}" type="datetime1">
               <a:rPr lang="en-US" smtClean="0"/>
-              <a:t>8/22/2018</a:t>
+              <a:t>9/24/18</a:t>
             </a:fld>
             <a:endParaRPr lang="en-US"/>
           </a:p>
@@ -3155,7 +3157,7 @@
           <a:lstStyle/>
           <a:p>
             <a:r>
-              <a:rPr lang="en-US" smtClean="0"/>
+              <a:rPr lang="en-US"/>
               <a:t>Click to edit Master title style</a:t>
             </a:r>
             <a:endParaRPr lang="en-US" dirty="0"/>
@@ -3184,35 +3186,35 @@
           <a:p>
             <a:pPr lvl="0"/>
             <a:r>
-              <a:rPr lang="en-US" smtClean="0"/>
+              <a:rPr lang="en-US"/>
               <a:t>Click to edit Master text styles</a:t>
             </a:r>
           </a:p>
           <a:p>
             <a:pPr lvl="1"/>
             <a:r>
-              <a:rPr lang="en-US" smtClean="0"/>
+              <a:rPr lang="en-US"/>
               <a:t>Second level</a:t>
             </a:r>
           </a:p>
           <a:p>
             <a:pPr lvl="2"/>
             <a:r>
-              <a:rPr lang="en-US" smtClean="0"/>
+              <a:rPr lang="en-US"/>
               <a:t>Third level</a:t>
             </a:r>
           </a:p>
           <a:p>
             <a:pPr lvl="3"/>
             <a:r>
-              <a:rPr lang="en-US" smtClean="0"/>
+              <a:rPr lang="en-US"/>
               <a:t>Fourth level</a:t>
             </a:r>
           </a:p>
           <a:p>
             <a:pPr lvl="4"/>
             <a:r>
-              <a:rPr lang="en-US" smtClean="0"/>
+              <a:rPr lang="en-US"/>
               <a:t>Fifth level</a:t>
             </a:r>
             <a:endParaRPr lang="en-US" dirty="0"/>
@@ -3236,7 +3238,7 @@
           <a:p>
             <a:fld id="{F3454765-2CF4-464C-9FAF-F5E0A5A955F7}" type="datetime1">
               <a:rPr lang="en-US" smtClean="0"/>
-              <a:t>8/22/2018</a:t>
+              <a:t>9/24/18</a:t>
             </a:fld>
             <a:endParaRPr lang="en-US"/>
           </a:p>
@@ -3417,7 +3419,7 @@
           <a:lstStyle/>
           <a:p>
             <a:r>
-              <a:rPr lang="en-US" smtClean="0"/>
+              <a:rPr lang="en-US"/>
               <a:t>Click to edit Master title style</a:t>
             </a:r>
             <a:endParaRPr lang="en-US" dirty="0"/>
@@ -3446,35 +3448,35 @@
           <a:p>
             <a:pPr lvl="0"/>
             <a:r>
-              <a:rPr lang="en-US" smtClean="0"/>
+              <a:rPr lang="en-US"/>
               <a:t>Click to edit Master text styles</a:t>
             </a:r>
           </a:p>
           <a:p>
             <a:pPr lvl="1"/>
             <a:r>
-              <a:rPr lang="en-US" smtClean="0"/>
+              <a:rPr lang="en-US"/>
               <a:t>Second level</a:t>
             </a:r>
           </a:p>
           <a:p>
             <a:pPr lvl="2"/>
             <a:r>
-              <a:rPr lang="en-US" smtClean="0"/>
+              <a:rPr lang="en-US"/>
               <a:t>Third level</a:t>
             </a:r>
           </a:p>
           <a:p>
             <a:pPr lvl="3"/>
             <a:r>
-              <a:rPr lang="en-US" smtClean="0"/>
+              <a:rPr lang="en-US"/>
               <a:t>Fourth level</a:t>
             </a:r>
           </a:p>
           <a:p>
             <a:pPr lvl="4"/>
             <a:r>
-              <a:rPr lang="en-US" smtClean="0"/>
+              <a:rPr lang="en-US"/>
               <a:t>Fifth level</a:t>
             </a:r>
             <a:endParaRPr lang="en-US" dirty="0"/>
@@ -3498,7 +3500,7 @@
           <a:p>
             <a:fld id="{5620BCD8-EAC9-400D-8F9F-13D2EB503D50}" type="datetime1">
               <a:rPr lang="en-US" smtClean="0"/>
-              <a:t>8/22/2018</a:t>
+              <a:t>9/24/18</a:t>
             </a:fld>
             <a:endParaRPr lang="en-US"/>
           </a:p>
@@ -3683,7 +3685,7 @@
           </a:lstStyle>
           <a:p>
             <a:r>
-              <a:rPr lang="en-US" smtClean="0"/>
+              <a:rPr lang="en-US"/>
               <a:t>Click to edit Master title style</a:t>
             </a:r>
             <a:endParaRPr lang="en-US" dirty="0"/>
@@ -3804,7 +3806,7 @@
           <a:p>
             <a:pPr lvl="0"/>
             <a:r>
-              <a:rPr lang="en-US" smtClean="0"/>
+              <a:rPr lang="en-US"/>
               <a:t>Click to edit Master text styles</a:t>
             </a:r>
           </a:p>
@@ -3827,7 +3829,7 @@
           <a:p>
             <a:fld id="{684656F5-09F7-4839-98AD-A47FD76FD43E}" type="datetime1">
               <a:rPr lang="en-US" smtClean="0"/>
-              <a:t>8/22/2018</a:t>
+              <a:t>9/24/18</a:t>
             </a:fld>
             <a:endParaRPr lang="en-US"/>
           </a:p>
@@ -4008,7 +4010,7 @@
           <a:lstStyle/>
           <a:p>
             <a:r>
-              <a:rPr lang="en-US" smtClean="0"/>
+              <a:rPr lang="en-US"/>
               <a:t>Click to edit Master title style</a:t>
             </a:r>
             <a:endParaRPr lang="en-US" dirty="0"/>
@@ -4039,35 +4041,35 @@
           <a:p>
             <a:pPr lvl="0"/>
             <a:r>
-              <a:rPr lang="en-US" smtClean="0"/>
+              <a:rPr lang="en-US"/>
               <a:t>Click to edit Master text styles</a:t>
             </a:r>
           </a:p>
           <a:p>
             <a:pPr lvl="1"/>
             <a:r>
-              <a:rPr lang="en-US" smtClean="0"/>
+              <a:rPr lang="en-US"/>
               <a:t>Second level</a:t>
             </a:r>
           </a:p>
           <a:p>
             <a:pPr lvl="2"/>
             <a:r>
-              <a:rPr lang="en-US" smtClean="0"/>
+              <a:rPr lang="en-US"/>
               <a:t>Third level</a:t>
             </a:r>
           </a:p>
           <a:p>
             <a:pPr lvl="3"/>
             <a:r>
-              <a:rPr lang="en-US" smtClean="0"/>
+              <a:rPr lang="en-US"/>
               <a:t>Fourth level</a:t>
             </a:r>
           </a:p>
           <a:p>
             <a:pPr lvl="4"/>
             <a:r>
-              <a:rPr lang="en-US" smtClean="0"/>
+              <a:rPr lang="en-US"/>
               <a:t>Fifth level</a:t>
             </a:r>
             <a:endParaRPr lang="en-US" dirty="0"/>
@@ -4098,35 +4100,35 @@
           <a:p>
             <a:pPr lvl="0"/>
             <a:r>
-              <a:rPr lang="en-US" smtClean="0"/>
+              <a:rPr lang="en-US"/>
               <a:t>Click to edit Master text styles</a:t>
             </a:r>
           </a:p>
           <a:p>
             <a:pPr lvl="1"/>
             <a:r>
-              <a:rPr lang="en-US" smtClean="0"/>
+              <a:rPr lang="en-US"/>
               <a:t>Second level</a:t>
             </a:r>
           </a:p>
           <a:p>
             <a:pPr lvl="2"/>
             <a:r>
-              <a:rPr lang="en-US" smtClean="0"/>
+              <a:rPr lang="en-US"/>
               <a:t>Third level</a:t>
             </a:r>
           </a:p>
           <a:p>
             <a:pPr lvl="3"/>
             <a:r>
-              <a:rPr lang="en-US" smtClean="0"/>
+              <a:rPr lang="en-US"/>
               <a:t>Fourth level</a:t>
             </a:r>
           </a:p>
           <a:p>
             <a:pPr lvl="4"/>
             <a:r>
-              <a:rPr lang="en-US" smtClean="0"/>
+              <a:rPr lang="en-US"/>
               <a:t>Fifth level</a:t>
             </a:r>
             <a:endParaRPr lang="en-US" dirty="0"/>
@@ -4150,7 +4152,7 @@
           <a:p>
             <a:fld id="{6913BE8F-5F29-4D22-9F75-8D75D45E6D40}" type="datetime1">
               <a:rPr lang="en-US" smtClean="0"/>
-              <a:t>8/22/2018</a:t>
+              <a:t>9/24/18</a:t>
             </a:fld>
             <a:endParaRPr lang="en-US"/>
           </a:p>
@@ -4331,7 +4333,7 @@
           <a:lstStyle/>
           <a:p>
             <a:r>
-              <a:rPr lang="en-US" smtClean="0"/>
+              <a:rPr lang="en-US"/>
               <a:t>Click to edit Master title style</a:t>
             </a:r>
             <a:endParaRPr lang="en-US" dirty="0"/>
@@ -4399,7 +4401,7 @@
           <a:p>
             <a:pPr lvl="0"/>
             <a:r>
-              <a:rPr lang="en-US" smtClean="0"/>
+              <a:rPr lang="en-US"/>
               <a:t>Click to edit Master text styles</a:t>
             </a:r>
           </a:p>
@@ -4429,35 +4431,35 @@
           <a:p>
             <a:pPr lvl="0"/>
             <a:r>
-              <a:rPr lang="en-US" smtClean="0"/>
+              <a:rPr lang="en-US"/>
               <a:t>Click to edit Master text styles</a:t>
             </a:r>
           </a:p>
           <a:p>
             <a:pPr lvl="1"/>
             <a:r>
-              <a:rPr lang="en-US" smtClean="0"/>
+              <a:rPr lang="en-US"/>
               <a:t>Second level</a:t>
             </a:r>
           </a:p>
           <a:p>
             <a:pPr lvl="2"/>
             <a:r>
-              <a:rPr lang="en-US" smtClean="0"/>
+              <a:rPr lang="en-US"/>
               <a:t>Third level</a:t>
             </a:r>
           </a:p>
           <a:p>
             <a:pPr lvl="3"/>
             <a:r>
-              <a:rPr lang="en-US" smtClean="0"/>
+              <a:rPr lang="en-US"/>
               <a:t>Fourth level</a:t>
             </a:r>
           </a:p>
           <a:p>
             <a:pPr lvl="4"/>
             <a:r>
-              <a:rPr lang="en-US" smtClean="0"/>
+              <a:rPr lang="en-US"/>
               <a:t>Fifth level</a:t>
             </a:r>
             <a:endParaRPr lang="en-US" dirty="0"/>
@@ -4525,7 +4527,7 @@
           <a:p>
             <a:pPr lvl="0"/>
             <a:r>
-              <a:rPr lang="en-US" smtClean="0"/>
+              <a:rPr lang="en-US"/>
               <a:t>Click to edit Master text styles</a:t>
             </a:r>
           </a:p>
@@ -4555,35 +4557,35 @@
           <a:p>
             <a:pPr lvl="0"/>
             <a:r>
-              <a:rPr lang="en-US" smtClean="0"/>
+              <a:rPr lang="en-US"/>
               <a:t>Click to edit Master text styles</a:t>
             </a:r>
           </a:p>
           <a:p>
             <a:pPr lvl="1"/>
             <a:r>
-              <a:rPr lang="en-US" smtClean="0"/>
+              <a:rPr lang="en-US"/>
               <a:t>Second level</a:t>
             </a:r>
           </a:p>
           <a:p>
             <a:pPr lvl="2"/>
             <a:r>
-              <a:rPr lang="en-US" smtClean="0"/>
+              <a:rPr lang="en-US"/>
               <a:t>Third level</a:t>
             </a:r>
           </a:p>
           <a:p>
             <a:pPr lvl="3"/>
             <a:r>
-              <a:rPr lang="en-US" smtClean="0"/>
+              <a:rPr lang="en-US"/>
               <a:t>Fourth level</a:t>
             </a:r>
           </a:p>
           <a:p>
             <a:pPr lvl="4"/>
             <a:r>
-              <a:rPr lang="en-US" smtClean="0"/>
+              <a:rPr lang="en-US"/>
               <a:t>Fifth level</a:t>
             </a:r>
             <a:endParaRPr lang="en-US" dirty="0"/>
@@ -4607,7 +4609,7 @@
           <a:p>
             <a:fld id="{A1255B3B-1A05-4AAB-B287-1ABF39E04950}" type="datetime1">
               <a:rPr lang="en-US" smtClean="0"/>
-              <a:t>8/22/2018</a:t>
+              <a:t>9/24/18</a:t>
             </a:fld>
             <a:endParaRPr lang="en-US"/>
           </a:p>
@@ -4788,7 +4790,7 @@
           <a:lstStyle/>
           <a:p>
             <a:r>
-              <a:rPr lang="en-US" smtClean="0"/>
+              <a:rPr lang="en-US"/>
               <a:t>Click to edit Master title style</a:t>
             </a:r>
             <a:endParaRPr lang="en-US" dirty="0"/>
@@ -4812,7 +4814,7 @@
           <a:p>
             <a:fld id="{CAABEDC0-377B-4ECC-B18E-FED9D9162ED6}" type="datetime1">
               <a:rPr lang="en-US" smtClean="0"/>
-              <a:t>8/22/2018</a:t>
+              <a:t>9/24/18</a:t>
             </a:fld>
             <a:endParaRPr lang="en-US"/>
           </a:p>
@@ -4989,7 +4991,7 @@
           <a:p>
             <a:fld id="{2036DE6C-B232-4C3D-B304-2B209FF7DBF9}" type="datetime1">
               <a:rPr lang="en-US" smtClean="0"/>
-              <a:t>8/22/2018</a:t>
+              <a:t>9/24/18</a:t>
             </a:fld>
             <a:endParaRPr lang="en-US"/>
           </a:p>
@@ -5174,7 +5176,7 @@
           </a:lstStyle>
           <a:p>
             <a:r>
-              <a:rPr lang="en-US" smtClean="0"/>
+              <a:rPr lang="en-US"/>
               <a:t>Click to edit Master title style</a:t>
             </a:r>
             <a:endParaRPr lang="en-US" dirty="0"/>
@@ -5205,35 +5207,35 @@
           <a:p>
             <a:pPr lvl="0"/>
             <a:r>
-              <a:rPr lang="en-US" smtClean="0"/>
+              <a:rPr lang="en-US"/>
               <a:t>Click to edit Master text styles</a:t>
             </a:r>
           </a:p>
           <a:p>
             <a:pPr lvl="1"/>
             <a:r>
-              <a:rPr lang="en-US" smtClean="0"/>
+              <a:rPr lang="en-US"/>
               <a:t>Second level</a:t>
             </a:r>
           </a:p>
           <a:p>
             <a:pPr lvl="2"/>
             <a:r>
-              <a:rPr lang="en-US" smtClean="0"/>
+              <a:rPr lang="en-US"/>
               <a:t>Third level</a:t>
             </a:r>
           </a:p>
           <a:p>
             <a:pPr lvl="3"/>
             <a:r>
-              <a:rPr lang="en-US" smtClean="0"/>
+              <a:rPr lang="en-US"/>
               <a:t>Fourth level</a:t>
             </a:r>
           </a:p>
           <a:p>
             <a:pPr lvl="4"/>
             <a:r>
-              <a:rPr lang="en-US" smtClean="0"/>
+              <a:rPr lang="en-US"/>
               <a:t>Fifth level</a:t>
             </a:r>
             <a:endParaRPr lang="en-US" dirty="0"/>
@@ -5299,7 +5301,7 @@
           <a:p>
             <a:pPr lvl="0"/>
             <a:r>
-              <a:rPr lang="en-US" smtClean="0"/>
+              <a:rPr lang="en-US"/>
               <a:t>Click to edit Master text styles</a:t>
             </a:r>
           </a:p>
@@ -5322,7 +5324,7 @@
           <a:p>
             <a:fld id="{F2737266-4FC9-48E2-840B-E23C3AF66F8B}" type="datetime1">
               <a:rPr lang="en-US" smtClean="0"/>
-              <a:t>8/22/2018</a:t>
+              <a:t>9/24/18</a:t>
             </a:fld>
             <a:endParaRPr lang="en-US"/>
           </a:p>
@@ -5509,7 +5511,7 @@
           </a:lstStyle>
           <a:p>
             <a:r>
-              <a:rPr lang="en-US" smtClean="0"/>
+              <a:rPr lang="en-US"/>
               <a:t>Click to edit Master title style</a:t>
             </a:r>
             <a:endParaRPr lang="en-US" dirty="0"/>
@@ -5576,7 +5578,7 @@
           </a:lstStyle>
           <a:p>
             <a:r>
-              <a:rPr lang="en-US" smtClean="0"/>
+              <a:rPr lang="en-US"/>
               <a:t>Click icon to add picture</a:t>
             </a:r>
             <a:endParaRPr lang="en-US" dirty="0"/>
@@ -5644,7 +5646,7 @@
           <a:p>
             <a:pPr lvl="0"/>
             <a:r>
-              <a:rPr lang="en-US" smtClean="0"/>
+              <a:rPr lang="en-US"/>
               <a:t>Click to edit Master text styles</a:t>
             </a:r>
           </a:p>
@@ -5667,7 +5669,7 @@
           <a:p>
             <a:fld id="{5E2833C8-8D57-493A-B6B1-8E3B0004214D}" type="datetime1">
               <a:rPr lang="en-US" smtClean="0"/>
-              <a:t>8/22/2018</a:t>
+              <a:t>9/24/18</a:t>
             </a:fld>
             <a:endParaRPr lang="en-US"/>
           </a:p>
@@ -7680,7 +7682,7 @@
           <a:lstStyle/>
           <a:p>
             <a:r>
-              <a:rPr lang="en-US" smtClean="0"/>
+              <a:rPr lang="en-US"/>
               <a:t>Click to edit Master title style</a:t>
             </a:r>
             <a:endParaRPr lang="en-US" dirty="0"/>
@@ -7714,35 +7716,35 @@
           <a:p>
             <a:pPr lvl="0"/>
             <a:r>
-              <a:rPr lang="en-US" smtClean="0"/>
+              <a:rPr lang="en-US"/>
               <a:t>Click to edit Master text styles</a:t>
             </a:r>
           </a:p>
           <a:p>
             <a:pPr lvl="1"/>
             <a:r>
-              <a:rPr lang="en-US" smtClean="0"/>
+              <a:rPr lang="en-US"/>
               <a:t>Second level</a:t>
             </a:r>
           </a:p>
           <a:p>
             <a:pPr lvl="2"/>
             <a:r>
-              <a:rPr lang="en-US" smtClean="0"/>
+              <a:rPr lang="en-US"/>
               <a:t>Third level</a:t>
             </a:r>
           </a:p>
           <a:p>
             <a:pPr lvl="3"/>
             <a:r>
-              <a:rPr lang="en-US" smtClean="0"/>
+              <a:rPr lang="en-US"/>
               <a:t>Fourth level</a:t>
             </a:r>
           </a:p>
           <a:p>
             <a:pPr lvl="4"/>
             <a:r>
-              <a:rPr lang="en-US" smtClean="0"/>
+              <a:rPr lang="en-US"/>
               <a:t>Fifth level</a:t>
             </a:r>
             <a:endParaRPr lang="en-US" dirty="0"/>
@@ -7784,7 +7786,7 @@
           <a:p>
             <a:fld id="{844B3533-FB52-4865-8C82-0DA975B0A6AA}" type="datetime1">
               <a:rPr lang="en-US" smtClean="0"/>
-              <a:t>8/22/2018</a:t>
+              <a:t>9/24/18</a:t>
             </a:fld>
             <a:endParaRPr lang="en-US"/>
           </a:p>
@@ -8352,43 +8354,30 @@
           <a:p>
             <a:pPr algn="ctr"/>
             <a:r>
-              <a:rPr lang="en-US" dirty="0" smtClean="0"/>
+              <a:rPr lang="en-US" dirty="0"/>
               <a:t>Innovation Day</a:t>
             </a:r>
             <a:br>
-              <a:rPr lang="en-US" dirty="0" smtClean="0"/>
+              <a:rPr lang="en-US" dirty="0"/>
             </a:br>
             <a:r>
-              <a:rPr lang="en-US" sz="2400" dirty="0" smtClean="0"/>
+              <a:rPr lang="en-US" sz="2400" dirty="0"/>
               <a:t>Sponsored by:  </a:t>
-            </a:r>
-            <a:br>
-              <a:rPr lang="en-US" sz="2400" dirty="0" smtClean="0"/>
-            </a:br>
-            <a:r>
-              <a:rPr lang="en-US" sz="2400" dirty="0" smtClean="0"/>
-              <a:t>Single-Family </a:t>
-            </a:r>
-            <a:r>
-              <a:rPr lang="en-US" sz="2400" dirty="0"/>
-              <a:t>Front-End </a:t>
-            </a:r>
-            <a:r>
-              <a:rPr lang="en-US" sz="2400" dirty="0" smtClean="0"/>
-              <a:t>Technology </a:t>
-            </a:r>
-            <a:r>
-              <a:rPr lang="en-US" sz="2400" dirty="0"/>
-              <a:t/>
             </a:r>
             <a:br>
               <a:rPr lang="en-US" sz="2400" dirty="0"/>
             </a:br>
             <a:r>
-              <a:rPr lang="en-US" sz="2400" dirty="0" smtClean="0"/>
+              <a:rPr lang="en-US" sz="2400" dirty="0"/>
+              <a:t>Single-Family Front-End Technology </a:t>
+            </a:r>
+            <a:br>
+              <a:rPr lang="en-US" sz="2400" dirty="0"/>
+            </a:br>
+            <a:r>
+              <a:rPr lang="en-US" sz="2400" dirty="0"/>
               <a:t>Capital Markets Technology</a:t>
             </a:r>
-            <a:endParaRPr lang="en-US" sz="2400" dirty="0"/>
           </a:p>
         </p:txBody>
       </p:sp>
@@ -8414,18 +8403,16 @@
           <a:p>
             <a:pPr algn="r"/>
             <a:r>
-              <a:rPr lang="en-US" dirty="0" smtClean="0"/>
+              <a:rPr lang="en-US" dirty="0"/>
               <a:t>August 23, 2018</a:t>
             </a:r>
-            <a:endParaRPr lang="en-US" dirty="0"/>
           </a:p>
           <a:p>
             <a:pPr algn="r"/>
             <a:r>
-              <a:rPr lang="en-US" dirty="0" smtClean="0"/>
+              <a:rPr lang="en-US" dirty="0"/>
               <a:t>Property Monitoring Kit</a:t>
             </a:r>
-            <a:endParaRPr lang="en-US" dirty="0"/>
           </a:p>
         </p:txBody>
       </p:sp>
@@ -8480,7 +8467,7 @@
           <a:lstStyle/>
           <a:p>
             <a:r>
-              <a:rPr lang="en-US" dirty="0" smtClean="0">
+              <a:rPr lang="en-US" dirty="0">
                 <a:solidFill>
                   <a:schemeClr val="bg1">
                     <a:lumMod val="65000"/>
@@ -8490,7 +8477,7 @@
               <a:t>Innovation Day | August 23</a:t>
             </a:r>
             <a:r>
-              <a:rPr lang="en-US" baseline="30000" dirty="0" smtClean="0">
+              <a:rPr lang="en-US" baseline="30000" dirty="0">
                 <a:solidFill>
                   <a:schemeClr val="bg1">
                     <a:lumMod val="65000"/>
@@ -8500,7 +8487,7 @@
               <a:t>rd</a:t>
             </a:r>
             <a:r>
-              <a:rPr lang="en-US" dirty="0" smtClean="0">
+              <a:rPr lang="en-US" dirty="0">
                 <a:solidFill>
                   <a:schemeClr val="bg1">
                     <a:lumMod val="65000"/>
@@ -8509,13 +8496,6 @@
               </a:rPr>
               <a:t> 2018</a:t>
             </a:r>
-            <a:endParaRPr lang="en-US" dirty="0">
-              <a:solidFill>
-                <a:schemeClr val="bg1">
-                  <a:lumMod val="65000"/>
-                </a:schemeClr>
-              </a:solidFill>
-            </a:endParaRPr>
           </a:p>
         </p:txBody>
       </p:sp>
@@ -8529,13 +8509,6 @@
   <p:clrMapOvr>
     <a:masterClrMapping/>
   </p:clrMapOvr>
-  <p:timing>
-    <p:tnLst>
-      <p:par>
-        <p:cTn id="1" dur="indefinite" restart="never" nodeType="tmRoot"/>
-      </p:par>
-    </p:tnLst>
-  </p:timing>
 </p:sld>
 </file>
 
@@ -8573,10 +8546,9 @@
           <a:p>
             <a:pPr algn="r"/>
             <a:r>
-              <a:rPr lang="en-US" dirty="0" smtClean="0"/>
-              <a:t>Appendix: Raspberry Pi Kit Cost (Relay) </a:t>
-            </a:r>
-            <a:endParaRPr lang="en-US" dirty="0"/>
+              <a:rPr lang="en-US" dirty="0"/>
+              <a:t>Appendix 3: Raspberry Pi Kit Cost</a:t>
+            </a:r>
           </a:p>
         </p:txBody>
       </p:sp>
@@ -8698,7 +8670,7 @@
           </a:lstStyle>
           <a:p>
             <a:r>
-              <a:rPr lang="en-US" dirty="0" smtClean="0">
+              <a:rPr lang="en-US" dirty="0">
                 <a:solidFill>
                   <a:schemeClr val="bg1">
                     <a:lumMod val="65000"/>
@@ -8708,7 +8680,7 @@
               <a:t>Innovation Day | August 23</a:t>
             </a:r>
             <a:r>
-              <a:rPr lang="en-US" baseline="30000" dirty="0" smtClean="0">
+              <a:rPr lang="en-US" baseline="30000" dirty="0">
                 <a:solidFill>
                   <a:schemeClr val="bg1">
                     <a:lumMod val="65000"/>
@@ -8718,7 +8690,7 @@
               <a:t>rd</a:t>
             </a:r>
             <a:r>
-              <a:rPr lang="en-US" dirty="0" smtClean="0">
+              <a:rPr lang="en-US" dirty="0">
                 <a:solidFill>
                   <a:schemeClr val="bg1">
                     <a:lumMod val="65000"/>
@@ -8727,57 +8699,36 @@
               </a:rPr>
               <a:t> 2018</a:t>
             </a:r>
-            <a:endParaRPr lang="en-US" dirty="0">
-              <a:solidFill>
-                <a:schemeClr val="bg1">
-                  <a:lumMod val="65000"/>
-                </a:schemeClr>
-              </a:solidFill>
-            </a:endParaRPr>
-          </a:p>
-        </p:txBody>
-      </p:sp>
-      <p:sp>
-        <p:nvSpPr>
-          <p:cNvPr id="6" name="Content Placeholder 5"/>
-          <p:cNvSpPr>
-            <a:spLocks noGrp="1"/>
-          </p:cNvSpPr>
-          <p:nvPr>
-            <p:ph idx="1"/>
-          </p:nvPr>
-        </p:nvSpPr>
-        <p:spPr/>
-        <p:txBody>
-          <a:bodyPr/>
-          <a:lstStyle/>
-          <a:p>
-            <a:endParaRPr lang="en-US"/>
           </a:p>
         </p:txBody>
       </p:sp>
       <p:pic>
         <p:nvPicPr>
-          <p:cNvPr id="4" name="Picture 3"/>
+          <p:cNvPr id="3" name="Content Placeholder 2"/>
           <p:cNvPicPr>
-            <a:picLocks noChangeAspect="1"/>
+            <a:picLocks noGrp="1" noChangeAspect="1"/>
           </p:cNvPicPr>
-          <p:nvPr/>
+          <p:nvPr>
+            <p:ph idx="1"/>
+          </p:nvPr>
         </p:nvPicPr>
         <p:blipFill>
-          <a:blip r:embed="rId2"/>
+          <a:blip r:embed="rId2">
+            <a:extLst>
+              <a:ext uri="{28A0092B-C50C-407E-A947-70E740481C1C}">
+                <a14:useLocalDpi xmlns:a14="http://schemas.microsoft.com/office/drawing/2010/main" val="0"/>
+              </a:ext>
+            </a:extLst>
+          </a:blip>
           <a:stretch>
             <a:fillRect/>
           </a:stretch>
         </p:blipFill>
         <p:spPr>
           <a:xfrm>
-            <a:off x="2015821" y="1465243"/>
-            <a:ext cx="10062181" cy="5274466"/>
+            <a:off x="2999643" y="1521373"/>
+            <a:ext cx="8504969" cy="5013630"/>
           </a:xfrm>
-          <a:prstGeom prst="rect">
-            <a:avLst/>
-          </a:prstGeom>
         </p:spPr>
       </p:pic>
     </p:spTree>
@@ -8790,13 +8741,6 @@
   <p:clrMapOvr>
     <a:masterClrMapping/>
   </p:clrMapOvr>
-  <p:timing>
-    <p:tnLst>
-      <p:par>
-        <p:cTn id="1" dur="indefinite" restart="never" nodeType="tmRoot"/>
-      </p:par>
-    </p:tnLst>
-  </p:timing>
 </p:sld>
 </file>
 
@@ -8834,39 +8778,12 @@
           <a:p>
             <a:pPr algn="r"/>
             <a:r>
-              <a:rPr lang="en-US" dirty="0" smtClean="0"/>
-              <a:t>Appendix: 2017 10-K Report Page 59 </a:t>
-            </a:r>
-            <a:endParaRPr lang="en-US" dirty="0"/>
-          </a:p>
-        </p:txBody>
-      </p:sp>
-      <p:pic>
-        <p:nvPicPr>
-          <p:cNvPr id="4" name="Content Placeholder 3"/>
-          <p:cNvPicPr>
-            <a:picLocks noGrp="1" noChangeAspect="1"/>
-          </p:cNvPicPr>
-          <p:nvPr>
-            <p:ph idx="1"/>
-          </p:nvPr>
-        </p:nvPicPr>
-        <p:blipFill>
-          <a:blip r:embed="rId2"/>
-          <a:stretch>
-            <a:fillRect/>
-          </a:stretch>
-        </p:blipFill>
-        <p:spPr>
-          <a:xfrm>
-            <a:off x="2592925" y="1465253"/>
-            <a:ext cx="7768686" cy="4831030"/>
-          </a:xfrm>
-          <a:prstGeom prst="rect">
-            <a:avLst/>
-          </a:prstGeom>
-        </p:spPr>
-      </p:pic>
+              <a:rPr lang="en-US" dirty="0"/>
+              <a:t>Appendix 4: Mobile Hotspot Cost</a:t>
+            </a:r>
+          </a:p>
+        </p:txBody>
+      </p:sp>
       <p:sp>
         <p:nvSpPr>
           <p:cNvPr id="5" name="Footer Placeholder 3"/>
@@ -8985,7 +8902,7 @@
           </a:lstStyle>
           <a:p>
             <a:r>
-              <a:rPr lang="en-US" dirty="0" smtClean="0">
+              <a:rPr lang="en-US" dirty="0">
                 <a:solidFill>
                   <a:schemeClr val="bg1">
                     <a:lumMod val="65000"/>
@@ -8995,7 +8912,7 @@
               <a:t>Innovation Day | August 23</a:t>
             </a:r>
             <a:r>
-              <a:rPr lang="en-US" baseline="30000" dirty="0" smtClean="0">
+              <a:rPr lang="en-US" baseline="30000" dirty="0">
                 <a:solidFill>
                   <a:schemeClr val="bg1">
                     <a:lumMod val="65000"/>
@@ -9005,7 +8922,7 @@
               <a:t>rd</a:t>
             </a:r>
             <a:r>
-              <a:rPr lang="en-US" dirty="0" smtClean="0">
+              <a:rPr lang="en-US" dirty="0">
                 <a:solidFill>
                   <a:schemeClr val="bg1">
                     <a:lumMod val="65000"/>
@@ -9014,33 +8931,48 @@
               </a:rPr>
               <a:t> 2018</a:t>
             </a:r>
-            <a:endParaRPr lang="en-US" dirty="0">
-              <a:solidFill>
-                <a:schemeClr val="bg1">
-                  <a:lumMod val="65000"/>
-                </a:schemeClr>
-              </a:solidFill>
-            </a:endParaRPr>
-          </a:p>
-        </p:txBody>
-      </p:sp>
+          </a:p>
+        </p:txBody>
+      </p:sp>
+      <p:pic>
+        <p:nvPicPr>
+          <p:cNvPr id="6" name="Content Placeholder 5"/>
+          <p:cNvPicPr>
+            <a:picLocks noGrp="1" noChangeAspect="1"/>
+          </p:cNvPicPr>
+          <p:nvPr>
+            <p:ph idx="1"/>
+          </p:nvPr>
+        </p:nvPicPr>
+        <p:blipFill>
+          <a:blip r:embed="rId2">
+            <a:extLst>
+              <a:ext uri="{28A0092B-C50C-407E-A947-70E740481C1C}">
+                <a14:useLocalDpi xmlns:a14="http://schemas.microsoft.com/office/drawing/2010/main" val="0"/>
+              </a:ext>
+            </a:extLst>
+          </a:blip>
+          <a:stretch>
+            <a:fillRect/>
+          </a:stretch>
+        </p:blipFill>
+        <p:spPr>
+          <a:xfrm>
+            <a:off x="4398579" y="1400378"/>
+            <a:ext cx="7106033" cy="5073358"/>
+          </a:xfrm>
+        </p:spPr>
+      </p:pic>
     </p:spTree>
     <p:extLst>
       <p:ext uri="{BB962C8B-B14F-4D97-AF65-F5344CB8AC3E}">
-        <p14:creationId xmlns:p14="http://schemas.microsoft.com/office/powerpoint/2010/main" val="3916402592"/>
+        <p14:creationId xmlns:p14="http://schemas.microsoft.com/office/powerpoint/2010/main" val="2577302130"/>
       </p:ext>
     </p:extLst>
   </p:cSld>
   <p:clrMapOvr>
     <a:masterClrMapping/>
   </p:clrMapOvr>
-  <p:timing>
-    <p:tnLst>
-      <p:par>
-        <p:cTn id="1" dur="indefinite" restart="never" nodeType="tmRoot"/>
-      </p:par>
-    </p:tnLst>
-  </p:timing>
 </p:sld>
 </file>
 
@@ -9078,10 +9010,9 @@
           <a:p>
             <a:pPr algn="r"/>
             <a:r>
-              <a:rPr lang="en-US" dirty="0" smtClean="0"/>
-              <a:t>Appendix: 2017 10-K Report Page 71 </a:t>
-            </a:r>
-            <a:endParaRPr lang="en-US" dirty="0"/>
+              <a:rPr lang="en-US" dirty="0"/>
+              <a:t>Appendix 5A: AWS Elastic Stack Cost</a:t>
+            </a:r>
           </a:p>
         </p:txBody>
       </p:sp>
@@ -9203,7 +9134,7 @@
           </a:lstStyle>
           <a:p>
             <a:r>
-              <a:rPr lang="en-US" dirty="0" smtClean="0">
+              <a:rPr lang="en-US" dirty="0">
                 <a:solidFill>
                   <a:schemeClr val="bg1">
                     <a:lumMod val="65000"/>
@@ -9213,7 +9144,7 @@
               <a:t>Innovation Day | August 23</a:t>
             </a:r>
             <a:r>
-              <a:rPr lang="en-US" baseline="30000" dirty="0" smtClean="0">
+              <a:rPr lang="en-US" baseline="30000" dirty="0">
                 <a:solidFill>
                   <a:schemeClr val="bg1">
                     <a:lumMod val="65000"/>
@@ -9223,7 +9154,7 @@
               <a:t>rd</a:t>
             </a:r>
             <a:r>
-              <a:rPr lang="en-US" dirty="0" smtClean="0">
+              <a:rPr lang="en-US" dirty="0">
                 <a:solidFill>
                   <a:schemeClr val="bg1">
                     <a:lumMod val="65000"/>
@@ -9232,19 +9163,12 @@
               </a:rPr>
               <a:t> 2018</a:t>
             </a:r>
-            <a:endParaRPr lang="en-US" dirty="0">
-              <a:solidFill>
-                <a:schemeClr val="bg1">
-                  <a:lumMod val="65000"/>
-                </a:schemeClr>
-              </a:solidFill>
-            </a:endParaRPr>
-          </a:p>
-        </p:txBody>
-      </p:sp>
-      <p:sp>
-        <p:nvSpPr>
-          <p:cNvPr id="3" name="Content Placeholder 2"/>
+          </a:p>
+        </p:txBody>
+      </p:sp>
+      <p:sp>
+        <p:nvSpPr>
+          <p:cNvPr id="7" name="Content Placeholder 6"/>
           <p:cNvSpPr>
             <a:spLocks noGrp="1"/>
           </p:cNvSpPr>
@@ -9252,12 +9176,881 @@
             <p:ph idx="1"/>
           </p:nvPr>
         </p:nvSpPr>
+        <p:spPr>
+          <a:xfrm>
+            <a:off x="5612523" y="2133600"/>
+            <a:ext cx="5892089" cy="3777622"/>
+          </a:xfrm>
+        </p:spPr>
+        <p:txBody>
+          <a:bodyPr>
+            <a:normAutofit fontScale="92500" lnSpcReduction="20000"/>
+          </a:bodyPr>
+          <a:lstStyle/>
+          <a:p>
+            <a:r>
+              <a:rPr lang="en-US" dirty="0"/>
+              <a:t>Assume typical relay payload of 400 UTF-8 characters around 1 byte each</a:t>
+            </a:r>
+          </a:p>
+          <a:p>
+            <a:pPr lvl="0"/>
+            <a:r>
+              <a:rPr lang="en-US" dirty="0"/>
+              <a:t>Each Property Monitoring Kit transmits one payload per minute, or 60*24=1440 payloads per day</a:t>
+            </a:r>
+          </a:p>
+          <a:p>
+            <a:pPr lvl="0"/>
+            <a:r>
+              <a:rPr lang="en-US" dirty="0"/>
+              <a:t>That's 1,440 minutes * 400 bytes = 576,000 bytes = 562.5 KB = .55 MB per Property Monitoring Kit per day</a:t>
+            </a:r>
+          </a:p>
+          <a:p>
+            <a:pPr lvl="0"/>
+            <a:r>
+              <a:rPr lang="en-US" dirty="0"/>
+              <a:t>At the end of 2017, Fannie Mae had around 16K marketable single family REO properties, so that's 16,000*.55 MB = 8789 MB = 8.5 GB per day</a:t>
+            </a:r>
+          </a:p>
+          <a:p>
+            <a:pPr lvl="0"/>
+            <a:r>
+              <a:rPr lang="en-US" dirty="0"/>
+              <a:t>We probably don't need to keep the data for longer than 90 days. So that's total ongoing storage capacity of around 90 * 8.5 GB = 765 GB or around 1 TB</a:t>
+            </a:r>
+          </a:p>
+          <a:p>
+            <a:endParaRPr lang="en-US" dirty="0"/>
+          </a:p>
+        </p:txBody>
+      </p:sp>
+      <p:pic>
+        <p:nvPicPr>
+          <p:cNvPr id="8" name="Picture 7"/>
+          <p:cNvPicPr>
+            <a:picLocks noChangeAspect="1"/>
+          </p:cNvPicPr>
+          <p:nvPr/>
+        </p:nvPicPr>
+        <p:blipFill>
+          <a:blip r:embed="rId2">
+            <a:clrChange>
+              <a:clrFrom>
+                <a:srgbClr val="FFFFFF"/>
+              </a:clrFrom>
+              <a:clrTo>
+                <a:srgbClr val="FFFFFF">
+                  <a:alpha val="0"/>
+                </a:srgbClr>
+              </a:clrTo>
+            </a:clrChange>
+            <a:extLst>
+              <a:ext uri="{28A0092B-C50C-407E-A947-70E740481C1C}">
+                <a14:useLocalDpi xmlns:a14="http://schemas.microsoft.com/office/drawing/2010/main" val="0"/>
+              </a:ext>
+            </a:extLst>
+          </a:blip>
+          <a:stretch>
+            <a:fillRect/>
+          </a:stretch>
+        </p:blipFill>
+        <p:spPr>
+          <a:xfrm>
+            <a:off x="3087671" y="1905000"/>
+            <a:ext cx="2524852" cy="3734362"/>
+          </a:xfrm>
+          <a:prstGeom prst="rect">
+            <a:avLst/>
+          </a:prstGeom>
+        </p:spPr>
+      </p:pic>
+    </p:spTree>
+    <p:extLst>
+      <p:ext uri="{BB962C8B-B14F-4D97-AF65-F5344CB8AC3E}">
+        <p14:creationId xmlns:p14="http://schemas.microsoft.com/office/powerpoint/2010/main" val="645297086"/>
+      </p:ext>
+    </p:extLst>
+  </p:cSld>
+  <p:clrMapOvr>
+    <a:masterClrMapping/>
+  </p:clrMapOvr>
+</p:sld>
+</file>
+
+<file path=ppt/slides/slide13.xml><?xml version="1.0" encoding="utf-8"?>
+<p:sld xmlns:a="http://schemas.openxmlformats.org/drawingml/2006/main" xmlns:r="http://schemas.openxmlformats.org/officeDocument/2006/relationships" xmlns:p="http://schemas.openxmlformats.org/presentationml/2006/main">
+  <p:cSld>
+    <p:spTree>
+      <p:nvGrpSpPr>
+        <p:cNvPr id="1" name=""/>
+        <p:cNvGrpSpPr/>
+        <p:nvPr/>
+      </p:nvGrpSpPr>
+      <p:grpSpPr>
+        <a:xfrm>
+          <a:off x="0" y="0"/>
+          <a:ext cx="0" cy="0"/>
+          <a:chOff x="0" y="0"/>
+          <a:chExt cx="0" cy="0"/>
+        </a:xfrm>
+      </p:grpSpPr>
+      <p:sp>
+        <p:nvSpPr>
+          <p:cNvPr id="2" name="Title 1"/>
+          <p:cNvSpPr>
+            <a:spLocks noGrp="1"/>
+          </p:cNvSpPr>
+          <p:nvPr>
+            <p:ph type="title"/>
+          </p:nvPr>
+        </p:nvSpPr>
         <p:spPr/>
         <p:txBody>
           <a:bodyPr/>
           <a:lstStyle/>
           <a:p>
-            <a:endParaRPr lang="en-US"/>
+            <a:pPr algn="r"/>
+            <a:r>
+              <a:rPr lang="en-US" dirty="0"/>
+              <a:t>Appendix 5B: AWS Elastic Stack Cost</a:t>
+            </a:r>
+          </a:p>
+        </p:txBody>
+      </p:sp>
+      <p:sp>
+        <p:nvSpPr>
+          <p:cNvPr id="5" name="Footer Placeholder 3"/>
+          <p:cNvSpPr txBox="1">
+            <a:spLocks/>
+          </p:cNvSpPr>
+          <p:nvPr/>
+        </p:nvSpPr>
+        <p:spPr>
+          <a:xfrm>
+            <a:off x="2741612" y="6473736"/>
+            <a:ext cx="7619999" cy="365125"/>
+          </a:xfrm>
+          <a:prstGeom prst="rect">
+            <a:avLst/>
+          </a:prstGeom>
+        </p:spPr>
+        <p:txBody>
+          <a:bodyPr vert="horz" lIns="91440" tIns="45720" rIns="91440" bIns="45720" rtlCol="0" anchor="ctr"/>
+          <a:lstStyle>
+            <a:defPPr>
+              <a:defRPr lang="en-US"/>
+            </a:defPPr>
+            <a:lvl1pPr marL="0" algn="l" defTabSz="914400" rtl="0" eaLnBrk="1" latinLnBrk="0" hangingPunct="1">
+              <a:defRPr sz="900" kern="1200">
+                <a:solidFill>
+                  <a:schemeClr val="tx1">
+                    <a:tint val="75000"/>
+                  </a:schemeClr>
+                </a:solidFill>
+                <a:latin typeface="+mn-lt"/>
+                <a:ea typeface="+mn-ea"/>
+                <a:cs typeface="+mn-cs"/>
+              </a:defRPr>
+            </a:lvl1pPr>
+            <a:lvl2pPr marL="457200" algn="l" defTabSz="914400" rtl="0" eaLnBrk="1" latinLnBrk="0" hangingPunct="1">
+              <a:defRPr sz="1800" kern="1200">
+                <a:solidFill>
+                  <a:schemeClr val="tx1"/>
+                </a:solidFill>
+                <a:latin typeface="+mn-lt"/>
+                <a:ea typeface="+mn-ea"/>
+                <a:cs typeface="+mn-cs"/>
+              </a:defRPr>
+            </a:lvl2pPr>
+            <a:lvl3pPr marL="914400" algn="l" defTabSz="914400" rtl="0" eaLnBrk="1" latinLnBrk="0" hangingPunct="1">
+              <a:defRPr sz="1800" kern="1200">
+                <a:solidFill>
+                  <a:schemeClr val="tx1"/>
+                </a:solidFill>
+                <a:latin typeface="+mn-lt"/>
+                <a:ea typeface="+mn-ea"/>
+                <a:cs typeface="+mn-cs"/>
+              </a:defRPr>
+            </a:lvl3pPr>
+            <a:lvl4pPr marL="1371600" algn="l" defTabSz="914400" rtl="0" eaLnBrk="1" latinLnBrk="0" hangingPunct="1">
+              <a:defRPr sz="1800" kern="1200">
+                <a:solidFill>
+                  <a:schemeClr val="tx1"/>
+                </a:solidFill>
+                <a:latin typeface="+mn-lt"/>
+                <a:ea typeface="+mn-ea"/>
+                <a:cs typeface="+mn-cs"/>
+              </a:defRPr>
+            </a:lvl4pPr>
+            <a:lvl5pPr marL="1828800" algn="l" defTabSz="914400" rtl="0" eaLnBrk="1" latinLnBrk="0" hangingPunct="1">
+              <a:defRPr sz="1800" kern="1200">
+                <a:solidFill>
+                  <a:schemeClr val="tx1"/>
+                </a:solidFill>
+                <a:latin typeface="+mn-lt"/>
+                <a:ea typeface="+mn-ea"/>
+                <a:cs typeface="+mn-cs"/>
+              </a:defRPr>
+            </a:lvl5pPr>
+            <a:lvl6pPr marL="2286000" algn="l" defTabSz="914400" rtl="0" eaLnBrk="1" latinLnBrk="0" hangingPunct="1">
+              <a:defRPr sz="1800" kern="1200">
+                <a:solidFill>
+                  <a:schemeClr val="tx1"/>
+                </a:solidFill>
+                <a:latin typeface="+mn-lt"/>
+                <a:ea typeface="+mn-ea"/>
+                <a:cs typeface="+mn-cs"/>
+              </a:defRPr>
+            </a:lvl6pPr>
+            <a:lvl7pPr marL="2743200" algn="l" defTabSz="914400" rtl="0" eaLnBrk="1" latinLnBrk="0" hangingPunct="1">
+              <a:defRPr sz="1800" kern="1200">
+                <a:solidFill>
+                  <a:schemeClr val="tx1"/>
+                </a:solidFill>
+                <a:latin typeface="+mn-lt"/>
+                <a:ea typeface="+mn-ea"/>
+                <a:cs typeface="+mn-cs"/>
+              </a:defRPr>
+            </a:lvl7pPr>
+            <a:lvl8pPr marL="3200400" algn="l" defTabSz="914400" rtl="0" eaLnBrk="1" latinLnBrk="0" hangingPunct="1">
+              <a:defRPr sz="1800" kern="1200">
+                <a:solidFill>
+                  <a:schemeClr val="tx1"/>
+                </a:solidFill>
+                <a:latin typeface="+mn-lt"/>
+                <a:ea typeface="+mn-ea"/>
+                <a:cs typeface="+mn-cs"/>
+              </a:defRPr>
+            </a:lvl8pPr>
+            <a:lvl9pPr marL="3657600" algn="l" defTabSz="914400" rtl="0" eaLnBrk="1" latinLnBrk="0" hangingPunct="1">
+              <a:defRPr sz="1800" kern="1200">
+                <a:solidFill>
+                  <a:schemeClr val="tx1"/>
+                </a:solidFill>
+                <a:latin typeface="+mn-lt"/>
+                <a:ea typeface="+mn-ea"/>
+                <a:cs typeface="+mn-cs"/>
+              </a:defRPr>
+            </a:lvl9pPr>
+          </a:lstStyle>
+          <a:p>
+            <a:r>
+              <a:rPr lang="en-US" dirty="0">
+                <a:solidFill>
+                  <a:schemeClr val="bg1">
+                    <a:lumMod val="65000"/>
+                  </a:schemeClr>
+                </a:solidFill>
+              </a:rPr>
+              <a:t>Innovation Day | August 23</a:t>
+            </a:r>
+            <a:r>
+              <a:rPr lang="en-US" baseline="30000" dirty="0">
+                <a:solidFill>
+                  <a:schemeClr val="bg1">
+                    <a:lumMod val="65000"/>
+                  </a:schemeClr>
+                </a:solidFill>
+              </a:rPr>
+              <a:t>rd</a:t>
+            </a:r>
+            <a:r>
+              <a:rPr lang="en-US" dirty="0">
+                <a:solidFill>
+                  <a:schemeClr val="bg1">
+                    <a:lumMod val="65000"/>
+                  </a:schemeClr>
+                </a:solidFill>
+              </a:rPr>
+              <a:t> 2018</a:t>
+            </a:r>
+          </a:p>
+        </p:txBody>
+      </p:sp>
+      <p:sp>
+        <p:nvSpPr>
+          <p:cNvPr id="7" name="Content Placeholder 6"/>
+          <p:cNvSpPr>
+            <a:spLocks noGrp="1"/>
+          </p:cNvSpPr>
+          <p:nvPr>
+            <p:ph idx="1"/>
+          </p:nvPr>
+        </p:nvSpPr>
+        <p:spPr>
+          <a:xfrm>
+            <a:off x="3145221" y="2133600"/>
+            <a:ext cx="8359391" cy="3777622"/>
+          </a:xfrm>
+        </p:spPr>
+        <p:txBody>
+          <a:bodyPr>
+            <a:normAutofit fontScale="62500" lnSpcReduction="20000"/>
+          </a:bodyPr>
+          <a:lstStyle/>
+          <a:p>
+            <a:pPr lvl="0"/>
+            <a:r>
+              <a:rPr lang="en-US" dirty="0"/>
+              <a:t>To calculate AWS Elastic Search prices, I referred to these guides:</a:t>
+            </a:r>
+            <a:br>
+              <a:rPr lang="en-US" dirty="0"/>
+            </a:br>
+            <a:r>
+              <a:rPr lang="en-US" u="sng" dirty="0">
+                <a:hlinkClick r:id="rId2"/>
+              </a:rPr>
+              <a:t>https://aws.amazon.com/elasticsearch-service/pricing/</a:t>
+            </a:r>
+            <a:br>
+              <a:rPr lang="en-US" dirty="0"/>
+            </a:br>
+            <a:r>
+              <a:rPr lang="en-US" u="sng" dirty="0">
+                <a:hlinkClick r:id="rId3"/>
+              </a:rPr>
+              <a:t>https://docs.aws.amazon.com/elasticsearch-service/latest/developerguide/aes-limits.html</a:t>
+            </a:r>
+            <a:br>
+              <a:rPr lang="en-US" dirty="0"/>
+            </a:br>
+            <a:r>
+              <a:rPr lang="en-US" u="sng" dirty="0">
+                <a:hlinkClick r:id="rId4"/>
+              </a:rPr>
+              <a:t>https://aws.amazon.com/ec2/pricing/reserved-instances/pricing/</a:t>
+            </a:r>
+            <a:endParaRPr lang="en-US" dirty="0"/>
+          </a:p>
+          <a:p>
+            <a:pPr lvl="0"/>
+            <a:r>
+              <a:rPr lang="en-US" dirty="0"/>
+              <a:t>The cost is the combination of these three factors:</a:t>
+            </a:r>
+          </a:p>
+          <a:p>
+            <a:pPr lvl="1"/>
+            <a:r>
+              <a:rPr lang="en-US" dirty="0"/>
+              <a:t>Amazon </a:t>
+            </a:r>
+            <a:r>
+              <a:rPr lang="en-US" dirty="0" err="1"/>
+              <a:t>Elasticsearch</a:t>
+            </a:r>
+            <a:r>
+              <a:rPr lang="en-US" dirty="0"/>
+              <a:t> Service instance hours</a:t>
+            </a:r>
+          </a:p>
+          <a:p>
+            <a:pPr lvl="2"/>
+            <a:r>
+              <a:rPr lang="en-US" dirty="0"/>
+              <a:t>A single m4.xlarge.elasticsearch instance provides up to 1 TB of EBS size with maximum HTTP request payloads of 100 MB</a:t>
+            </a:r>
+          </a:p>
+          <a:p>
+            <a:pPr lvl="2"/>
+            <a:r>
+              <a:rPr lang="en-US" dirty="0"/>
+              <a:t>For a 3-year reserved single instance of m4.xlarge.elasticsearch, that's $3,797.00 for three years (or $105.47 per month)</a:t>
+            </a:r>
+          </a:p>
+          <a:p>
+            <a:pPr lvl="1"/>
+            <a:r>
+              <a:rPr lang="en-US" dirty="0"/>
+              <a:t>Amazon EBS storage</a:t>
+            </a:r>
+          </a:p>
+          <a:p>
+            <a:pPr lvl="2"/>
+            <a:r>
+              <a:rPr lang="en-US" dirty="0"/>
+              <a:t>General Purpose (SSD) Storage on Amazon EBS Standard volumes : $0.135 per GB / month</a:t>
+            </a:r>
+          </a:p>
+          <a:p>
+            <a:pPr lvl="2"/>
+            <a:r>
+              <a:rPr lang="en-US" dirty="0"/>
+              <a:t>765 GB * $0.135 = $103.28 per month</a:t>
+            </a:r>
+          </a:p>
+          <a:p>
+            <a:pPr lvl="1"/>
+            <a:r>
+              <a:rPr lang="en-US" dirty="0"/>
+              <a:t>AWS Data Transfer Charges</a:t>
+            </a:r>
+          </a:p>
+          <a:p>
+            <a:pPr lvl="2"/>
+            <a:r>
+              <a:rPr lang="en-US" dirty="0"/>
+              <a:t>For a standard 3-year term on a reserved m4.xlarge instance, that's $1,976.00 if paid all up front (or $54.89 per month)</a:t>
+            </a:r>
+          </a:p>
+          <a:p>
+            <a:pPr lvl="0"/>
+            <a:r>
+              <a:rPr lang="en-US" dirty="0"/>
+              <a:t>According to these calculations, the AWS Elastic Search cost is 105.47+103.28+54.89=$263.64 per month</a:t>
+            </a:r>
+            <a:br>
+              <a:rPr lang="en-US" dirty="0"/>
+            </a:br>
+            <a:r>
+              <a:rPr lang="en-US" dirty="0"/>
+              <a:t>(I'm not sure if that price includes the cost of running elastic search queries / doing analytics)</a:t>
+            </a:r>
+          </a:p>
+          <a:p>
+            <a:pPr lvl="0"/>
+            <a:r>
+              <a:rPr lang="en-US" dirty="0"/>
+              <a:t>To summarize: Around $263.64 per month for Elastic Search (with 3-year contracts)</a:t>
+            </a:r>
+          </a:p>
+          <a:p>
+            <a:endParaRPr lang="en-US" dirty="0"/>
+          </a:p>
+        </p:txBody>
+      </p:sp>
+    </p:spTree>
+    <p:extLst>
+      <p:ext uri="{BB962C8B-B14F-4D97-AF65-F5344CB8AC3E}">
+        <p14:creationId xmlns:p14="http://schemas.microsoft.com/office/powerpoint/2010/main" val="3918730654"/>
+      </p:ext>
+    </p:extLst>
+  </p:cSld>
+  <p:clrMapOvr>
+    <a:masterClrMapping/>
+  </p:clrMapOvr>
+</p:sld>
+</file>
+
+<file path=ppt/slides/slide14.xml><?xml version="1.0" encoding="utf-8"?>
+<p:sld xmlns:a="http://schemas.openxmlformats.org/drawingml/2006/main" xmlns:r="http://schemas.openxmlformats.org/officeDocument/2006/relationships" xmlns:p="http://schemas.openxmlformats.org/presentationml/2006/main">
+  <p:cSld>
+    <p:spTree>
+      <p:nvGrpSpPr>
+        <p:cNvPr id="1" name=""/>
+        <p:cNvGrpSpPr/>
+        <p:nvPr/>
+      </p:nvGrpSpPr>
+      <p:grpSpPr>
+        <a:xfrm>
+          <a:off x="0" y="0"/>
+          <a:ext cx="0" cy="0"/>
+          <a:chOff x="0" y="0"/>
+          <a:chExt cx="0" cy="0"/>
+        </a:xfrm>
+      </p:grpSpPr>
+      <p:sp>
+        <p:nvSpPr>
+          <p:cNvPr id="2" name="Title 1"/>
+          <p:cNvSpPr>
+            <a:spLocks noGrp="1"/>
+          </p:cNvSpPr>
+          <p:nvPr>
+            <p:ph type="title"/>
+          </p:nvPr>
+        </p:nvSpPr>
+        <p:spPr/>
+        <p:txBody>
+          <a:bodyPr/>
+          <a:lstStyle/>
+          <a:p>
+            <a:pPr algn="r"/>
+            <a:r>
+              <a:rPr lang="en-US" dirty="0"/>
+              <a:t>Appendix 6: 2017 10-K Report Page 59 </a:t>
+            </a:r>
+          </a:p>
+        </p:txBody>
+      </p:sp>
+      <p:pic>
+        <p:nvPicPr>
+          <p:cNvPr id="4" name="Content Placeholder 3"/>
+          <p:cNvPicPr>
+            <a:picLocks noGrp="1" noChangeAspect="1"/>
+          </p:cNvPicPr>
+          <p:nvPr>
+            <p:ph idx="1"/>
+          </p:nvPr>
+        </p:nvPicPr>
+        <p:blipFill>
+          <a:blip r:embed="rId2"/>
+          <a:stretch>
+            <a:fillRect/>
+          </a:stretch>
+        </p:blipFill>
+        <p:spPr>
+          <a:xfrm>
+            <a:off x="2592925" y="1465253"/>
+            <a:ext cx="7768686" cy="4831030"/>
+          </a:xfrm>
+          <a:prstGeom prst="rect">
+            <a:avLst/>
+          </a:prstGeom>
+        </p:spPr>
+      </p:pic>
+      <p:sp>
+        <p:nvSpPr>
+          <p:cNvPr id="5" name="Footer Placeholder 3"/>
+          <p:cNvSpPr txBox="1">
+            <a:spLocks/>
+          </p:cNvSpPr>
+          <p:nvPr/>
+        </p:nvSpPr>
+        <p:spPr>
+          <a:xfrm>
+            <a:off x="2741612" y="6473736"/>
+            <a:ext cx="7619999" cy="365125"/>
+          </a:xfrm>
+          <a:prstGeom prst="rect">
+            <a:avLst/>
+          </a:prstGeom>
+        </p:spPr>
+        <p:txBody>
+          <a:bodyPr vert="horz" lIns="91440" tIns="45720" rIns="91440" bIns="45720" rtlCol="0" anchor="ctr"/>
+          <a:lstStyle>
+            <a:defPPr>
+              <a:defRPr lang="en-US"/>
+            </a:defPPr>
+            <a:lvl1pPr marL="0" algn="l" defTabSz="914400" rtl="0" eaLnBrk="1" latinLnBrk="0" hangingPunct="1">
+              <a:defRPr sz="900" kern="1200">
+                <a:solidFill>
+                  <a:schemeClr val="tx1">
+                    <a:tint val="75000"/>
+                  </a:schemeClr>
+                </a:solidFill>
+                <a:latin typeface="+mn-lt"/>
+                <a:ea typeface="+mn-ea"/>
+                <a:cs typeface="+mn-cs"/>
+              </a:defRPr>
+            </a:lvl1pPr>
+            <a:lvl2pPr marL="457200" algn="l" defTabSz="914400" rtl="0" eaLnBrk="1" latinLnBrk="0" hangingPunct="1">
+              <a:defRPr sz="1800" kern="1200">
+                <a:solidFill>
+                  <a:schemeClr val="tx1"/>
+                </a:solidFill>
+                <a:latin typeface="+mn-lt"/>
+                <a:ea typeface="+mn-ea"/>
+                <a:cs typeface="+mn-cs"/>
+              </a:defRPr>
+            </a:lvl2pPr>
+            <a:lvl3pPr marL="914400" algn="l" defTabSz="914400" rtl="0" eaLnBrk="1" latinLnBrk="0" hangingPunct="1">
+              <a:defRPr sz="1800" kern="1200">
+                <a:solidFill>
+                  <a:schemeClr val="tx1"/>
+                </a:solidFill>
+                <a:latin typeface="+mn-lt"/>
+                <a:ea typeface="+mn-ea"/>
+                <a:cs typeface="+mn-cs"/>
+              </a:defRPr>
+            </a:lvl3pPr>
+            <a:lvl4pPr marL="1371600" algn="l" defTabSz="914400" rtl="0" eaLnBrk="1" latinLnBrk="0" hangingPunct="1">
+              <a:defRPr sz="1800" kern="1200">
+                <a:solidFill>
+                  <a:schemeClr val="tx1"/>
+                </a:solidFill>
+                <a:latin typeface="+mn-lt"/>
+                <a:ea typeface="+mn-ea"/>
+                <a:cs typeface="+mn-cs"/>
+              </a:defRPr>
+            </a:lvl4pPr>
+            <a:lvl5pPr marL="1828800" algn="l" defTabSz="914400" rtl="0" eaLnBrk="1" latinLnBrk="0" hangingPunct="1">
+              <a:defRPr sz="1800" kern="1200">
+                <a:solidFill>
+                  <a:schemeClr val="tx1"/>
+                </a:solidFill>
+                <a:latin typeface="+mn-lt"/>
+                <a:ea typeface="+mn-ea"/>
+                <a:cs typeface="+mn-cs"/>
+              </a:defRPr>
+            </a:lvl5pPr>
+            <a:lvl6pPr marL="2286000" algn="l" defTabSz="914400" rtl="0" eaLnBrk="1" latinLnBrk="0" hangingPunct="1">
+              <a:defRPr sz="1800" kern="1200">
+                <a:solidFill>
+                  <a:schemeClr val="tx1"/>
+                </a:solidFill>
+                <a:latin typeface="+mn-lt"/>
+                <a:ea typeface="+mn-ea"/>
+                <a:cs typeface="+mn-cs"/>
+              </a:defRPr>
+            </a:lvl6pPr>
+            <a:lvl7pPr marL="2743200" algn="l" defTabSz="914400" rtl="0" eaLnBrk="1" latinLnBrk="0" hangingPunct="1">
+              <a:defRPr sz="1800" kern="1200">
+                <a:solidFill>
+                  <a:schemeClr val="tx1"/>
+                </a:solidFill>
+                <a:latin typeface="+mn-lt"/>
+                <a:ea typeface="+mn-ea"/>
+                <a:cs typeface="+mn-cs"/>
+              </a:defRPr>
+            </a:lvl7pPr>
+            <a:lvl8pPr marL="3200400" algn="l" defTabSz="914400" rtl="0" eaLnBrk="1" latinLnBrk="0" hangingPunct="1">
+              <a:defRPr sz="1800" kern="1200">
+                <a:solidFill>
+                  <a:schemeClr val="tx1"/>
+                </a:solidFill>
+                <a:latin typeface="+mn-lt"/>
+                <a:ea typeface="+mn-ea"/>
+                <a:cs typeface="+mn-cs"/>
+              </a:defRPr>
+            </a:lvl8pPr>
+            <a:lvl9pPr marL="3657600" algn="l" defTabSz="914400" rtl="0" eaLnBrk="1" latinLnBrk="0" hangingPunct="1">
+              <a:defRPr sz="1800" kern="1200">
+                <a:solidFill>
+                  <a:schemeClr val="tx1"/>
+                </a:solidFill>
+                <a:latin typeface="+mn-lt"/>
+                <a:ea typeface="+mn-ea"/>
+                <a:cs typeface="+mn-cs"/>
+              </a:defRPr>
+            </a:lvl9pPr>
+          </a:lstStyle>
+          <a:p>
+            <a:r>
+              <a:rPr lang="en-US" dirty="0">
+                <a:solidFill>
+                  <a:schemeClr val="bg1">
+                    <a:lumMod val="65000"/>
+                  </a:schemeClr>
+                </a:solidFill>
+              </a:rPr>
+              <a:t>Innovation Day | August 23</a:t>
+            </a:r>
+            <a:r>
+              <a:rPr lang="en-US" baseline="30000" dirty="0">
+                <a:solidFill>
+                  <a:schemeClr val="bg1">
+                    <a:lumMod val="65000"/>
+                  </a:schemeClr>
+                </a:solidFill>
+              </a:rPr>
+              <a:t>rd</a:t>
+            </a:r>
+            <a:r>
+              <a:rPr lang="en-US" dirty="0">
+                <a:solidFill>
+                  <a:schemeClr val="bg1">
+                    <a:lumMod val="65000"/>
+                  </a:schemeClr>
+                </a:solidFill>
+              </a:rPr>
+              <a:t> 2018</a:t>
+            </a:r>
+          </a:p>
+        </p:txBody>
+      </p:sp>
+    </p:spTree>
+    <p:extLst>
+      <p:ext uri="{BB962C8B-B14F-4D97-AF65-F5344CB8AC3E}">
+        <p14:creationId xmlns:p14="http://schemas.microsoft.com/office/powerpoint/2010/main" val="3916402592"/>
+      </p:ext>
+    </p:extLst>
+  </p:cSld>
+  <p:clrMapOvr>
+    <a:masterClrMapping/>
+  </p:clrMapOvr>
+</p:sld>
+</file>
+
+<file path=ppt/slides/slide15.xml><?xml version="1.0" encoding="utf-8"?>
+<p:sld xmlns:a="http://schemas.openxmlformats.org/drawingml/2006/main" xmlns:r="http://schemas.openxmlformats.org/officeDocument/2006/relationships" xmlns:p="http://schemas.openxmlformats.org/presentationml/2006/main">
+  <p:cSld>
+    <p:spTree>
+      <p:nvGrpSpPr>
+        <p:cNvPr id="1" name=""/>
+        <p:cNvGrpSpPr/>
+        <p:nvPr/>
+      </p:nvGrpSpPr>
+      <p:grpSpPr>
+        <a:xfrm>
+          <a:off x="0" y="0"/>
+          <a:ext cx="0" cy="0"/>
+          <a:chOff x="0" y="0"/>
+          <a:chExt cx="0" cy="0"/>
+        </a:xfrm>
+      </p:grpSpPr>
+      <p:sp>
+        <p:nvSpPr>
+          <p:cNvPr id="2" name="Title 1"/>
+          <p:cNvSpPr>
+            <a:spLocks noGrp="1"/>
+          </p:cNvSpPr>
+          <p:nvPr>
+            <p:ph type="title"/>
+          </p:nvPr>
+        </p:nvSpPr>
+        <p:spPr/>
+        <p:txBody>
+          <a:bodyPr/>
+          <a:lstStyle/>
+          <a:p>
+            <a:pPr algn="r"/>
+            <a:r>
+              <a:rPr lang="en-US" dirty="0"/>
+              <a:t>Appendix 6: 2017 10-K Report Page 71 </a:t>
+            </a:r>
+          </a:p>
+        </p:txBody>
+      </p:sp>
+      <p:sp>
+        <p:nvSpPr>
+          <p:cNvPr id="5" name="Footer Placeholder 3"/>
+          <p:cNvSpPr txBox="1">
+            <a:spLocks/>
+          </p:cNvSpPr>
+          <p:nvPr/>
+        </p:nvSpPr>
+        <p:spPr>
+          <a:xfrm>
+            <a:off x="2741612" y="6473736"/>
+            <a:ext cx="7619999" cy="365125"/>
+          </a:xfrm>
+          <a:prstGeom prst="rect">
+            <a:avLst/>
+          </a:prstGeom>
+        </p:spPr>
+        <p:txBody>
+          <a:bodyPr vert="horz" lIns="91440" tIns="45720" rIns="91440" bIns="45720" rtlCol="0" anchor="ctr"/>
+          <a:lstStyle>
+            <a:defPPr>
+              <a:defRPr lang="en-US"/>
+            </a:defPPr>
+            <a:lvl1pPr marL="0" algn="l" defTabSz="914400" rtl="0" eaLnBrk="1" latinLnBrk="0" hangingPunct="1">
+              <a:defRPr sz="900" kern="1200">
+                <a:solidFill>
+                  <a:schemeClr val="tx1">
+                    <a:tint val="75000"/>
+                  </a:schemeClr>
+                </a:solidFill>
+                <a:latin typeface="+mn-lt"/>
+                <a:ea typeface="+mn-ea"/>
+                <a:cs typeface="+mn-cs"/>
+              </a:defRPr>
+            </a:lvl1pPr>
+            <a:lvl2pPr marL="457200" algn="l" defTabSz="914400" rtl="0" eaLnBrk="1" latinLnBrk="0" hangingPunct="1">
+              <a:defRPr sz="1800" kern="1200">
+                <a:solidFill>
+                  <a:schemeClr val="tx1"/>
+                </a:solidFill>
+                <a:latin typeface="+mn-lt"/>
+                <a:ea typeface="+mn-ea"/>
+                <a:cs typeface="+mn-cs"/>
+              </a:defRPr>
+            </a:lvl2pPr>
+            <a:lvl3pPr marL="914400" algn="l" defTabSz="914400" rtl="0" eaLnBrk="1" latinLnBrk="0" hangingPunct="1">
+              <a:defRPr sz="1800" kern="1200">
+                <a:solidFill>
+                  <a:schemeClr val="tx1"/>
+                </a:solidFill>
+                <a:latin typeface="+mn-lt"/>
+                <a:ea typeface="+mn-ea"/>
+                <a:cs typeface="+mn-cs"/>
+              </a:defRPr>
+            </a:lvl3pPr>
+            <a:lvl4pPr marL="1371600" algn="l" defTabSz="914400" rtl="0" eaLnBrk="1" latinLnBrk="0" hangingPunct="1">
+              <a:defRPr sz="1800" kern="1200">
+                <a:solidFill>
+                  <a:schemeClr val="tx1"/>
+                </a:solidFill>
+                <a:latin typeface="+mn-lt"/>
+                <a:ea typeface="+mn-ea"/>
+                <a:cs typeface="+mn-cs"/>
+              </a:defRPr>
+            </a:lvl4pPr>
+            <a:lvl5pPr marL="1828800" algn="l" defTabSz="914400" rtl="0" eaLnBrk="1" latinLnBrk="0" hangingPunct="1">
+              <a:defRPr sz="1800" kern="1200">
+                <a:solidFill>
+                  <a:schemeClr val="tx1"/>
+                </a:solidFill>
+                <a:latin typeface="+mn-lt"/>
+                <a:ea typeface="+mn-ea"/>
+                <a:cs typeface="+mn-cs"/>
+              </a:defRPr>
+            </a:lvl5pPr>
+            <a:lvl6pPr marL="2286000" algn="l" defTabSz="914400" rtl="0" eaLnBrk="1" latinLnBrk="0" hangingPunct="1">
+              <a:defRPr sz="1800" kern="1200">
+                <a:solidFill>
+                  <a:schemeClr val="tx1"/>
+                </a:solidFill>
+                <a:latin typeface="+mn-lt"/>
+                <a:ea typeface="+mn-ea"/>
+                <a:cs typeface="+mn-cs"/>
+              </a:defRPr>
+            </a:lvl6pPr>
+            <a:lvl7pPr marL="2743200" algn="l" defTabSz="914400" rtl="0" eaLnBrk="1" latinLnBrk="0" hangingPunct="1">
+              <a:defRPr sz="1800" kern="1200">
+                <a:solidFill>
+                  <a:schemeClr val="tx1"/>
+                </a:solidFill>
+                <a:latin typeface="+mn-lt"/>
+                <a:ea typeface="+mn-ea"/>
+                <a:cs typeface="+mn-cs"/>
+              </a:defRPr>
+            </a:lvl7pPr>
+            <a:lvl8pPr marL="3200400" algn="l" defTabSz="914400" rtl="0" eaLnBrk="1" latinLnBrk="0" hangingPunct="1">
+              <a:defRPr sz="1800" kern="1200">
+                <a:solidFill>
+                  <a:schemeClr val="tx1"/>
+                </a:solidFill>
+                <a:latin typeface="+mn-lt"/>
+                <a:ea typeface="+mn-ea"/>
+                <a:cs typeface="+mn-cs"/>
+              </a:defRPr>
+            </a:lvl8pPr>
+            <a:lvl9pPr marL="3657600" algn="l" defTabSz="914400" rtl="0" eaLnBrk="1" latinLnBrk="0" hangingPunct="1">
+              <a:defRPr sz="1800" kern="1200">
+                <a:solidFill>
+                  <a:schemeClr val="tx1"/>
+                </a:solidFill>
+                <a:latin typeface="+mn-lt"/>
+                <a:ea typeface="+mn-ea"/>
+                <a:cs typeface="+mn-cs"/>
+              </a:defRPr>
+            </a:lvl9pPr>
+          </a:lstStyle>
+          <a:p>
+            <a:r>
+              <a:rPr lang="en-US" dirty="0">
+                <a:solidFill>
+                  <a:schemeClr val="bg1">
+                    <a:lumMod val="65000"/>
+                  </a:schemeClr>
+                </a:solidFill>
+              </a:rPr>
+              <a:t>Innovation Day | August 23</a:t>
+            </a:r>
+            <a:r>
+              <a:rPr lang="en-US" baseline="30000" dirty="0">
+                <a:solidFill>
+                  <a:schemeClr val="bg1">
+                    <a:lumMod val="65000"/>
+                  </a:schemeClr>
+                </a:solidFill>
+              </a:rPr>
+              <a:t>rd</a:t>
+            </a:r>
+            <a:r>
+              <a:rPr lang="en-US" dirty="0">
+                <a:solidFill>
+                  <a:schemeClr val="bg1">
+                    <a:lumMod val="65000"/>
+                  </a:schemeClr>
+                </a:solidFill>
+              </a:rPr>
+              <a:t> 2018</a:t>
+            </a:r>
           </a:p>
         </p:txBody>
       </p:sp>
@@ -9295,17 +10088,10 @@
   <p:clrMapOvr>
     <a:masterClrMapping/>
   </p:clrMapOvr>
-  <p:timing>
-    <p:tnLst>
-      <p:par>
-        <p:cTn id="1" dur="indefinite" restart="never" nodeType="tmRoot"/>
-      </p:par>
-    </p:tnLst>
-  </p:timing>
 </p:sld>
 </file>
 
-<file path=ppt/slides/slide13.xml><?xml version="1.0" encoding="utf-8"?>
+<file path=ppt/slides/slide16.xml><?xml version="1.0" encoding="utf-8"?>
 <p:sld xmlns:a="http://schemas.openxmlformats.org/drawingml/2006/main" xmlns:r="http://schemas.openxmlformats.org/officeDocument/2006/relationships" xmlns:p="http://schemas.openxmlformats.org/presentationml/2006/main">
   <p:cSld>
     <p:spTree>
@@ -9339,10 +10125,9 @@
           <a:p>
             <a:pPr algn="r"/>
             <a:r>
-              <a:rPr lang="en-US" dirty="0" smtClean="0"/>
-              <a:t>Appendix: 2017 10-K Report Page 72 </a:t>
-            </a:r>
-            <a:endParaRPr lang="en-US" dirty="0"/>
+              <a:rPr lang="en-US" dirty="0"/>
+              <a:t>Appendix 6: 2017 10-K Report Page 72 </a:t>
+            </a:r>
           </a:p>
         </p:txBody>
       </p:sp>
@@ -9464,7 +10249,7 @@
           </a:lstStyle>
           <a:p>
             <a:r>
-              <a:rPr lang="en-US" dirty="0" smtClean="0">
+              <a:rPr lang="en-US" dirty="0">
                 <a:solidFill>
                   <a:schemeClr val="bg1">
                     <a:lumMod val="65000"/>
@@ -9474,7 +10259,7 @@
               <a:t>Innovation Day | August 23</a:t>
             </a:r>
             <a:r>
-              <a:rPr lang="en-US" baseline="30000" dirty="0" smtClean="0">
+              <a:rPr lang="en-US" baseline="30000" dirty="0">
                 <a:solidFill>
                   <a:schemeClr val="bg1">
                     <a:lumMod val="65000"/>
@@ -9484,7 +10269,7 @@
               <a:t>rd</a:t>
             </a:r>
             <a:r>
-              <a:rPr lang="en-US" dirty="0" smtClean="0">
+              <a:rPr lang="en-US" dirty="0">
                 <a:solidFill>
                   <a:schemeClr val="bg1">
                     <a:lumMod val="65000"/>
@@ -9493,35 +10278,6 @@
               </a:rPr>
               <a:t> 2018</a:t>
             </a:r>
-            <a:endParaRPr lang="en-US" dirty="0">
-              <a:solidFill>
-                <a:schemeClr val="bg1">
-                  <a:lumMod val="65000"/>
-                </a:schemeClr>
-              </a:solidFill>
-            </a:endParaRPr>
-          </a:p>
-        </p:txBody>
-      </p:sp>
-      <p:sp>
-        <p:nvSpPr>
-          <p:cNvPr id="3" name="Content Placeholder 2"/>
-          <p:cNvSpPr>
-            <a:spLocks noGrp="1"/>
-          </p:cNvSpPr>
-          <p:nvPr>
-            <p:ph idx="1"/>
-          </p:nvPr>
-        </p:nvSpPr>
-        <p:spPr/>
-        <p:txBody>
-          <a:bodyPr/>
-          <a:lstStyle/>
-          <a:p>
-            <a:pPr marL="0" indent="0">
-              <a:buNone/>
-            </a:pPr>
-            <a:endParaRPr lang="en-US" dirty="0"/>
           </a:p>
         </p:txBody>
       </p:sp>
@@ -9559,17 +10315,10 @@
   <p:clrMapOvr>
     <a:masterClrMapping/>
   </p:clrMapOvr>
-  <p:timing>
-    <p:tnLst>
-      <p:par>
-        <p:cTn id="1" dur="indefinite" restart="never" nodeType="tmRoot"/>
-      </p:par>
-    </p:tnLst>
-  </p:timing>
 </p:sld>
 </file>
 
-<file path=ppt/slides/slide14.xml><?xml version="1.0" encoding="utf-8"?>
+<file path=ppt/slides/slide17.xml><?xml version="1.0" encoding="utf-8"?>
 <p:sld xmlns:a="http://schemas.openxmlformats.org/drawingml/2006/main" xmlns:r="http://schemas.openxmlformats.org/officeDocument/2006/relationships" xmlns:p="http://schemas.openxmlformats.org/presentationml/2006/main">
   <p:cSld>
     <p:spTree>
@@ -9603,10 +10352,9 @@
           <a:p>
             <a:pPr algn="r"/>
             <a:r>
-              <a:rPr lang="en-US" dirty="0" smtClean="0"/>
-              <a:t>Appendix: 2017 10-K Report Page 98 </a:t>
-            </a:r>
-            <a:endParaRPr lang="en-US" dirty="0"/>
+              <a:rPr lang="en-US" dirty="0"/>
+              <a:t>Appendix 6: 2017 10-K Report Page 98 </a:t>
+            </a:r>
           </a:p>
         </p:txBody>
       </p:sp>
@@ -9728,7 +10476,7 @@
           </a:lstStyle>
           <a:p>
             <a:r>
-              <a:rPr lang="en-US" dirty="0" smtClean="0">
+              <a:rPr lang="en-US" dirty="0">
                 <a:solidFill>
                   <a:schemeClr val="bg1">
                     <a:lumMod val="65000"/>
@@ -9738,7 +10486,7 @@
               <a:t>Innovation Day | August 23</a:t>
             </a:r>
             <a:r>
-              <a:rPr lang="en-US" baseline="30000" dirty="0" smtClean="0">
+              <a:rPr lang="en-US" baseline="30000" dirty="0">
                 <a:solidFill>
                   <a:schemeClr val="bg1">
                     <a:lumMod val="65000"/>
@@ -9748,7 +10496,7 @@
               <a:t>rd</a:t>
             </a:r>
             <a:r>
-              <a:rPr lang="en-US" dirty="0" smtClean="0">
+              <a:rPr lang="en-US" dirty="0">
                 <a:solidFill>
                   <a:schemeClr val="bg1">
                     <a:lumMod val="65000"/>
@@ -9757,35 +10505,6 @@
               </a:rPr>
               <a:t> 2018</a:t>
             </a:r>
-            <a:endParaRPr lang="en-US" dirty="0">
-              <a:solidFill>
-                <a:schemeClr val="bg1">
-                  <a:lumMod val="65000"/>
-                </a:schemeClr>
-              </a:solidFill>
-            </a:endParaRPr>
-          </a:p>
-        </p:txBody>
-      </p:sp>
-      <p:sp>
-        <p:nvSpPr>
-          <p:cNvPr id="3" name="Content Placeholder 2"/>
-          <p:cNvSpPr>
-            <a:spLocks noGrp="1"/>
-          </p:cNvSpPr>
-          <p:nvPr>
-            <p:ph idx="1"/>
-          </p:nvPr>
-        </p:nvSpPr>
-        <p:spPr/>
-        <p:txBody>
-          <a:bodyPr/>
-          <a:lstStyle/>
-          <a:p>
-            <a:pPr marL="0" indent="0">
-              <a:buNone/>
-            </a:pPr>
-            <a:endParaRPr lang="en-US" dirty="0"/>
           </a:p>
         </p:txBody>
       </p:sp>
@@ -9823,17 +10542,10 @@
   <p:clrMapOvr>
     <a:masterClrMapping/>
   </p:clrMapOvr>
-  <p:timing>
-    <p:tnLst>
-      <p:par>
-        <p:cTn id="1" dur="indefinite" restart="never" nodeType="tmRoot"/>
-      </p:par>
-    </p:tnLst>
-  </p:timing>
 </p:sld>
 </file>
 
-<file path=ppt/slides/slide15.xml><?xml version="1.0" encoding="utf-8"?>
+<file path=ppt/slides/slide18.xml><?xml version="1.0" encoding="utf-8"?>
 <p:sld xmlns:a="http://schemas.openxmlformats.org/drawingml/2006/main" xmlns:r="http://schemas.openxmlformats.org/officeDocument/2006/relationships" xmlns:p="http://schemas.openxmlformats.org/presentationml/2006/main">
   <p:cSld>
     <p:spTree>
@@ -9867,10 +10579,9 @@
           <a:p>
             <a:pPr algn="r"/>
             <a:r>
-              <a:rPr lang="en-US" dirty="0" smtClean="0"/>
-              <a:t>Appendix: 2017 10-K Report Page 99 </a:t>
-            </a:r>
-            <a:endParaRPr lang="en-US" dirty="0"/>
+              <a:rPr lang="en-US" dirty="0"/>
+              <a:t>Appendix 6: 2017 10-K Report Page 99 </a:t>
+            </a:r>
           </a:p>
         </p:txBody>
       </p:sp>
@@ -9992,7 +10703,7 @@
           </a:lstStyle>
           <a:p>
             <a:r>
-              <a:rPr lang="en-US" dirty="0" smtClean="0">
+              <a:rPr lang="en-US" dirty="0">
                 <a:solidFill>
                   <a:schemeClr val="bg1">
                     <a:lumMod val="65000"/>
@@ -10002,7 +10713,7 @@
               <a:t>Innovation Day | August 23</a:t>
             </a:r>
             <a:r>
-              <a:rPr lang="en-US" baseline="30000" dirty="0" smtClean="0">
+              <a:rPr lang="en-US" baseline="30000" dirty="0">
                 <a:solidFill>
                   <a:schemeClr val="bg1">
                     <a:lumMod val="65000"/>
@@ -10012,7 +10723,7 @@
               <a:t>rd</a:t>
             </a:r>
             <a:r>
-              <a:rPr lang="en-US" dirty="0" smtClean="0">
+              <a:rPr lang="en-US" dirty="0">
                 <a:solidFill>
                   <a:schemeClr val="bg1">
                     <a:lumMod val="65000"/>
@@ -10021,35 +10732,6 @@
               </a:rPr>
               <a:t> 2018</a:t>
             </a:r>
-            <a:endParaRPr lang="en-US" dirty="0">
-              <a:solidFill>
-                <a:schemeClr val="bg1">
-                  <a:lumMod val="65000"/>
-                </a:schemeClr>
-              </a:solidFill>
-            </a:endParaRPr>
-          </a:p>
-        </p:txBody>
-      </p:sp>
-      <p:sp>
-        <p:nvSpPr>
-          <p:cNvPr id="3" name="Content Placeholder 2"/>
-          <p:cNvSpPr>
-            <a:spLocks noGrp="1"/>
-          </p:cNvSpPr>
-          <p:nvPr>
-            <p:ph idx="1"/>
-          </p:nvPr>
-        </p:nvSpPr>
-        <p:spPr/>
-        <p:txBody>
-          <a:bodyPr/>
-          <a:lstStyle/>
-          <a:p>
-            <a:pPr marL="0" indent="0">
-              <a:buNone/>
-            </a:pPr>
-            <a:endParaRPr lang="en-US" dirty="0"/>
           </a:p>
         </p:txBody>
       </p:sp>
@@ -10087,13 +10769,6 @@
   <p:clrMapOvr>
     <a:masterClrMapping/>
   </p:clrMapOvr>
-  <p:timing>
-    <p:tnLst>
-      <p:par>
-        <p:cTn id="1" dur="indefinite" restart="never" nodeType="tmRoot"/>
-      </p:par>
-    </p:tnLst>
-  </p:timing>
 </p:sld>
 </file>
 
@@ -10157,10 +10832,9 @@
           <a:p>
             <a:pPr algn="r"/>
             <a:r>
-              <a:rPr lang="en-US" dirty="0" smtClean="0"/>
+              <a:rPr lang="en-US" dirty="0"/>
               <a:t>Introduction</a:t>
             </a:r>
-            <a:endParaRPr lang="en-US" dirty="0"/>
           </a:p>
         </p:txBody>
       </p:sp>
@@ -10190,8 +10864,20 @@
                 <a:tableStyleId>{EB9631B5-78F2-41C9-869B-9F39066F8104}</a:tableStyleId>
               </a:tblPr>
               <a:tblGrid>
-                <a:gridCol w="1958009"/>
-                <a:gridCol w="6957391"/>
+                <a:gridCol w="1958009">
+                  <a:extLst>
+                    <a:ext uri="{9D8B030D-6E8A-4147-A177-3AD203B41FA5}">
+                      <a16:colId xmlns:a16="http://schemas.microsoft.com/office/drawing/2014/main" val="20000"/>
+                    </a:ext>
+                  </a:extLst>
+                </a:gridCol>
+                <a:gridCol w="6957391">
+                  <a:extLst>
+                    <a:ext uri="{9D8B030D-6E8A-4147-A177-3AD203B41FA5}">
+                      <a16:colId xmlns:a16="http://schemas.microsoft.com/office/drawing/2014/main" val="20001"/>
+                    </a:ext>
+                  </a:extLst>
+                </a:gridCol>
               </a:tblGrid>
               <a:tr h="370840">
                 <a:tc>
@@ -10201,14 +10887,11 @@
                     <a:p>
                       <a:pPr algn="ctr"/>
                       <a:r>
-                        <a:rPr lang="en-US" dirty="0" smtClean="0">
+                        <a:rPr lang="en-US" dirty="0">
                           <a:latin typeface="Bell MT" panose="02020503060305020303" pitchFamily="18" charset="0"/>
                         </a:rPr>
                         <a:t>ITEM</a:t>
                       </a:r>
-                      <a:endParaRPr lang="en-US" dirty="0">
-                        <a:latin typeface="Bell MT" panose="02020503060305020303" pitchFamily="18" charset="0"/>
-                      </a:endParaRPr>
                     </a:p>
                   </a:txBody>
                   <a:tcPr marL="77525" marR="77525">
@@ -10224,14 +10907,11 @@
                     <a:p>
                       <a:pPr algn="ctr"/>
                       <a:r>
-                        <a:rPr lang="en-US" dirty="0" smtClean="0">
+                        <a:rPr lang="en-US" dirty="0">
                           <a:latin typeface="Bell MT" panose="02020503060305020303" pitchFamily="18" charset="0"/>
                         </a:rPr>
                         <a:t>Description</a:t>
                       </a:r>
-                      <a:endParaRPr lang="en-US" dirty="0">
-                        <a:latin typeface="Bell MT" panose="02020503060305020303" pitchFamily="18" charset="0"/>
-                      </a:endParaRPr>
                     </a:p>
                   </a:txBody>
                   <a:tcPr marL="77525" marR="77525">
@@ -10240,6 +10920,11 @@
                     </a:solidFill>
                   </a:tcPr>
                 </a:tc>
+                <a:extLst>
+                  <a:ext uri="{0D108BD9-81ED-4DB2-BD59-A6C34878D82A}">
+                    <a16:rowId xmlns:a16="http://schemas.microsoft.com/office/drawing/2014/main" val="10000"/>
+                  </a:ext>
+                </a:extLst>
               </a:tr>
               <a:tr h="370840">
                 <a:tc>
@@ -10248,14 +10933,11 @@
                     <a:lstStyle/>
                     <a:p>
                       <a:r>
-                        <a:rPr lang="en-US" dirty="0" smtClean="0">
+                        <a:rPr lang="en-US" dirty="0">
                           <a:latin typeface="Bell MT" panose="02020503060305020303" pitchFamily="18" charset="0"/>
                         </a:rPr>
                         <a:t>Project Name</a:t>
                       </a:r>
-                      <a:endParaRPr lang="en-US" dirty="0">
-                        <a:latin typeface="Bell MT" panose="02020503060305020303" pitchFamily="18" charset="0"/>
-                      </a:endParaRPr>
                     </a:p>
                   </a:txBody>
                   <a:tcPr marL="77525" marR="77525"/>
@@ -10266,18 +10948,20 @@
                     <a:lstStyle/>
                     <a:p>
                       <a:r>
-                        <a:rPr lang="en-US" dirty="0" smtClean="0">
+                        <a:rPr lang="en-US" dirty="0">
                           <a:latin typeface="Bell MT" panose="02020503060305020303" pitchFamily="18" charset="0"/>
                         </a:rPr>
                         <a:t>Property Monitoring Kit</a:t>
                       </a:r>
-                      <a:endParaRPr lang="en-US" dirty="0">
-                        <a:latin typeface="Bell MT" panose="02020503060305020303" pitchFamily="18" charset="0"/>
-                      </a:endParaRPr>
                     </a:p>
                   </a:txBody>
                   <a:tcPr marL="77525" marR="77525"/>
                 </a:tc>
+                <a:extLst>
+                  <a:ext uri="{0D108BD9-81ED-4DB2-BD59-A6C34878D82A}">
+                    <a16:rowId xmlns:a16="http://schemas.microsoft.com/office/drawing/2014/main" val="10001"/>
+                  </a:ext>
+                </a:extLst>
               </a:tr>
               <a:tr h="370840">
                 <a:tc>
@@ -10286,14 +10970,11 @@
                     <a:lstStyle/>
                     <a:p>
                       <a:r>
-                        <a:rPr lang="en-US" dirty="0" smtClean="0">
+                        <a:rPr lang="en-US" dirty="0">
                           <a:latin typeface="Bell MT" panose="02020503060305020303" pitchFamily="18" charset="0"/>
                         </a:rPr>
                         <a:t>Problem Statement</a:t>
                       </a:r>
-                      <a:endParaRPr lang="en-US" dirty="0">
-                        <a:latin typeface="Bell MT" panose="02020503060305020303" pitchFamily="18" charset="0"/>
-                      </a:endParaRPr>
                     </a:p>
                   </a:txBody>
                   <a:tcPr marL="77525" marR="77525"/>
@@ -10304,13 +10985,13 @@
                     <a:lstStyle/>
                     <a:p>
                       <a:r>
-                        <a:rPr lang="en-US" dirty="0" smtClean="0">
+                        <a:rPr lang="en-US" dirty="0">
                           <a:latin typeface="Bell MT" panose="02020503060305020303" pitchFamily="18" charset="0"/>
                         </a:rPr>
                         <a:t>How does Fannie Mae ensure that REO properties</a:t>
                       </a:r>
                       <a:r>
-                        <a:rPr lang="en-US" baseline="0" dirty="0" smtClean="0">
+                        <a:rPr lang="en-US" baseline="0" dirty="0">
                           <a:latin typeface="Bell MT" panose="02020503060305020303" pitchFamily="18" charset="0"/>
                         </a:rPr>
                         <a:t> remain in good condition until they are sold?</a:t>
@@ -10322,6 +11003,11 @@
                   </a:txBody>
                   <a:tcPr marL="77525" marR="77525"/>
                 </a:tc>
+                <a:extLst>
+                  <a:ext uri="{0D108BD9-81ED-4DB2-BD59-A6C34878D82A}">
+                    <a16:rowId xmlns:a16="http://schemas.microsoft.com/office/drawing/2014/main" val="10002"/>
+                  </a:ext>
+                </a:extLst>
               </a:tr>
               <a:tr h="370840">
                 <a:tc>
@@ -10330,14 +11016,11 @@
                     <a:lstStyle/>
                     <a:p>
                       <a:r>
-                        <a:rPr lang="en-US" dirty="0" smtClean="0">
+                        <a:rPr lang="en-US" dirty="0">
                           <a:latin typeface="Bell MT" panose="02020503060305020303" pitchFamily="18" charset="0"/>
                         </a:rPr>
                         <a:t>Team Members</a:t>
                       </a:r>
-                      <a:endParaRPr lang="en-US" dirty="0">
-                        <a:latin typeface="Bell MT" panose="02020503060305020303" pitchFamily="18" charset="0"/>
-                      </a:endParaRPr>
                     </a:p>
                   </a:txBody>
                   <a:tcPr marL="77525" marR="77525"/>
@@ -10348,13 +11031,13 @@
                     <a:lstStyle/>
                     <a:p>
                       <a:r>
-                        <a:rPr lang="en-US" dirty="0" smtClean="0">
+                        <a:rPr lang="en-US" dirty="0">
                           <a:latin typeface="Bell MT" panose="02020503060305020303" pitchFamily="18" charset="0"/>
                         </a:rPr>
                         <a:t>Scott Nestor, Kashi Dasa, Sagar Allamshetty,</a:t>
                       </a:r>
                       <a:r>
-                        <a:rPr lang="en-US" baseline="0" dirty="0" smtClean="0">
+                        <a:rPr lang="en-US" baseline="0" dirty="0">
                           <a:latin typeface="Bell MT" panose="02020503060305020303" pitchFamily="18" charset="0"/>
                         </a:rPr>
                         <a:t> Tim Burns</a:t>
@@ -10366,6 +11049,11 @@
                   </a:txBody>
                   <a:tcPr marL="77525" marR="77525"/>
                 </a:tc>
+                <a:extLst>
+                  <a:ext uri="{0D108BD9-81ED-4DB2-BD59-A6C34878D82A}">
+                    <a16:rowId xmlns:a16="http://schemas.microsoft.com/office/drawing/2014/main" val="10003"/>
+                  </a:ext>
+                </a:extLst>
               </a:tr>
               <a:tr h="370840">
                 <a:tc>
@@ -10374,14 +11062,11 @@
                     <a:lstStyle/>
                     <a:p>
                       <a:r>
-                        <a:rPr lang="en-US" dirty="0" smtClean="0">
+                        <a:rPr lang="en-US" dirty="0">
                           <a:latin typeface="Bell MT" panose="02020503060305020303" pitchFamily="18" charset="0"/>
                         </a:rPr>
                         <a:t>Technologies used</a:t>
                       </a:r>
-                      <a:endParaRPr lang="en-US" dirty="0">
-                        <a:latin typeface="Bell MT" panose="02020503060305020303" pitchFamily="18" charset="0"/>
-                      </a:endParaRPr>
                     </a:p>
                   </a:txBody>
                   <a:tcPr marL="77525" marR="77525"/>
@@ -10392,18 +11077,20 @@
                     <a:lstStyle/>
                     <a:p>
                       <a:r>
-                        <a:rPr lang="en-US" dirty="0" smtClean="0">
+                        <a:rPr lang="en-US" dirty="0">
                           <a:latin typeface="Bell MT" panose="02020503060305020303" pitchFamily="18" charset="0"/>
                         </a:rPr>
                         <a:t>Elixir, AWS</a:t>
                       </a:r>
-                      <a:endParaRPr lang="en-US" dirty="0">
-                        <a:latin typeface="Bell MT" panose="02020503060305020303" pitchFamily="18" charset="0"/>
-                      </a:endParaRPr>
                     </a:p>
                   </a:txBody>
                   <a:tcPr marL="77525" marR="77525"/>
                 </a:tc>
+                <a:extLst>
+                  <a:ext uri="{0D108BD9-81ED-4DB2-BD59-A6C34878D82A}">
+                    <a16:rowId xmlns:a16="http://schemas.microsoft.com/office/drawing/2014/main" val="10004"/>
+                  </a:ext>
+                </a:extLst>
               </a:tr>
             </a:tbl>
           </a:graphicData>
@@ -10430,7 +11117,7 @@
           <a:lstStyle/>
           <a:p>
             <a:r>
-              <a:rPr lang="en-US" dirty="0" smtClean="0">
+              <a:rPr lang="en-US" dirty="0">
                 <a:solidFill>
                   <a:schemeClr val="bg1">
                     <a:lumMod val="65000"/>
@@ -10440,7 +11127,7 @@
               <a:t>Innovation Day | August 23</a:t>
             </a:r>
             <a:r>
-              <a:rPr lang="en-US" baseline="30000" dirty="0" smtClean="0">
+              <a:rPr lang="en-US" baseline="30000" dirty="0">
                 <a:solidFill>
                   <a:schemeClr val="bg1">
                     <a:lumMod val="65000"/>
@@ -10450,7 +11137,7 @@
               <a:t>rd</a:t>
             </a:r>
             <a:r>
-              <a:rPr lang="en-US" dirty="0" smtClean="0">
+              <a:rPr lang="en-US" dirty="0">
                 <a:solidFill>
                   <a:schemeClr val="bg1">
                     <a:lumMod val="65000"/>
@@ -10459,13 +11146,6 @@
               </a:rPr>
               <a:t> 2018</a:t>
             </a:r>
-            <a:endParaRPr lang="en-US" dirty="0">
-              <a:solidFill>
-                <a:schemeClr val="bg1">
-                  <a:lumMod val="65000"/>
-                </a:schemeClr>
-              </a:solidFill>
-            </a:endParaRPr>
           </a:p>
         </p:txBody>
       </p:sp>
@@ -10479,13 +11159,6 @@
   <p:clrMapOvr>
     <a:masterClrMapping/>
   </p:clrMapOvr>
-  <p:timing>
-    <p:tnLst>
-      <p:par>
-        <p:cTn id="1" dur="indefinite" restart="never" nodeType="tmRoot"/>
-      </p:par>
-    </p:tnLst>
-  </p:timing>
 </p:sld>
 </file>
 
@@ -10523,10 +11196,9 @@
           <a:p>
             <a:pPr algn="r"/>
             <a:r>
-              <a:rPr lang="en-US" dirty="0" smtClean="0"/>
+              <a:rPr lang="en-US" dirty="0"/>
               <a:t>The Problem</a:t>
             </a:r>
-            <a:endParaRPr lang="en-US" dirty="0"/>
           </a:p>
         </p:txBody>
       </p:sp>
@@ -10553,10 +11225,9 @@
           <a:lstStyle/>
           <a:p>
             <a:r>
-              <a:rPr lang="en-US" dirty="0" smtClean="0"/>
+              <a:rPr lang="en-US" dirty="0"/>
               <a:t>By the end of 2017: </a:t>
             </a:r>
-            <a:endParaRPr lang="en-US" dirty="0"/>
           </a:p>
           <a:p>
             <a:pPr lvl="1"/>
@@ -10591,7 +11262,6 @@
               <a:rPr lang="en-US" dirty="0"/>
               <a:t>How can Fannie Mae avoid sinking extra money into repairs?</a:t>
             </a:r>
-            <a:endParaRPr lang="en-US" dirty="0" smtClean="0"/>
           </a:p>
         </p:txBody>
       </p:sp>
@@ -10713,7 +11383,7 @@
           </a:lstStyle>
           <a:p>
             <a:r>
-              <a:rPr lang="en-US" dirty="0" smtClean="0">
+              <a:rPr lang="en-US" dirty="0">
                 <a:solidFill>
                   <a:schemeClr val="bg1">
                     <a:lumMod val="65000"/>
@@ -10723,7 +11393,7 @@
               <a:t>Innovation Day | August 23</a:t>
             </a:r>
             <a:r>
-              <a:rPr lang="en-US" baseline="30000" dirty="0" smtClean="0">
+              <a:rPr lang="en-US" baseline="30000" dirty="0">
                 <a:solidFill>
                   <a:schemeClr val="bg1">
                     <a:lumMod val="65000"/>
@@ -10733,7 +11403,7 @@
               <a:t>rd</a:t>
             </a:r>
             <a:r>
-              <a:rPr lang="en-US" dirty="0" smtClean="0">
+              <a:rPr lang="en-US" dirty="0">
                 <a:solidFill>
                   <a:schemeClr val="bg1">
                     <a:lumMod val="65000"/>
@@ -10742,13 +11412,6 @@
               </a:rPr>
               <a:t> 2018</a:t>
             </a:r>
-            <a:endParaRPr lang="en-US" dirty="0">
-              <a:solidFill>
-                <a:schemeClr val="bg1">
-                  <a:lumMod val="65000"/>
-                </a:schemeClr>
-              </a:solidFill>
-            </a:endParaRPr>
           </a:p>
         </p:txBody>
       </p:sp>
@@ -10761,7 +11424,18 @@
           <p:nvPr/>
         </p:nvPicPr>
         <p:blipFill>
-          <a:blip r:embed="rId2"/>
+          <a:blip r:embed="rId2">
+            <a:clrChange>
+              <a:clrFrom>
+                <a:srgbClr val="FFFFFF"/>
+              </a:clrFrom>
+              <a:clrTo>
+                <a:srgbClr val="FFFFFF">
+                  <a:alpha val="0"/>
+                </a:srgbClr>
+              </a:clrTo>
+            </a:clrChange>
+          </a:blip>
           <a:stretch>
             <a:fillRect/>
           </a:stretch>
@@ -10786,13 +11460,6 @@
   <p:clrMapOvr>
     <a:masterClrMapping/>
   </p:clrMapOvr>
-  <p:timing>
-    <p:tnLst>
-      <p:par>
-        <p:cTn id="1" dur="indefinite" restart="never" nodeType="tmRoot"/>
-      </p:par>
-    </p:tnLst>
-  </p:timing>
 </p:sld>
 </file>
 
@@ -10830,29 +11497,9 @@
           <a:p>
             <a:pPr algn="r"/>
             <a:r>
-              <a:rPr lang="en-US" dirty="0" smtClean="0"/>
+              <a:rPr lang="en-US" dirty="0"/>
               <a:t>The Solution: Property Monitoring Kit</a:t>
             </a:r>
-            <a:endParaRPr lang="en-US" dirty="0"/>
-          </a:p>
-        </p:txBody>
-      </p:sp>
-      <p:sp>
-        <p:nvSpPr>
-          <p:cNvPr id="3" name="Content Placeholder 2"/>
-          <p:cNvSpPr>
-            <a:spLocks noGrp="1"/>
-          </p:cNvSpPr>
-          <p:nvPr>
-            <p:ph idx="1"/>
-          </p:nvPr>
-        </p:nvSpPr>
-        <p:spPr/>
-        <p:txBody>
-          <a:bodyPr/>
-          <a:lstStyle/>
-          <a:p>
-            <a:endParaRPr lang="en-US" dirty="0"/>
           </a:p>
         </p:txBody>
       </p:sp>
@@ -10974,7 +11621,7 @@
           </a:lstStyle>
           <a:p>
             <a:r>
-              <a:rPr lang="en-US" dirty="0" smtClean="0">
+              <a:rPr lang="en-US" dirty="0">
                 <a:solidFill>
                   <a:schemeClr val="bg1">
                     <a:lumMod val="65000"/>
@@ -10984,7 +11631,7 @@
               <a:t>Innovation Day | August 23</a:t>
             </a:r>
             <a:r>
-              <a:rPr lang="en-US" baseline="30000" dirty="0" smtClean="0">
+              <a:rPr lang="en-US" baseline="30000" dirty="0">
                 <a:solidFill>
                   <a:schemeClr val="bg1">
                     <a:lumMod val="65000"/>
@@ -10994,7 +11641,7 @@
               <a:t>rd</a:t>
             </a:r>
             <a:r>
-              <a:rPr lang="en-US" dirty="0" smtClean="0">
+              <a:rPr lang="en-US" dirty="0">
                 <a:solidFill>
                   <a:schemeClr val="bg1">
                     <a:lumMod val="65000"/>
@@ -11003,38 +11650,46 @@
               </a:rPr>
               <a:t> 2018</a:t>
             </a:r>
-            <a:endParaRPr lang="en-US" dirty="0">
-              <a:solidFill>
-                <a:schemeClr val="bg1">
-                  <a:lumMod val="65000"/>
-                </a:schemeClr>
-              </a:solidFill>
-            </a:endParaRPr>
           </a:p>
         </p:txBody>
       </p:sp>
       <p:pic>
         <p:nvPicPr>
-          <p:cNvPr id="7" name="Picture 6"/>
+          <p:cNvPr id="6" name="Content Placeholder 5"/>
           <p:cNvPicPr>
-            <a:picLocks noChangeAspect="1"/>
+            <a:picLocks noGrp="1" noChangeAspect="1"/>
           </p:cNvPicPr>
-          <p:nvPr/>
+          <p:nvPr>
+            <p:ph idx="1"/>
+          </p:nvPr>
         </p:nvPicPr>
         <p:blipFill>
-          <a:blip r:embed="rId2"/>
+          <a:blip r:embed="rId2">
+            <a:clrChange>
+              <a:clrFrom>
+                <a:srgbClr val="FFFFFF"/>
+              </a:clrFrom>
+              <a:clrTo>
+                <a:srgbClr val="FFFFFF">
+                  <a:alpha val="0"/>
+                </a:srgbClr>
+              </a:clrTo>
+            </a:clrChange>
+            <a:extLst>
+              <a:ext uri="{28A0092B-C50C-407E-A947-70E740481C1C}">
+                <a14:useLocalDpi xmlns:a14="http://schemas.microsoft.com/office/drawing/2010/main" val="0"/>
+              </a:ext>
+            </a:extLst>
+          </a:blip>
           <a:stretch>
             <a:fillRect/>
           </a:stretch>
         </p:blipFill>
         <p:spPr>
           <a:xfrm>
-            <a:off x="1793693" y="2133600"/>
-            <a:ext cx="10257143" cy="3828571"/>
+            <a:off x="2732029" y="2133600"/>
+            <a:ext cx="8629768" cy="3778250"/>
           </a:xfrm>
-          <a:prstGeom prst="rect">
-            <a:avLst/>
-          </a:prstGeom>
         </p:spPr>
       </p:pic>
     </p:spTree>
@@ -11047,13 +11702,6 @@
   <p:clrMapOvr>
     <a:masterClrMapping/>
   </p:clrMapOvr>
-  <p:timing>
-    <p:tnLst>
-      <p:par>
-        <p:cTn id="1" dur="indefinite" restart="never" nodeType="tmRoot"/>
-      </p:par>
-    </p:tnLst>
-  </p:timing>
 </p:sld>
 </file>
 
@@ -11092,32 +11740,8 @@
             <a:pPr algn="r"/>
             <a:r>
               <a:rPr lang="en-US" dirty="0"/>
-              <a:t>Property Monitoring </a:t>
-            </a:r>
-            <a:r>
-              <a:rPr lang="en-US" dirty="0" smtClean="0"/>
-              <a:t>Kit: Demo</a:t>
-            </a:r>
-            <a:endParaRPr lang="en-US" dirty="0"/>
-          </a:p>
-        </p:txBody>
-      </p:sp>
-      <p:sp>
-        <p:nvSpPr>
-          <p:cNvPr id="3" name="Content Placeholder 2"/>
-          <p:cNvSpPr>
-            <a:spLocks noGrp="1"/>
-          </p:cNvSpPr>
-          <p:nvPr>
-            <p:ph idx="1"/>
-          </p:nvPr>
-        </p:nvSpPr>
-        <p:spPr/>
-        <p:txBody>
-          <a:bodyPr/>
-          <a:lstStyle/>
-          <a:p>
-            <a:endParaRPr lang="en-US" dirty="0"/>
+              <a:t>Property Monitoring Kit: Demo</a:t>
+            </a:r>
           </a:p>
         </p:txBody>
       </p:sp>
@@ -11239,7 +11863,7 @@
           </a:lstStyle>
           <a:p>
             <a:r>
-              <a:rPr lang="en-US" dirty="0" smtClean="0">
+              <a:rPr lang="en-US" dirty="0">
                 <a:solidFill>
                   <a:schemeClr val="bg1">
                     <a:lumMod val="65000"/>
@@ -11249,7 +11873,7 @@
               <a:t>Innovation Day | August 23</a:t>
             </a:r>
             <a:r>
-              <a:rPr lang="en-US" baseline="30000" dirty="0" smtClean="0">
+              <a:rPr lang="en-US" baseline="30000" dirty="0">
                 <a:solidFill>
                   <a:schemeClr val="bg1">
                     <a:lumMod val="65000"/>
@@ -11259,7 +11883,7 @@
               <a:t>rd</a:t>
             </a:r>
             <a:r>
-              <a:rPr lang="en-US" dirty="0" smtClean="0">
+              <a:rPr lang="en-US" dirty="0">
                 <a:solidFill>
                   <a:schemeClr val="bg1">
                     <a:lumMod val="65000"/>
@@ -11268,13 +11892,6 @@
               </a:rPr>
               <a:t> 2018</a:t>
             </a:r>
-            <a:endParaRPr lang="en-US" dirty="0">
-              <a:solidFill>
-                <a:schemeClr val="bg1">
-                  <a:lumMod val="65000"/>
-                </a:schemeClr>
-              </a:solidFill>
-            </a:endParaRPr>
           </a:p>
         </p:txBody>
       </p:sp>
@@ -11288,13 +11905,6 @@
   <p:clrMapOvr>
     <a:masterClrMapping/>
   </p:clrMapOvr>
-  <p:timing>
-    <p:tnLst>
-      <p:par>
-        <p:cTn id="1" dur="indefinite" restart="never" nodeType="tmRoot"/>
-      </p:par>
-    </p:tnLst>
-  </p:timing>
 </p:sld>
 </file>
 
@@ -11332,10 +11942,9 @@
           <a:p>
             <a:pPr algn="r"/>
             <a:r>
-              <a:rPr lang="en-US" dirty="0" smtClean="0"/>
+              <a:rPr lang="en-US" dirty="0"/>
               <a:t>Applicability: Property Monitoring Kits</a:t>
             </a:r>
-            <a:endParaRPr lang="en-US" dirty="0"/>
           </a:p>
         </p:txBody>
       </p:sp>
@@ -11357,106 +11966,83 @@
           <a:lstStyle/>
           <a:p>
             <a:r>
-              <a:rPr lang="en-US" dirty="0" smtClean="0"/>
+              <a:rPr lang="en-US" dirty="0"/>
               <a:t>Fannie Mae can use Property Monitoring Kits to ensure that marketable REO properties remain in good condition (to avoid additional repair cost/value loss)</a:t>
             </a:r>
-            <a:endParaRPr lang="en-US" dirty="0" smtClean="0"/>
-          </a:p>
-          <a:p>
-            <a:r>
-              <a:rPr lang="en-US" dirty="0" smtClean="0"/>
+          </a:p>
+          <a:p>
+            <a:r>
+              <a:rPr lang="en-US" dirty="0"/>
               <a:t>Stakeholders: </a:t>
             </a:r>
           </a:p>
           <a:p>
             <a:pPr lvl="1"/>
             <a:r>
-              <a:rPr lang="en-US" dirty="0" smtClean="0"/>
-              <a:t>Fannie Mae (REO </a:t>
-            </a:r>
-            <a:r>
               <a:rPr lang="en-US" dirty="0"/>
-              <a:t>P</a:t>
-            </a:r>
-            <a:r>
-              <a:rPr lang="en-US" dirty="0" smtClean="0"/>
-              <a:t>ortfolio Managers, Multifamily Guarantee)</a:t>
+              <a:t>Fannie Mae (REO Portfolio Managers, Multifamily Guarantee)</a:t>
             </a:r>
           </a:p>
           <a:p>
             <a:pPr lvl="1"/>
             <a:r>
-              <a:rPr lang="en-US" dirty="0" smtClean="0"/>
-              <a:t>Realtors</a:t>
-            </a:r>
-            <a:r>
-              <a:rPr lang="en-US" dirty="0" smtClean="0"/>
-              <a:t> </a:t>
-            </a:r>
-            <a:r>
               <a:rPr lang="en-US" dirty="0"/>
-              <a:t>S</a:t>
-            </a:r>
-            <a:r>
-              <a:rPr lang="en-US" dirty="0" smtClean="0"/>
-              <a:t>elling Property</a:t>
+              <a:t>Realtors Selling Property</a:t>
             </a:r>
           </a:p>
           <a:p>
             <a:pPr lvl="1"/>
             <a:r>
-              <a:rPr lang="en-US" dirty="0" smtClean="0"/>
+              <a:rPr lang="en-US" dirty="0"/>
               <a:t>Property Managers</a:t>
             </a:r>
           </a:p>
           <a:p>
             <a:r>
-              <a:rPr lang="en-US" dirty="0" smtClean="0"/>
+              <a:rPr lang="en-US" dirty="0"/>
               <a:t>Learned:</a:t>
             </a:r>
-            <a:endParaRPr lang="en-US" dirty="0" smtClean="0"/>
           </a:p>
           <a:p>
             <a:pPr lvl="1"/>
             <a:r>
-              <a:rPr lang="en-US" dirty="0" smtClean="0"/>
+              <a:rPr lang="en-US" dirty="0"/>
               <a:t>Elixir, Client/Server Socket Integration</a:t>
             </a:r>
           </a:p>
           <a:p>
             <a:pPr lvl="1"/>
             <a:r>
-              <a:rPr lang="en-US" dirty="0" smtClean="0"/>
+              <a:rPr lang="en-US" dirty="0"/>
               <a:t>Elastic Search in AWS</a:t>
             </a:r>
           </a:p>
           <a:p>
             <a:pPr lvl="1"/>
             <a:r>
-              <a:rPr lang="en-US" dirty="0" smtClean="0"/>
+              <a:rPr lang="en-US" dirty="0"/>
               <a:t>REO Properties, Fannie Mae Financials, Sensor technology</a:t>
             </a:r>
           </a:p>
           <a:p>
             <a:r>
-              <a:rPr lang="en-US" dirty="0" smtClean="0"/>
+              <a:rPr lang="en-US" dirty="0"/>
               <a:t>Additional Benefits:</a:t>
             </a:r>
           </a:p>
           <a:p>
             <a:pPr lvl="1"/>
             <a:r>
-              <a:rPr lang="en-US" dirty="0" smtClean="0"/>
+              <a:rPr lang="en-US" dirty="0"/>
               <a:t>Fannie Mae PR for occupied properties</a:t>
             </a:r>
           </a:p>
           <a:p>
             <a:pPr lvl="1"/>
             <a:r>
-              <a:rPr lang="en-US" dirty="0" smtClean="0"/>
+              <a:rPr lang="en-US" dirty="0"/>
               <a:t>Smart home/hobbyist use outside Fannie Mae</a:t>
             </a:r>
-            <a:endParaRPr lang="en-US" dirty="0" smtClean="0"/>
           </a:p>
           <a:p>
             <a:endParaRPr lang="en-US" dirty="0"/>
@@ -11484,7 +12070,7 @@
           <a:lstStyle/>
           <a:p>
             <a:r>
-              <a:rPr lang="en-US" dirty="0" smtClean="0">
+              <a:rPr lang="en-US" dirty="0">
                 <a:solidFill>
                   <a:schemeClr val="bg1">
                     <a:lumMod val="65000"/>
@@ -11494,7 +12080,7 @@
               <a:t>Innovation Day | August 23</a:t>
             </a:r>
             <a:r>
-              <a:rPr lang="en-US" baseline="30000" dirty="0" smtClean="0">
+              <a:rPr lang="en-US" baseline="30000" dirty="0">
                 <a:solidFill>
                   <a:schemeClr val="bg1">
                     <a:lumMod val="65000"/>
@@ -11504,7 +12090,7 @@
               <a:t>rd</a:t>
             </a:r>
             <a:r>
-              <a:rPr lang="en-US" dirty="0" smtClean="0">
+              <a:rPr lang="en-US" dirty="0">
                 <a:solidFill>
                   <a:schemeClr val="bg1">
                     <a:lumMod val="65000"/>
@@ -11513,13 +12099,6 @@
               </a:rPr>
               <a:t> 2018</a:t>
             </a:r>
-            <a:endParaRPr lang="en-US" dirty="0">
-              <a:solidFill>
-                <a:schemeClr val="bg1">
-                  <a:lumMod val="65000"/>
-                </a:schemeClr>
-              </a:solidFill>
-            </a:endParaRPr>
           </a:p>
         </p:txBody>
       </p:sp>
@@ -11533,13 +12112,6 @@
   <p:clrMapOvr>
     <a:masterClrMapping/>
   </p:clrMapOvr>
-  <p:timing>
-    <p:tnLst>
-      <p:par>
-        <p:cTn id="1" dur="indefinite" restart="never" nodeType="tmRoot"/>
-      </p:par>
-    </p:tnLst>
-  </p:timing>
 </p:sld>
 </file>
 
@@ -11577,31 +12149,9 @@
           <a:p>
             <a:pPr algn="r"/>
             <a:r>
-              <a:rPr lang="en-US" dirty="0" smtClean="0"/>
+              <a:rPr lang="en-US" dirty="0"/>
               <a:t>Questions and Answers!</a:t>
             </a:r>
-            <a:endParaRPr lang="en-US" dirty="0"/>
-          </a:p>
-        </p:txBody>
-      </p:sp>
-      <p:sp>
-        <p:nvSpPr>
-          <p:cNvPr id="3" name="Content Placeholder 2"/>
-          <p:cNvSpPr>
-            <a:spLocks noGrp="1"/>
-          </p:cNvSpPr>
-          <p:nvPr>
-            <p:ph idx="1"/>
-          </p:nvPr>
-        </p:nvSpPr>
-        <p:spPr/>
-        <p:txBody>
-          <a:bodyPr>
-            <a:normAutofit/>
-          </a:bodyPr>
-          <a:lstStyle/>
-          <a:p>
-            <a:endParaRPr lang="en-US" dirty="0"/>
           </a:p>
         </p:txBody>
       </p:sp>
@@ -11626,7 +12176,7 @@
           <a:lstStyle/>
           <a:p>
             <a:r>
-              <a:rPr lang="en-US" dirty="0" smtClean="0">
+              <a:rPr lang="en-US" dirty="0">
                 <a:solidFill>
                   <a:schemeClr val="bg1">
                     <a:lumMod val="65000"/>
@@ -11636,7 +12186,7 @@
               <a:t>Innovation Day | August 23</a:t>
             </a:r>
             <a:r>
-              <a:rPr lang="en-US" baseline="30000" dirty="0" smtClean="0">
+              <a:rPr lang="en-US" baseline="30000" dirty="0">
                 <a:solidFill>
                   <a:schemeClr val="bg1">
                     <a:lumMod val="65000"/>
@@ -11646,7 +12196,7 @@
               <a:t>rd</a:t>
             </a:r>
             <a:r>
-              <a:rPr lang="en-US" dirty="0" smtClean="0">
+              <a:rPr lang="en-US" dirty="0">
                 <a:solidFill>
                   <a:schemeClr val="bg1">
                     <a:lumMod val="65000"/>
@@ -11655,13 +12205,6 @@
               </a:rPr>
               <a:t> 2018</a:t>
             </a:r>
-            <a:endParaRPr lang="en-US" dirty="0">
-              <a:solidFill>
-                <a:schemeClr val="bg1">
-                  <a:lumMod val="65000"/>
-                </a:schemeClr>
-              </a:solidFill>
-            </a:endParaRPr>
           </a:p>
         </p:txBody>
       </p:sp>
@@ -11716,13 +12259,6 @@
   <p:clrMapOvr>
     <a:masterClrMapping/>
   </p:clrMapOvr>
-  <p:timing>
-    <p:tnLst>
-      <p:par>
-        <p:cTn id="1" dur="indefinite" restart="never" nodeType="tmRoot"/>
-      </p:par>
-    </p:tnLst>
-  </p:timing>
 </p:sld>
 </file>
 
@@ -11760,10 +12296,9 @@
           <a:p>
             <a:pPr algn="r"/>
             <a:r>
-              <a:rPr lang="en-US" dirty="0" smtClean="0"/>
-              <a:t>Appendix: Arduino Sensor Cost </a:t>
-            </a:r>
-            <a:endParaRPr lang="en-US" dirty="0"/>
+              <a:rPr lang="en-US" dirty="0"/>
+              <a:t>Appendix 1: Sensor Kit Cost </a:t>
+            </a:r>
           </a:p>
         </p:txBody>
       </p:sp>
@@ -11885,7 +12420,7 @@
           </a:lstStyle>
           <a:p>
             <a:r>
-              <a:rPr lang="en-US" dirty="0" smtClean="0">
+              <a:rPr lang="en-US" dirty="0">
                 <a:solidFill>
                   <a:schemeClr val="bg1">
                     <a:lumMod val="65000"/>
@@ -11895,7 +12430,7 @@
               <a:t>Innovation Day | August 23</a:t>
             </a:r>
             <a:r>
-              <a:rPr lang="en-US" baseline="30000" dirty="0" smtClean="0">
+              <a:rPr lang="en-US" baseline="30000" dirty="0">
                 <a:solidFill>
                   <a:schemeClr val="bg1">
                     <a:lumMod val="65000"/>
@@ -11905,7 +12440,7 @@
               <a:t>rd</a:t>
             </a:r>
             <a:r>
-              <a:rPr lang="en-US" dirty="0" smtClean="0">
+              <a:rPr lang="en-US" dirty="0">
                 <a:solidFill>
                   <a:schemeClr val="bg1">
                     <a:lumMod val="65000"/>
@@ -11914,57 +12449,36 @@
               </a:rPr>
               <a:t> 2018</a:t>
             </a:r>
-            <a:endParaRPr lang="en-US" dirty="0">
-              <a:solidFill>
-                <a:schemeClr val="bg1">
-                  <a:lumMod val="65000"/>
-                </a:schemeClr>
-              </a:solidFill>
-            </a:endParaRPr>
-          </a:p>
-        </p:txBody>
-      </p:sp>
-      <p:sp>
-        <p:nvSpPr>
-          <p:cNvPr id="6" name="Content Placeholder 5"/>
-          <p:cNvSpPr>
-            <a:spLocks noGrp="1"/>
-          </p:cNvSpPr>
-          <p:nvPr>
-            <p:ph idx="1"/>
-          </p:nvPr>
-        </p:nvSpPr>
-        <p:spPr/>
-        <p:txBody>
-          <a:bodyPr/>
-          <a:lstStyle/>
-          <a:p>
-            <a:endParaRPr lang="en-US"/>
           </a:p>
         </p:txBody>
       </p:sp>
       <p:pic>
         <p:nvPicPr>
-          <p:cNvPr id="7" name="Picture 6"/>
+          <p:cNvPr id="8" name="Content Placeholder 7"/>
           <p:cNvPicPr>
-            <a:picLocks noChangeAspect="1"/>
+            <a:picLocks noGrp="1" noChangeAspect="1"/>
           </p:cNvPicPr>
-          <p:nvPr/>
+          <p:nvPr>
+            <p:ph idx="1"/>
+          </p:nvPr>
         </p:nvPicPr>
         <p:blipFill>
-          <a:blip r:embed="rId2"/>
+          <a:blip r:embed="rId2">
+            <a:extLst>
+              <a:ext uri="{28A0092B-C50C-407E-A947-70E740481C1C}">
+                <a14:useLocalDpi xmlns:a14="http://schemas.microsoft.com/office/drawing/2010/main" val="0"/>
+              </a:ext>
+            </a:extLst>
+          </a:blip>
           <a:stretch>
             <a:fillRect/>
           </a:stretch>
         </p:blipFill>
         <p:spPr>
           <a:xfrm>
-            <a:off x="2332626" y="1489077"/>
-            <a:ext cx="9428571" cy="5066667"/>
+            <a:off x="3403192" y="1563077"/>
+            <a:ext cx="8101420" cy="4910659"/>
           </a:xfrm>
-          <a:prstGeom prst="rect">
-            <a:avLst/>
-          </a:prstGeom>
         </p:spPr>
       </p:pic>
     </p:spTree>
@@ -11977,13 +12491,6 @@
   <p:clrMapOvr>
     <a:masterClrMapping/>
   </p:clrMapOvr>
-  <p:timing>
-    <p:tnLst>
-      <p:par>
-        <p:cTn id="1" dur="indefinite" restart="never" nodeType="tmRoot"/>
-      </p:par>
-    </p:tnLst>
-  </p:timing>
 </p:sld>
 </file>
 
@@ -12021,10 +12528,9 @@
           <a:p>
             <a:pPr algn="r"/>
             <a:r>
-              <a:rPr lang="en-US" dirty="0" smtClean="0"/>
-              <a:t>Appendix: Arduino Kit Cost </a:t>
-            </a:r>
-            <a:endParaRPr lang="en-US" dirty="0"/>
+              <a:rPr lang="en-US" dirty="0"/>
+              <a:t>Appendix 2: Arduino Kit Cost </a:t>
+            </a:r>
           </a:p>
         </p:txBody>
       </p:sp>
@@ -12146,7 +12652,7 @@
           </a:lstStyle>
           <a:p>
             <a:r>
-              <a:rPr lang="en-US" dirty="0" smtClean="0">
+              <a:rPr lang="en-US" dirty="0">
                 <a:solidFill>
                   <a:schemeClr val="bg1">
                     <a:lumMod val="65000"/>
@@ -12156,7 +12662,7 @@
               <a:t>Innovation Day | August 23</a:t>
             </a:r>
             <a:r>
-              <a:rPr lang="en-US" baseline="30000" dirty="0" smtClean="0">
+              <a:rPr lang="en-US" baseline="30000" dirty="0">
                 <a:solidFill>
                   <a:schemeClr val="bg1">
                     <a:lumMod val="65000"/>
@@ -12166,7 +12672,7 @@
               <a:t>rd</a:t>
             </a:r>
             <a:r>
-              <a:rPr lang="en-US" dirty="0" smtClean="0">
+              <a:rPr lang="en-US" dirty="0">
                 <a:solidFill>
                   <a:schemeClr val="bg1">
                     <a:lumMod val="65000"/>
@@ -12175,76 +12681,48 @@
               </a:rPr>
               <a:t> 2018</a:t>
             </a:r>
-            <a:endParaRPr lang="en-US" dirty="0">
-              <a:solidFill>
-                <a:schemeClr val="bg1">
-                  <a:lumMod val="65000"/>
-                </a:schemeClr>
-              </a:solidFill>
-            </a:endParaRPr>
-          </a:p>
-        </p:txBody>
-      </p:sp>
-      <p:sp>
-        <p:nvSpPr>
-          <p:cNvPr id="6" name="Content Placeholder 5"/>
-          <p:cNvSpPr>
-            <a:spLocks noGrp="1"/>
-          </p:cNvSpPr>
-          <p:nvPr>
-            <p:ph idx="1"/>
-          </p:nvPr>
-        </p:nvSpPr>
-        <p:spPr/>
-        <p:txBody>
-          <a:bodyPr/>
-          <a:lstStyle/>
-          <a:p>
-            <a:endParaRPr lang="en-US"/>
           </a:p>
         </p:txBody>
       </p:sp>
       <p:pic>
         <p:nvPicPr>
-          <p:cNvPr id="3" name="Picture 2"/>
+          <p:cNvPr id="3" name="Content Placeholder 2"/>
           <p:cNvPicPr>
-            <a:picLocks noChangeAspect="1"/>
+            <a:picLocks noGrp="1" noChangeAspect="1"/>
           </p:cNvPicPr>
-          <p:nvPr/>
+          <p:nvPr>
+            <p:ph idx="1"/>
+          </p:nvPr>
         </p:nvPicPr>
         <p:blipFill>
-          <a:blip r:embed="rId2"/>
+          <a:blip r:embed="rId2">
+            <a:extLst>
+              <a:ext uri="{28A0092B-C50C-407E-A947-70E740481C1C}">
+                <a14:useLocalDpi xmlns:a14="http://schemas.microsoft.com/office/drawing/2010/main" val="0"/>
+              </a:ext>
+            </a:extLst>
+          </a:blip>
           <a:stretch>
             <a:fillRect/>
           </a:stretch>
         </p:blipFill>
         <p:spPr>
           <a:xfrm>
-            <a:off x="144381" y="1513441"/>
-            <a:ext cx="12047619" cy="5142857"/>
+            <a:off x="2798379" y="1622631"/>
+            <a:ext cx="8706233" cy="4918347"/>
           </a:xfrm>
-          <a:prstGeom prst="rect">
-            <a:avLst/>
-          </a:prstGeom>
         </p:spPr>
       </p:pic>
     </p:spTree>
     <p:extLst>
       <p:ext uri="{BB962C8B-B14F-4D97-AF65-F5344CB8AC3E}">
-        <p14:creationId xmlns:p14="http://schemas.microsoft.com/office/powerpoint/2010/main" val="3660067792"/>
+        <p14:creationId xmlns:p14="http://schemas.microsoft.com/office/powerpoint/2010/main" val="3643360109"/>
       </p:ext>
     </p:extLst>
   </p:cSld>
   <p:clrMapOvr>
     <a:masterClrMapping/>
   </p:clrMapOvr>
-  <p:timing>
-    <p:tnLst>
-      <p:par>
-        <p:cTn id="1" dur="indefinite" restart="never" nodeType="tmRoot"/>
-      </p:par>
-    </p:tnLst>
-  </p:timing>
 </p:sld>
 </file>
 

--- a/resources/Innovation Day - Property Monitoring Kit.pptx
+++ b/resources/Innovation Day - Property Monitoring Kit.pptx
@@ -5,30 +5,31 @@
     <p:sldMasterId id="2147483689" r:id="rId1"/>
   </p:sldMasterIdLst>
   <p:notesMasterIdLst>
-    <p:notesMasterId r:id="rId20"/>
+    <p:notesMasterId r:id="rId21"/>
   </p:notesMasterIdLst>
   <p:handoutMasterIdLst>
-    <p:handoutMasterId r:id="rId21"/>
+    <p:handoutMasterId r:id="rId22"/>
   </p:handoutMasterIdLst>
   <p:sldIdLst>
     <p:sldId id="256" r:id="rId2"/>
     <p:sldId id="284" r:id="rId3"/>
     <p:sldId id="298" r:id="rId4"/>
     <p:sldId id="297" r:id="rId5"/>
-    <p:sldId id="296" r:id="rId6"/>
+    <p:sldId id="310" r:id="rId6"/>
     <p:sldId id="286" r:id="rId7"/>
-    <p:sldId id="300" r:id="rId8"/>
-    <p:sldId id="288" r:id="rId9"/>
-    <p:sldId id="304" r:id="rId10"/>
-    <p:sldId id="303" r:id="rId11"/>
-    <p:sldId id="305" r:id="rId12"/>
-    <p:sldId id="306" r:id="rId13"/>
-    <p:sldId id="307" r:id="rId14"/>
-    <p:sldId id="301" r:id="rId15"/>
-    <p:sldId id="291" r:id="rId16"/>
-    <p:sldId id="292" r:id="rId17"/>
-    <p:sldId id="293" r:id="rId18"/>
-    <p:sldId id="294" r:id="rId19"/>
+    <p:sldId id="308" r:id="rId8"/>
+    <p:sldId id="300" r:id="rId9"/>
+    <p:sldId id="288" r:id="rId10"/>
+    <p:sldId id="304" r:id="rId11"/>
+    <p:sldId id="303" r:id="rId12"/>
+    <p:sldId id="305" r:id="rId13"/>
+    <p:sldId id="306" r:id="rId14"/>
+    <p:sldId id="307" r:id="rId15"/>
+    <p:sldId id="301" r:id="rId16"/>
+    <p:sldId id="291" r:id="rId17"/>
+    <p:sldId id="292" r:id="rId18"/>
+    <p:sldId id="293" r:id="rId19"/>
+    <p:sldId id="294" r:id="rId20"/>
   </p:sldIdLst>
   <p:sldSz cx="12192000" cy="6858000"/>
   <p:notesSz cx="7023100" cy="9309100"/>
@@ -217,7 +218,7 @@
           <a:p>
             <a:fld id="{21D77433-D912-44EC-8502-E455187A804F}" type="datetimeFigureOut">
               <a:rPr lang="en-US" smtClean="0"/>
-              <a:t>9/24/18</a:t>
+              <a:t>10/27/2018</a:t>
             </a:fld>
             <a:endParaRPr lang="en-US"/>
           </a:p>
@@ -383,7 +384,7 @@
           <a:p>
             <a:fld id="{44F6AB8C-C820-4873-8D20-0E9DC031BD70}" type="datetimeFigureOut">
               <a:rPr lang="en-US" smtClean="0"/>
-              <a:t>9/24/18</a:t>
+              <a:t>10/27/2018</a:t>
             </a:fld>
             <a:endParaRPr lang="en-US"/>
           </a:p>
@@ -923,7 +924,7 @@
           <a:p>
             <a:fld id="{D61390C7-9EFE-4505-8D70-243612A87A08}" type="datetime1">
               <a:rPr lang="en-US" smtClean="0"/>
-              <a:t>9/24/18</a:t>
+              <a:t>10/27/2018</a:t>
             </a:fld>
             <a:endParaRPr lang="en-US"/>
           </a:p>
@@ -1261,7 +1262,7 @@
           <a:p>
             <a:fld id="{844B3533-FB52-4865-8C82-0DA975B0A6AA}" type="datetime1">
               <a:rPr lang="en-US" smtClean="0"/>
-              <a:t>9/24/18</a:t>
+              <a:t>10/27/2018</a:t>
             </a:fld>
             <a:endParaRPr lang="en-US"/>
           </a:p>
@@ -1663,7 +1664,7 @@
           <a:p>
             <a:fld id="{844B3533-FB52-4865-8C82-0DA975B0A6AA}" type="datetime1">
               <a:rPr lang="en-US" smtClean="0"/>
-              <a:t>9/24/18</a:t>
+              <a:t>10/27/2018</a:t>
             </a:fld>
             <a:endParaRPr lang="en-US"/>
           </a:p>
@@ -2000,7 +2001,7 @@
           <a:p>
             <a:fld id="{844B3533-FB52-4865-8C82-0DA975B0A6AA}" type="datetime1">
               <a:rPr lang="en-US" smtClean="0"/>
-              <a:t>9/24/18</a:t>
+              <a:t>10/27/2018</a:t>
             </a:fld>
             <a:endParaRPr lang="en-US"/>
           </a:p>
@@ -2321,7 +2322,7 @@
           <a:p>
             <a:fld id="{844B3533-FB52-4865-8C82-0DA975B0A6AA}" type="datetime1">
               <a:rPr lang="en-US" smtClean="0"/>
-              <a:t>9/24/18</a:t>
+              <a:t>10/27/2018</a:t>
             </a:fld>
             <a:endParaRPr lang="en-US"/>
           </a:p>
@@ -2718,7 +2719,7 @@
           <a:p>
             <a:fld id="{844B3533-FB52-4865-8C82-0DA975B0A6AA}" type="datetime1">
               <a:rPr lang="en-US" smtClean="0"/>
-              <a:t>9/24/18</a:t>
+              <a:t>10/27/2018</a:t>
             </a:fld>
             <a:endParaRPr lang="en-US"/>
           </a:p>
@@ -2976,7 +2977,7 @@
           <a:p>
             <a:fld id="{387FAA98-CD57-40DB-8E3C-683296458C76}" type="datetime1">
               <a:rPr lang="en-US" smtClean="0"/>
-              <a:t>9/24/18</a:t>
+              <a:t>10/27/2018</a:t>
             </a:fld>
             <a:endParaRPr lang="en-US"/>
           </a:p>
@@ -3238,7 +3239,7 @@
           <a:p>
             <a:fld id="{F3454765-2CF4-464C-9FAF-F5E0A5A955F7}" type="datetime1">
               <a:rPr lang="en-US" smtClean="0"/>
-              <a:t>9/24/18</a:t>
+              <a:t>10/27/2018</a:t>
             </a:fld>
             <a:endParaRPr lang="en-US"/>
           </a:p>
@@ -3500,7 +3501,7 @@
           <a:p>
             <a:fld id="{5620BCD8-EAC9-400D-8F9F-13D2EB503D50}" type="datetime1">
               <a:rPr lang="en-US" smtClean="0"/>
-              <a:t>9/24/18</a:t>
+              <a:t>10/27/2018</a:t>
             </a:fld>
             <a:endParaRPr lang="en-US"/>
           </a:p>
@@ -3829,7 +3830,7 @@
           <a:p>
             <a:fld id="{684656F5-09F7-4839-98AD-A47FD76FD43E}" type="datetime1">
               <a:rPr lang="en-US" smtClean="0"/>
-              <a:t>9/24/18</a:t>
+              <a:t>10/27/2018</a:t>
             </a:fld>
             <a:endParaRPr lang="en-US"/>
           </a:p>
@@ -4152,7 +4153,7 @@
           <a:p>
             <a:fld id="{6913BE8F-5F29-4D22-9F75-8D75D45E6D40}" type="datetime1">
               <a:rPr lang="en-US" smtClean="0"/>
-              <a:t>9/24/18</a:t>
+              <a:t>10/27/2018</a:t>
             </a:fld>
             <a:endParaRPr lang="en-US"/>
           </a:p>
@@ -4609,7 +4610,7 @@
           <a:p>
             <a:fld id="{A1255B3B-1A05-4AAB-B287-1ABF39E04950}" type="datetime1">
               <a:rPr lang="en-US" smtClean="0"/>
-              <a:t>9/24/18</a:t>
+              <a:t>10/27/2018</a:t>
             </a:fld>
             <a:endParaRPr lang="en-US"/>
           </a:p>
@@ -4814,7 +4815,7 @@
           <a:p>
             <a:fld id="{CAABEDC0-377B-4ECC-B18E-FED9D9162ED6}" type="datetime1">
               <a:rPr lang="en-US" smtClean="0"/>
-              <a:t>9/24/18</a:t>
+              <a:t>10/27/2018</a:t>
             </a:fld>
             <a:endParaRPr lang="en-US"/>
           </a:p>
@@ -4991,7 +4992,7 @@
           <a:p>
             <a:fld id="{2036DE6C-B232-4C3D-B304-2B209FF7DBF9}" type="datetime1">
               <a:rPr lang="en-US" smtClean="0"/>
-              <a:t>9/24/18</a:t>
+              <a:t>10/27/2018</a:t>
             </a:fld>
             <a:endParaRPr lang="en-US"/>
           </a:p>
@@ -5324,7 +5325,7 @@
           <a:p>
             <a:fld id="{F2737266-4FC9-48E2-840B-E23C3AF66F8B}" type="datetime1">
               <a:rPr lang="en-US" smtClean="0"/>
-              <a:t>9/24/18</a:t>
+              <a:t>10/27/2018</a:t>
             </a:fld>
             <a:endParaRPr lang="en-US"/>
           </a:p>
@@ -5669,7 +5670,7 @@
           <a:p>
             <a:fld id="{5E2833C8-8D57-493A-B6B1-8E3B0004214D}" type="datetime1">
               <a:rPr lang="en-US" smtClean="0"/>
-              <a:t>9/24/18</a:t>
+              <a:t>10/27/2018</a:t>
             </a:fld>
             <a:endParaRPr lang="en-US"/>
           </a:p>
@@ -7786,7 +7787,7 @@
           <a:p>
             <a:fld id="{844B3533-FB52-4865-8C82-0DA975B0A6AA}" type="datetime1">
               <a:rPr lang="en-US" smtClean="0"/>
-              <a:t>9/24/18</a:t>
+              <a:t>10/27/2018</a:t>
             </a:fld>
             <a:endParaRPr lang="en-US"/>
           </a:p>
@@ -8547,6 +8548,238 @@
             <a:pPr algn="r"/>
             <a:r>
               <a:rPr lang="en-US" dirty="0"/>
+              <a:t>Appendix 2: Arduino Kit Cost </a:t>
+            </a:r>
+          </a:p>
+        </p:txBody>
+      </p:sp>
+      <p:sp>
+        <p:nvSpPr>
+          <p:cNvPr id="5" name="Footer Placeholder 3"/>
+          <p:cNvSpPr txBox="1">
+            <a:spLocks/>
+          </p:cNvSpPr>
+          <p:nvPr/>
+        </p:nvSpPr>
+        <p:spPr>
+          <a:xfrm>
+            <a:off x="2741612" y="6473736"/>
+            <a:ext cx="7619999" cy="365125"/>
+          </a:xfrm>
+          <a:prstGeom prst="rect">
+            <a:avLst/>
+          </a:prstGeom>
+        </p:spPr>
+        <p:txBody>
+          <a:bodyPr vert="horz" lIns="91440" tIns="45720" rIns="91440" bIns="45720" rtlCol="0" anchor="ctr"/>
+          <a:lstStyle>
+            <a:defPPr>
+              <a:defRPr lang="en-US"/>
+            </a:defPPr>
+            <a:lvl1pPr marL="0" algn="l" defTabSz="914400" rtl="0" eaLnBrk="1" latinLnBrk="0" hangingPunct="1">
+              <a:defRPr sz="900" kern="1200">
+                <a:solidFill>
+                  <a:schemeClr val="tx1">
+                    <a:tint val="75000"/>
+                  </a:schemeClr>
+                </a:solidFill>
+                <a:latin typeface="+mn-lt"/>
+                <a:ea typeface="+mn-ea"/>
+                <a:cs typeface="+mn-cs"/>
+              </a:defRPr>
+            </a:lvl1pPr>
+            <a:lvl2pPr marL="457200" algn="l" defTabSz="914400" rtl="0" eaLnBrk="1" latinLnBrk="0" hangingPunct="1">
+              <a:defRPr sz="1800" kern="1200">
+                <a:solidFill>
+                  <a:schemeClr val="tx1"/>
+                </a:solidFill>
+                <a:latin typeface="+mn-lt"/>
+                <a:ea typeface="+mn-ea"/>
+                <a:cs typeface="+mn-cs"/>
+              </a:defRPr>
+            </a:lvl2pPr>
+            <a:lvl3pPr marL="914400" algn="l" defTabSz="914400" rtl="0" eaLnBrk="1" latinLnBrk="0" hangingPunct="1">
+              <a:defRPr sz="1800" kern="1200">
+                <a:solidFill>
+                  <a:schemeClr val="tx1"/>
+                </a:solidFill>
+                <a:latin typeface="+mn-lt"/>
+                <a:ea typeface="+mn-ea"/>
+                <a:cs typeface="+mn-cs"/>
+              </a:defRPr>
+            </a:lvl3pPr>
+            <a:lvl4pPr marL="1371600" algn="l" defTabSz="914400" rtl="0" eaLnBrk="1" latinLnBrk="0" hangingPunct="1">
+              <a:defRPr sz="1800" kern="1200">
+                <a:solidFill>
+                  <a:schemeClr val="tx1"/>
+                </a:solidFill>
+                <a:latin typeface="+mn-lt"/>
+                <a:ea typeface="+mn-ea"/>
+                <a:cs typeface="+mn-cs"/>
+              </a:defRPr>
+            </a:lvl4pPr>
+            <a:lvl5pPr marL="1828800" algn="l" defTabSz="914400" rtl="0" eaLnBrk="1" latinLnBrk="0" hangingPunct="1">
+              <a:defRPr sz="1800" kern="1200">
+                <a:solidFill>
+                  <a:schemeClr val="tx1"/>
+                </a:solidFill>
+                <a:latin typeface="+mn-lt"/>
+                <a:ea typeface="+mn-ea"/>
+                <a:cs typeface="+mn-cs"/>
+              </a:defRPr>
+            </a:lvl5pPr>
+            <a:lvl6pPr marL="2286000" algn="l" defTabSz="914400" rtl="0" eaLnBrk="1" latinLnBrk="0" hangingPunct="1">
+              <a:defRPr sz="1800" kern="1200">
+                <a:solidFill>
+                  <a:schemeClr val="tx1"/>
+                </a:solidFill>
+                <a:latin typeface="+mn-lt"/>
+                <a:ea typeface="+mn-ea"/>
+                <a:cs typeface="+mn-cs"/>
+              </a:defRPr>
+            </a:lvl6pPr>
+            <a:lvl7pPr marL="2743200" algn="l" defTabSz="914400" rtl="0" eaLnBrk="1" latinLnBrk="0" hangingPunct="1">
+              <a:defRPr sz="1800" kern="1200">
+                <a:solidFill>
+                  <a:schemeClr val="tx1"/>
+                </a:solidFill>
+                <a:latin typeface="+mn-lt"/>
+                <a:ea typeface="+mn-ea"/>
+                <a:cs typeface="+mn-cs"/>
+              </a:defRPr>
+            </a:lvl7pPr>
+            <a:lvl8pPr marL="3200400" algn="l" defTabSz="914400" rtl="0" eaLnBrk="1" latinLnBrk="0" hangingPunct="1">
+              <a:defRPr sz="1800" kern="1200">
+                <a:solidFill>
+                  <a:schemeClr val="tx1"/>
+                </a:solidFill>
+                <a:latin typeface="+mn-lt"/>
+                <a:ea typeface="+mn-ea"/>
+                <a:cs typeface="+mn-cs"/>
+              </a:defRPr>
+            </a:lvl8pPr>
+            <a:lvl9pPr marL="3657600" algn="l" defTabSz="914400" rtl="0" eaLnBrk="1" latinLnBrk="0" hangingPunct="1">
+              <a:defRPr sz="1800" kern="1200">
+                <a:solidFill>
+                  <a:schemeClr val="tx1"/>
+                </a:solidFill>
+                <a:latin typeface="+mn-lt"/>
+                <a:ea typeface="+mn-ea"/>
+                <a:cs typeface="+mn-cs"/>
+              </a:defRPr>
+            </a:lvl9pPr>
+          </a:lstStyle>
+          <a:p>
+            <a:r>
+              <a:rPr lang="en-US" dirty="0">
+                <a:solidFill>
+                  <a:schemeClr val="bg1">
+                    <a:lumMod val="65000"/>
+                  </a:schemeClr>
+                </a:solidFill>
+              </a:rPr>
+              <a:t>Innovation Day | August 23</a:t>
+            </a:r>
+            <a:r>
+              <a:rPr lang="en-US" baseline="30000" dirty="0">
+                <a:solidFill>
+                  <a:schemeClr val="bg1">
+                    <a:lumMod val="65000"/>
+                  </a:schemeClr>
+                </a:solidFill>
+              </a:rPr>
+              <a:t>rd</a:t>
+            </a:r>
+            <a:r>
+              <a:rPr lang="en-US" dirty="0">
+                <a:solidFill>
+                  <a:schemeClr val="bg1">
+                    <a:lumMod val="65000"/>
+                  </a:schemeClr>
+                </a:solidFill>
+              </a:rPr>
+              <a:t> 2018</a:t>
+            </a:r>
+          </a:p>
+        </p:txBody>
+      </p:sp>
+      <p:pic>
+        <p:nvPicPr>
+          <p:cNvPr id="3" name="Content Placeholder 2"/>
+          <p:cNvPicPr>
+            <a:picLocks noGrp="1" noChangeAspect="1"/>
+          </p:cNvPicPr>
+          <p:nvPr>
+            <p:ph idx="1"/>
+          </p:nvPr>
+        </p:nvPicPr>
+        <p:blipFill>
+          <a:blip r:embed="rId2">
+            <a:extLst>
+              <a:ext uri="{28A0092B-C50C-407E-A947-70E740481C1C}">
+                <a14:useLocalDpi xmlns:a14="http://schemas.microsoft.com/office/drawing/2010/main" val="0"/>
+              </a:ext>
+            </a:extLst>
+          </a:blip>
+          <a:stretch>
+            <a:fillRect/>
+          </a:stretch>
+        </p:blipFill>
+        <p:spPr>
+          <a:xfrm>
+            <a:off x="2798379" y="1622631"/>
+            <a:ext cx="8706233" cy="4918347"/>
+          </a:xfrm>
+        </p:spPr>
+      </p:pic>
+    </p:spTree>
+    <p:extLst>
+      <p:ext uri="{BB962C8B-B14F-4D97-AF65-F5344CB8AC3E}">
+        <p14:creationId xmlns:p14="http://schemas.microsoft.com/office/powerpoint/2010/main" val="3643360109"/>
+      </p:ext>
+    </p:extLst>
+  </p:cSld>
+  <p:clrMapOvr>
+    <a:masterClrMapping/>
+  </p:clrMapOvr>
+</p:sld>
+</file>
+
+<file path=ppt/slides/slide11.xml><?xml version="1.0" encoding="utf-8"?>
+<p:sld xmlns:a="http://schemas.openxmlformats.org/drawingml/2006/main" xmlns:r="http://schemas.openxmlformats.org/officeDocument/2006/relationships" xmlns:p="http://schemas.openxmlformats.org/presentationml/2006/main">
+  <p:cSld>
+    <p:spTree>
+      <p:nvGrpSpPr>
+        <p:cNvPr id="1" name=""/>
+        <p:cNvGrpSpPr/>
+        <p:nvPr/>
+      </p:nvGrpSpPr>
+      <p:grpSpPr>
+        <a:xfrm>
+          <a:off x="0" y="0"/>
+          <a:ext cx="0" cy="0"/>
+          <a:chOff x="0" y="0"/>
+          <a:chExt cx="0" cy="0"/>
+        </a:xfrm>
+      </p:grpSpPr>
+      <p:sp>
+        <p:nvSpPr>
+          <p:cNvPr id="2" name="Title 1"/>
+          <p:cNvSpPr>
+            <a:spLocks noGrp="1"/>
+          </p:cNvSpPr>
+          <p:nvPr>
+            <p:ph type="title"/>
+          </p:nvPr>
+        </p:nvSpPr>
+        <p:spPr/>
+        <p:txBody>
+          <a:bodyPr/>
+          <a:lstStyle/>
+          <a:p>
+            <a:pPr algn="r"/>
+            <a:r>
+              <a:rPr lang="en-US" dirty="0"/>
               <a:t>Appendix 3: Raspberry Pi Kit Cost</a:t>
             </a:r>
           </a:p>
@@ -8744,7 +8977,7 @@
 </p:sld>
 </file>
 
-<file path=ppt/slides/slide11.xml><?xml version="1.0" encoding="utf-8"?>
+<file path=ppt/slides/slide12.xml><?xml version="1.0" encoding="utf-8"?>
 <p:sld xmlns:a="http://schemas.openxmlformats.org/drawingml/2006/main" xmlns:r="http://schemas.openxmlformats.org/officeDocument/2006/relationships" xmlns:p="http://schemas.openxmlformats.org/presentationml/2006/main">
   <p:cSld>
     <p:spTree>
@@ -8976,7 +9209,7 @@
 </p:sld>
 </file>
 
-<file path=ppt/slides/slide12.xml><?xml version="1.0" encoding="utf-8"?>
+<file path=ppt/slides/slide13.xml><?xml version="1.0" encoding="utf-8"?>
 <p:sld xmlns:a="http://schemas.openxmlformats.org/drawingml/2006/main" xmlns:r="http://schemas.openxmlformats.org/officeDocument/2006/relationships" xmlns:p="http://schemas.openxmlformats.org/presentationml/2006/main">
   <p:cSld>
     <p:spTree>
@@ -9279,7 +9512,7 @@
 </p:sld>
 </file>
 
-<file path=ppt/slides/slide13.xml><?xml version="1.0" encoding="utf-8"?>
+<file path=ppt/slides/slide14.xml><?xml version="1.0" encoding="utf-8"?>
 <p:sld xmlns:a="http://schemas.openxmlformats.org/drawingml/2006/main" xmlns:r="http://schemas.openxmlformats.org/officeDocument/2006/relationships" xmlns:p="http://schemas.openxmlformats.org/presentationml/2006/main">
   <p:cSld>
     <p:spTree>
@@ -9505,6 +9738,10 @@
               </a:rPr>
               <a:t>https://aws.amazon.com/elasticsearch-service/pricing/</a:t>
             </a:r>
+            <a:r>
+              <a:rPr lang="en-US" dirty="0"/>
+              <a:t/>
+            </a:r>
             <a:br>
               <a:rPr lang="en-US" dirty="0"/>
             </a:br>
@@ -9513,6 +9750,10 @@
                 <a:hlinkClick r:id="rId3"/>
               </a:rPr>
               <a:t>https://docs.aws.amazon.com/elasticsearch-service/latest/developerguide/aes-limits.html</a:t>
+            </a:r>
+            <a:r>
+              <a:rPr lang="en-US" dirty="0"/>
+              <a:t/>
             </a:r>
             <a:br>
               <a:rPr lang="en-US" dirty="0"/>
@@ -9635,7 +9876,7 @@
 </p:sld>
 </file>
 
-<file path=ppt/slides/slide14.xml><?xml version="1.0" encoding="utf-8"?>
+<file path=ppt/slides/slide15.xml><?xml version="1.0" encoding="utf-8"?>
 <p:sld xmlns:a="http://schemas.openxmlformats.org/drawingml/2006/main" xmlns:r="http://schemas.openxmlformats.org/officeDocument/2006/relationships" xmlns:p="http://schemas.openxmlformats.org/presentationml/2006/main">
   <p:cSld>
     <p:spTree>
@@ -9864,7 +10105,7 @@
 </p:sld>
 </file>
 
-<file path=ppt/slides/slide15.xml><?xml version="1.0" encoding="utf-8"?>
+<file path=ppt/slides/slide16.xml><?xml version="1.0" encoding="utf-8"?>
 <p:sld xmlns:a="http://schemas.openxmlformats.org/drawingml/2006/main" xmlns:r="http://schemas.openxmlformats.org/officeDocument/2006/relationships" xmlns:p="http://schemas.openxmlformats.org/presentationml/2006/main">
   <p:cSld>
     <p:spTree>
@@ -10091,7 +10332,7 @@
 </p:sld>
 </file>
 
-<file path=ppt/slides/slide16.xml><?xml version="1.0" encoding="utf-8"?>
+<file path=ppt/slides/slide17.xml><?xml version="1.0" encoding="utf-8"?>
 <p:sld xmlns:a="http://schemas.openxmlformats.org/drawingml/2006/main" xmlns:r="http://schemas.openxmlformats.org/officeDocument/2006/relationships" xmlns:p="http://schemas.openxmlformats.org/presentationml/2006/main">
   <p:cSld>
     <p:spTree>
@@ -10318,7 +10559,7 @@
 </p:sld>
 </file>
 
-<file path=ppt/slides/slide17.xml><?xml version="1.0" encoding="utf-8"?>
+<file path=ppt/slides/slide18.xml><?xml version="1.0" encoding="utf-8"?>
 <p:sld xmlns:a="http://schemas.openxmlformats.org/drawingml/2006/main" xmlns:r="http://schemas.openxmlformats.org/officeDocument/2006/relationships" xmlns:p="http://schemas.openxmlformats.org/presentationml/2006/main">
   <p:cSld>
     <p:spTree>
@@ -10545,7 +10786,7 @@
 </p:sld>
 </file>
 
-<file path=ppt/slides/slide18.xml><?xml version="1.0" encoding="utf-8"?>
+<file path=ppt/slides/slide19.xml><?xml version="1.0" encoding="utf-8"?>
 <p:sld xmlns:a="http://schemas.openxmlformats.org/drawingml/2006/main" xmlns:r="http://schemas.openxmlformats.org/officeDocument/2006/relationships" xmlns:p="http://schemas.openxmlformats.org/presentationml/2006/main">
   <p:cSld>
     <p:spTree>
@@ -10867,14 +11108,14 @@
                 <a:gridCol w="1958009">
                   <a:extLst>
                     <a:ext uri="{9D8B030D-6E8A-4147-A177-3AD203B41FA5}">
-                      <a16:colId xmlns:a16="http://schemas.microsoft.com/office/drawing/2014/main" val="20000"/>
+                      <a16:colId xmlns:a16="http://schemas.microsoft.com/office/drawing/2014/main" xmlns="" val="20000"/>
                     </a:ext>
                   </a:extLst>
                 </a:gridCol>
                 <a:gridCol w="6957391">
                   <a:extLst>
                     <a:ext uri="{9D8B030D-6E8A-4147-A177-3AD203B41FA5}">
-                      <a16:colId xmlns:a16="http://schemas.microsoft.com/office/drawing/2014/main" val="20001"/>
+                      <a16:colId xmlns:a16="http://schemas.microsoft.com/office/drawing/2014/main" xmlns="" val="20001"/>
                     </a:ext>
                   </a:extLst>
                 </a:gridCol>
@@ -10922,7 +11163,7 @@
                 </a:tc>
                 <a:extLst>
                   <a:ext uri="{0D108BD9-81ED-4DB2-BD59-A6C34878D82A}">
-                    <a16:rowId xmlns:a16="http://schemas.microsoft.com/office/drawing/2014/main" val="10000"/>
+                    <a16:rowId xmlns:a16="http://schemas.microsoft.com/office/drawing/2014/main" xmlns="" val="10000"/>
                   </a:ext>
                 </a:extLst>
               </a:tr>
@@ -10959,7 +11200,7 @@
                 </a:tc>
                 <a:extLst>
                   <a:ext uri="{0D108BD9-81ED-4DB2-BD59-A6C34878D82A}">
-                    <a16:rowId xmlns:a16="http://schemas.microsoft.com/office/drawing/2014/main" val="10001"/>
+                    <a16:rowId xmlns:a16="http://schemas.microsoft.com/office/drawing/2014/main" xmlns="" val="10001"/>
                   </a:ext>
                 </a:extLst>
               </a:tr>
@@ -11005,7 +11246,7 @@
                 </a:tc>
                 <a:extLst>
                   <a:ext uri="{0D108BD9-81ED-4DB2-BD59-A6C34878D82A}">
-                    <a16:rowId xmlns:a16="http://schemas.microsoft.com/office/drawing/2014/main" val="10002"/>
+                    <a16:rowId xmlns:a16="http://schemas.microsoft.com/office/drawing/2014/main" xmlns="" val="10002"/>
                   </a:ext>
                 </a:extLst>
               </a:tr>
@@ -11051,7 +11292,7 @@
                 </a:tc>
                 <a:extLst>
                   <a:ext uri="{0D108BD9-81ED-4DB2-BD59-A6C34878D82A}">
-                    <a16:rowId xmlns:a16="http://schemas.microsoft.com/office/drawing/2014/main" val="10003"/>
+                    <a16:rowId xmlns:a16="http://schemas.microsoft.com/office/drawing/2014/main" xmlns="" val="10003"/>
                   </a:ext>
                 </a:extLst>
               </a:tr>
@@ -11088,7 +11329,7 @@
                 </a:tc>
                 <a:extLst>
                   <a:ext uri="{0D108BD9-81ED-4DB2-BD59-A6C34878D82A}">
-                    <a16:rowId xmlns:a16="http://schemas.microsoft.com/office/drawing/2014/main" val="10004"/>
+                    <a16:rowId xmlns:a16="http://schemas.microsoft.com/office/drawing/2014/main" xmlns="" val="10004"/>
                   </a:ext>
                 </a:extLst>
               </a:tr>
@@ -11739,9 +11980,10 @@
           <a:p>
             <a:pPr algn="r"/>
             <a:r>
-              <a:rPr lang="en-US" dirty="0"/>
-              <a:t>Property Monitoring Kit: Demo</a:t>
-            </a:r>
+              <a:rPr lang="en-US" dirty="0" smtClean="0"/>
+              <a:t>Build vs. Buy</a:t>
+            </a:r>
+            <a:endParaRPr lang="en-US" dirty="0"/>
           </a:p>
         </p:txBody>
       </p:sp>
@@ -11895,10 +12137,1299 @@
           </a:p>
         </p:txBody>
       </p:sp>
+      <p:graphicFrame>
+        <p:nvGraphicFramePr>
+          <p:cNvPr id="4" name="Table 3"/>
+          <p:cNvGraphicFramePr>
+            <a:graphicFrameLocks noGrp="1"/>
+          </p:cNvGraphicFramePr>
+          <p:nvPr>
+            <p:extLst>
+              <p:ext uri="{D42A27DB-BD31-4B8C-83A1-F6EECF244321}">
+                <p14:modId xmlns:p14="http://schemas.microsoft.com/office/powerpoint/2010/main" val="3523152016"/>
+              </p:ext>
+            </p:extLst>
+          </p:nvPr>
+        </p:nvGraphicFramePr>
+        <p:xfrm>
+          <a:off x="2919047" y="1394088"/>
+          <a:ext cx="8675076" cy="5049690"/>
+        </p:xfrm>
+        <a:graphic>
+          <a:graphicData uri="http://schemas.openxmlformats.org/drawingml/2006/table">
+            <a:tbl>
+              <a:tblPr firstRow="1" bandRow="1">
+                <a:tableStyleId>{5C22544A-7EE6-4342-B048-85BDC9FD1C3A}</a:tableStyleId>
+              </a:tblPr>
+              <a:tblGrid>
+                <a:gridCol w="2567353"/>
+                <a:gridCol w="3216031"/>
+                <a:gridCol w="2891692"/>
+              </a:tblGrid>
+              <a:tr h="335225">
+                <a:tc>
+                  <a:txBody>
+                    <a:bodyPr/>
+                    <a:lstStyle/>
+                    <a:p>
+                      <a:endParaRPr lang="en-US" dirty="0"/>
+                    </a:p>
+                  </a:txBody>
+                  <a:tcPr>
+                    <a:lnL w="12700" cmpd="sng">
+                      <a:noFill/>
+                    </a:lnL>
+                    <a:lnR w="12700" cmpd="sng">
+                      <a:noFill/>
+                    </a:lnR>
+                    <a:lnT w="12700" cmpd="sng">
+                      <a:noFill/>
+                    </a:lnT>
+                    <a:lnB w="38100" cmpd="sng">
+                      <a:noFill/>
+                    </a:lnB>
+                    <a:lnTlToBr w="12700" cmpd="sng">
+                      <a:noFill/>
+                      <a:prstDash val="solid"/>
+                    </a:lnTlToBr>
+                    <a:lnBlToTr w="12700" cmpd="sng">
+                      <a:noFill/>
+                      <a:prstDash val="solid"/>
+                    </a:lnBlToTr>
+                    <a:noFill/>
+                  </a:tcPr>
+                </a:tc>
+                <a:tc>
+                  <a:txBody>
+                    <a:bodyPr/>
+                    <a:lstStyle/>
+                    <a:p>
+                      <a:pPr algn="ctr"/>
+                      <a:r>
+                        <a:rPr lang="en-US" dirty="0" smtClean="0"/>
+                        <a:t>Fannie</a:t>
+                      </a:r>
+                      <a:r>
+                        <a:rPr lang="en-US" baseline="0" dirty="0" smtClean="0"/>
+                        <a:t> Mae </a:t>
+                      </a:r>
+                      <a:r>
+                        <a:rPr lang="en-US" baseline="0" dirty="0" smtClean="0"/>
+                        <a:t>Custom Kit</a:t>
+                      </a:r>
+                      <a:endParaRPr lang="en-US" dirty="0"/>
+                    </a:p>
+                  </a:txBody>
+                  <a:tcPr>
+                    <a:lnL w="12700" cmpd="sng">
+                      <a:noFill/>
+                    </a:lnL>
+                    <a:lnR w="12700" cmpd="sng">
+                      <a:noFill/>
+                    </a:lnR>
+                    <a:lnT w="12700" cmpd="sng">
+                      <a:noFill/>
+                    </a:lnT>
+                    <a:lnB w="38100" cmpd="sng">
+                      <a:noFill/>
+                    </a:lnB>
+                    <a:lnTlToBr w="12700" cmpd="sng">
+                      <a:noFill/>
+                      <a:prstDash val="solid"/>
+                    </a:lnTlToBr>
+                    <a:lnBlToTr w="12700" cmpd="sng">
+                      <a:noFill/>
+                      <a:prstDash val="solid"/>
+                    </a:lnBlToTr>
+                  </a:tcPr>
+                </a:tc>
+                <a:tc>
+                  <a:txBody>
+                    <a:bodyPr/>
+                    <a:lstStyle/>
+                    <a:p>
+                      <a:pPr algn="ctr"/>
+                      <a:r>
+                        <a:rPr lang="en-US" dirty="0" smtClean="0"/>
+                        <a:t>Off-the-shelf</a:t>
+                      </a:r>
+                      <a:r>
+                        <a:rPr lang="en-US" baseline="0" dirty="0" smtClean="0"/>
+                        <a:t> </a:t>
+                      </a:r>
+                      <a:r>
+                        <a:rPr lang="en-US" dirty="0" smtClean="0"/>
+                        <a:t>(e.g. Ring)</a:t>
+                      </a:r>
+                      <a:endParaRPr lang="en-US" dirty="0"/>
+                    </a:p>
+                  </a:txBody>
+                  <a:tcPr>
+                    <a:lnL w="12700" cmpd="sng">
+                      <a:noFill/>
+                    </a:lnL>
+                    <a:lnR w="12700" cmpd="sng">
+                      <a:noFill/>
+                    </a:lnR>
+                    <a:lnT w="12700" cmpd="sng">
+                      <a:noFill/>
+                    </a:lnT>
+                    <a:lnB w="38100" cmpd="sng">
+                      <a:noFill/>
+                    </a:lnB>
+                    <a:lnTlToBr w="12700" cmpd="sng">
+                      <a:noFill/>
+                      <a:prstDash val="solid"/>
+                    </a:lnTlToBr>
+                    <a:lnBlToTr w="12700" cmpd="sng">
+                      <a:noFill/>
+                      <a:prstDash val="solid"/>
+                    </a:lnBlToTr>
+                  </a:tcPr>
+                </a:tc>
+              </a:tr>
+              <a:tr h="532951">
+                <a:tc>
+                  <a:txBody>
+                    <a:bodyPr/>
+                    <a:lstStyle/>
+                    <a:p>
+                      <a:pPr algn="r"/>
+                      <a:r>
+                        <a:rPr lang="en-US" b="0" dirty="0" smtClean="0">
+                          <a:solidFill>
+                            <a:schemeClr val="accent2">
+                              <a:lumMod val="75000"/>
+                            </a:schemeClr>
+                          </a:solidFill>
+                        </a:rPr>
+                        <a:t>Cost</a:t>
+                      </a:r>
+                      <a:endParaRPr lang="en-US" b="0" dirty="0">
+                        <a:solidFill>
+                          <a:schemeClr val="accent2">
+                            <a:lumMod val="75000"/>
+                          </a:schemeClr>
+                        </a:solidFill>
+                      </a:endParaRPr>
+                    </a:p>
+                  </a:txBody>
+                  <a:tcPr>
+                    <a:lnL w="12700" cmpd="sng">
+                      <a:noFill/>
+                    </a:lnL>
+                    <a:lnR w="12700" cmpd="sng">
+                      <a:noFill/>
+                    </a:lnR>
+                    <a:lnT w="38100" cmpd="sng">
+                      <a:noFill/>
+                    </a:lnT>
+                    <a:lnB w="12700" cmpd="sng">
+                      <a:noFill/>
+                    </a:lnB>
+                    <a:lnTlToBr w="12700" cmpd="sng">
+                      <a:noFill/>
+                      <a:prstDash val="solid"/>
+                    </a:lnTlToBr>
+                    <a:lnBlToTr w="12700" cmpd="sng">
+                      <a:noFill/>
+                      <a:prstDash val="solid"/>
+                    </a:lnBlToTr>
+                    <a:noFill/>
+                  </a:tcPr>
+                </a:tc>
+                <a:tc>
+                  <a:txBody>
+                    <a:bodyPr/>
+                    <a:lstStyle/>
+                    <a:p>
+                      <a:pPr algn="ctr"/>
+                      <a:r>
+                        <a:rPr lang="en-US" dirty="0" smtClean="0">
+                          <a:solidFill>
+                            <a:schemeClr val="tx1"/>
+                          </a:solidFill>
+                        </a:rPr>
+                        <a:t>$89.63 per Kit</a:t>
+                      </a:r>
+                      <a:endParaRPr lang="en-US" dirty="0">
+                        <a:solidFill>
+                          <a:schemeClr val="tx1"/>
+                        </a:solidFill>
+                      </a:endParaRPr>
+                    </a:p>
+                  </a:txBody>
+                  <a:tcPr>
+                    <a:lnL w="12700" cmpd="sng">
+                      <a:noFill/>
+                    </a:lnL>
+                    <a:lnR w="12700" cmpd="sng">
+                      <a:noFill/>
+                    </a:lnR>
+                    <a:lnT w="38100" cmpd="sng">
+                      <a:noFill/>
+                    </a:lnT>
+                    <a:lnB w="12700" cmpd="sng">
+                      <a:noFill/>
+                    </a:lnB>
+                    <a:lnTlToBr w="12700" cmpd="sng">
+                      <a:noFill/>
+                      <a:prstDash val="solid"/>
+                    </a:lnTlToBr>
+                    <a:lnBlToTr w="12700" cmpd="sng">
+                      <a:noFill/>
+                      <a:prstDash val="solid"/>
+                    </a:lnBlToTr>
+                  </a:tcPr>
+                </a:tc>
+                <a:tc>
+                  <a:txBody>
+                    <a:bodyPr/>
+                    <a:lstStyle/>
+                    <a:p>
+                      <a:pPr algn="ctr"/>
+                      <a:r>
+                        <a:rPr lang="en-US" dirty="0" smtClean="0">
+                          <a:solidFill>
+                            <a:schemeClr val="tx1"/>
+                          </a:solidFill>
+                        </a:rPr>
+                        <a:t>$175 per Camera</a:t>
+                      </a:r>
+                      <a:endParaRPr lang="en-US" dirty="0">
+                        <a:solidFill>
+                          <a:schemeClr val="tx1"/>
+                        </a:solidFill>
+                      </a:endParaRPr>
+                    </a:p>
+                  </a:txBody>
+                  <a:tcPr>
+                    <a:lnL w="12700" cmpd="sng">
+                      <a:noFill/>
+                    </a:lnL>
+                    <a:lnR w="12700" cmpd="sng">
+                      <a:noFill/>
+                    </a:lnR>
+                    <a:lnT w="38100" cmpd="sng">
+                      <a:noFill/>
+                    </a:lnT>
+                    <a:lnB w="12700" cmpd="sng">
+                      <a:noFill/>
+                    </a:lnB>
+                    <a:lnTlToBr w="12700" cmpd="sng">
+                      <a:noFill/>
+                      <a:prstDash val="solid"/>
+                    </a:lnTlToBr>
+                    <a:lnBlToTr w="12700" cmpd="sng">
+                      <a:noFill/>
+                      <a:prstDash val="solid"/>
+                    </a:lnBlToTr>
+                  </a:tcPr>
+                </a:tc>
+              </a:tr>
+              <a:tr h="525352">
+                <a:tc>
+                  <a:txBody>
+                    <a:bodyPr/>
+                    <a:lstStyle/>
+                    <a:p>
+                      <a:pPr algn="r"/>
+                      <a:r>
+                        <a:rPr lang="en-US" b="0" dirty="0" smtClean="0">
+                          <a:solidFill>
+                            <a:schemeClr val="accent2">
+                              <a:lumMod val="75000"/>
+                            </a:schemeClr>
+                          </a:solidFill>
+                        </a:rPr>
+                        <a:t>Sensors</a:t>
+                      </a:r>
+                      <a:endParaRPr lang="en-US" b="0" dirty="0">
+                        <a:solidFill>
+                          <a:schemeClr val="accent2">
+                            <a:lumMod val="75000"/>
+                          </a:schemeClr>
+                        </a:solidFill>
+                      </a:endParaRPr>
+                    </a:p>
+                  </a:txBody>
+                  <a:tcPr>
+                    <a:lnL w="12700" cmpd="sng">
+                      <a:noFill/>
+                    </a:lnL>
+                    <a:lnR w="12700" cmpd="sng">
+                      <a:noFill/>
+                    </a:lnR>
+                    <a:lnT w="12700" cmpd="sng">
+                      <a:noFill/>
+                    </a:lnT>
+                    <a:lnB w="12700" cmpd="sng">
+                      <a:noFill/>
+                    </a:lnB>
+                    <a:lnTlToBr w="12700" cmpd="sng">
+                      <a:noFill/>
+                      <a:prstDash val="solid"/>
+                    </a:lnTlToBr>
+                    <a:lnBlToTr w="12700" cmpd="sng">
+                      <a:noFill/>
+                      <a:prstDash val="solid"/>
+                    </a:lnBlToTr>
+                    <a:noFill/>
+                  </a:tcPr>
+                </a:tc>
+                <a:tc>
+                  <a:txBody>
+                    <a:bodyPr/>
+                    <a:lstStyle/>
+                    <a:p>
+                      <a:pPr marL="0" marR="0" lvl="0" indent="0" algn="ctr" defTabSz="457200" rtl="0" eaLnBrk="1" fontAlgn="auto" latinLnBrk="0" hangingPunct="1">
+                        <a:lnSpc>
+                          <a:spcPct val="100000"/>
+                        </a:lnSpc>
+                        <a:spcBef>
+                          <a:spcPts val="0"/>
+                        </a:spcBef>
+                        <a:spcAft>
+                          <a:spcPts val="0"/>
+                        </a:spcAft>
+                        <a:buClrTx/>
+                        <a:buSzTx/>
+                        <a:buFontTx/>
+                        <a:buNone/>
+                        <a:tabLst/>
+                        <a:defRPr/>
+                      </a:pPr>
+                      <a:r>
+                        <a:rPr lang="en-US" dirty="0" smtClean="0">
+                          <a:solidFill>
+                            <a:schemeClr val="tx1"/>
+                          </a:solidFill>
+                        </a:rPr>
+                        <a:t>Temperature, Heat Index, CO, Smoke, Flame, Sound, Light, Vibration</a:t>
+                      </a:r>
+                    </a:p>
+                  </a:txBody>
+                  <a:tcPr>
+                    <a:lnL w="12700" cmpd="sng">
+                      <a:noFill/>
+                    </a:lnL>
+                    <a:lnR w="12700" cmpd="sng">
+                      <a:noFill/>
+                    </a:lnR>
+                    <a:lnT w="12700" cmpd="sng">
+                      <a:noFill/>
+                    </a:lnT>
+                    <a:lnB w="12700" cmpd="sng">
+                      <a:noFill/>
+                    </a:lnB>
+                    <a:lnTlToBr w="12700" cmpd="sng">
+                      <a:noFill/>
+                      <a:prstDash val="solid"/>
+                    </a:lnTlToBr>
+                    <a:lnBlToTr w="12700" cmpd="sng">
+                      <a:noFill/>
+                      <a:prstDash val="solid"/>
+                    </a:lnBlToTr>
+                  </a:tcPr>
+                </a:tc>
+                <a:tc>
+                  <a:txBody>
+                    <a:bodyPr/>
+                    <a:lstStyle/>
+                    <a:p>
+                      <a:pPr algn="ctr"/>
+                      <a:r>
+                        <a:rPr lang="en-US" dirty="0" smtClean="0">
+                          <a:solidFill>
+                            <a:schemeClr val="tx1"/>
+                          </a:solidFill>
+                        </a:rPr>
+                        <a:t>Motion</a:t>
+                      </a:r>
+                    </a:p>
+                    <a:p>
+                      <a:pPr algn="ctr"/>
+                      <a:r>
+                        <a:rPr lang="en-US" dirty="0" smtClean="0">
+                          <a:solidFill>
+                            <a:schemeClr val="tx1"/>
+                          </a:solidFill>
+                        </a:rPr>
+                        <a:t>(</a:t>
+                      </a:r>
+                      <a:r>
+                        <a:rPr lang="en-US" dirty="0" err="1" smtClean="0">
+                          <a:solidFill>
+                            <a:schemeClr val="tx1"/>
+                          </a:solidFill>
+                        </a:rPr>
+                        <a:t>Flood&amp;Freeze</a:t>
+                      </a:r>
+                      <a:r>
+                        <a:rPr lang="en-US" dirty="0" smtClean="0">
+                          <a:solidFill>
+                            <a:schemeClr val="tx1"/>
+                          </a:solidFill>
+                        </a:rPr>
+                        <a:t> in R&amp;D)</a:t>
+                      </a:r>
+                    </a:p>
+                  </a:txBody>
+                  <a:tcPr>
+                    <a:lnL w="12700" cmpd="sng">
+                      <a:noFill/>
+                    </a:lnL>
+                    <a:lnR w="12700" cmpd="sng">
+                      <a:noFill/>
+                    </a:lnR>
+                    <a:lnT w="12700" cmpd="sng">
+                      <a:noFill/>
+                    </a:lnT>
+                    <a:lnB w="12700" cmpd="sng">
+                      <a:noFill/>
+                    </a:lnB>
+                    <a:lnTlToBr w="12700" cmpd="sng">
+                      <a:noFill/>
+                      <a:prstDash val="solid"/>
+                    </a:lnTlToBr>
+                    <a:lnBlToTr w="12700" cmpd="sng">
+                      <a:noFill/>
+                      <a:prstDash val="solid"/>
+                    </a:lnBlToTr>
+                  </a:tcPr>
+                </a:tc>
+              </a:tr>
+              <a:tr h="464695">
+                <a:tc>
+                  <a:txBody>
+                    <a:bodyPr/>
+                    <a:lstStyle/>
+                    <a:p>
+                      <a:pPr algn="r"/>
+                      <a:r>
+                        <a:rPr lang="en-US" b="0" dirty="0" smtClean="0">
+                          <a:solidFill>
+                            <a:schemeClr val="accent2">
+                              <a:lumMod val="75000"/>
+                            </a:schemeClr>
+                          </a:solidFill>
+                        </a:rPr>
+                        <a:t>Reusable</a:t>
+                      </a:r>
+                      <a:endParaRPr lang="en-US" b="0" dirty="0">
+                        <a:solidFill>
+                          <a:schemeClr val="accent2">
+                            <a:lumMod val="75000"/>
+                          </a:schemeClr>
+                        </a:solidFill>
+                      </a:endParaRPr>
+                    </a:p>
+                  </a:txBody>
+                  <a:tcPr>
+                    <a:lnL w="12700" cmpd="sng">
+                      <a:noFill/>
+                    </a:lnL>
+                    <a:lnR w="12700" cmpd="sng">
+                      <a:noFill/>
+                    </a:lnR>
+                    <a:lnT w="12700" cmpd="sng">
+                      <a:noFill/>
+                    </a:lnT>
+                    <a:lnB w="12700" cmpd="sng">
+                      <a:noFill/>
+                    </a:lnB>
+                    <a:lnTlToBr w="12700" cmpd="sng">
+                      <a:noFill/>
+                      <a:prstDash val="solid"/>
+                    </a:lnTlToBr>
+                    <a:lnBlToTr w="12700" cmpd="sng">
+                      <a:noFill/>
+                      <a:prstDash val="solid"/>
+                    </a:lnBlToTr>
+                    <a:noFill/>
+                  </a:tcPr>
+                </a:tc>
+                <a:tc>
+                  <a:txBody>
+                    <a:bodyPr/>
+                    <a:lstStyle/>
+                    <a:p>
+                      <a:pPr algn="ctr"/>
+                      <a:r>
+                        <a:rPr lang="en-US" dirty="0" smtClean="0">
+                          <a:solidFill>
+                            <a:srgbClr val="00B050"/>
+                          </a:solidFill>
+                        </a:rPr>
+                        <a:t>Yes</a:t>
+                      </a:r>
+                      <a:endParaRPr lang="en-US" dirty="0">
+                        <a:solidFill>
+                          <a:srgbClr val="00B050"/>
+                        </a:solidFill>
+                      </a:endParaRPr>
+                    </a:p>
+                  </a:txBody>
+                  <a:tcPr>
+                    <a:lnL w="12700" cmpd="sng">
+                      <a:noFill/>
+                    </a:lnL>
+                    <a:lnR w="12700" cmpd="sng">
+                      <a:noFill/>
+                    </a:lnR>
+                    <a:lnT w="12700" cmpd="sng">
+                      <a:noFill/>
+                    </a:lnT>
+                    <a:lnB w="12700" cmpd="sng">
+                      <a:noFill/>
+                    </a:lnB>
+                    <a:lnTlToBr w="12700" cmpd="sng">
+                      <a:noFill/>
+                      <a:prstDash val="solid"/>
+                    </a:lnTlToBr>
+                    <a:lnBlToTr w="12700" cmpd="sng">
+                      <a:noFill/>
+                      <a:prstDash val="solid"/>
+                    </a:lnBlToTr>
+                  </a:tcPr>
+                </a:tc>
+                <a:tc>
+                  <a:txBody>
+                    <a:bodyPr/>
+                    <a:lstStyle/>
+                    <a:p>
+                      <a:pPr algn="ctr"/>
+                      <a:r>
+                        <a:rPr lang="en-US" dirty="0" smtClean="0">
+                          <a:solidFill>
+                            <a:srgbClr val="FF0000"/>
+                          </a:solidFill>
+                        </a:rPr>
+                        <a:t>No</a:t>
+                      </a:r>
+                      <a:endParaRPr lang="en-US" dirty="0">
+                        <a:solidFill>
+                          <a:srgbClr val="FF0000"/>
+                        </a:solidFill>
+                      </a:endParaRPr>
+                    </a:p>
+                  </a:txBody>
+                  <a:tcPr>
+                    <a:lnL w="12700" cmpd="sng">
+                      <a:noFill/>
+                    </a:lnL>
+                    <a:lnR w="12700" cmpd="sng">
+                      <a:noFill/>
+                    </a:lnR>
+                    <a:lnT w="12700" cmpd="sng">
+                      <a:noFill/>
+                    </a:lnT>
+                    <a:lnB w="12700" cmpd="sng">
+                      <a:noFill/>
+                    </a:lnB>
+                    <a:lnTlToBr w="12700" cmpd="sng">
+                      <a:noFill/>
+                      <a:prstDash val="solid"/>
+                    </a:lnTlToBr>
+                    <a:lnBlToTr w="12700" cmpd="sng">
+                      <a:noFill/>
+                      <a:prstDash val="solid"/>
+                    </a:lnBlToTr>
+                  </a:tcPr>
+                </a:tc>
+              </a:tr>
+              <a:tr h="532951">
+                <a:tc>
+                  <a:txBody>
+                    <a:bodyPr/>
+                    <a:lstStyle/>
+                    <a:p>
+                      <a:pPr algn="r"/>
+                      <a:r>
+                        <a:rPr lang="en-US" b="0" dirty="0" smtClean="0">
+                          <a:solidFill>
+                            <a:schemeClr val="accent2">
+                              <a:lumMod val="75000"/>
+                            </a:schemeClr>
+                          </a:solidFill>
+                        </a:rPr>
+                        <a:t>Cloud Data</a:t>
+                      </a:r>
+                      <a:endParaRPr lang="en-US" b="0" dirty="0">
+                        <a:solidFill>
+                          <a:schemeClr val="accent2">
+                            <a:lumMod val="75000"/>
+                          </a:schemeClr>
+                        </a:solidFill>
+                      </a:endParaRPr>
+                    </a:p>
+                  </a:txBody>
+                  <a:tcPr>
+                    <a:lnL w="12700" cmpd="sng">
+                      <a:noFill/>
+                    </a:lnL>
+                    <a:lnR w="12700" cmpd="sng">
+                      <a:noFill/>
+                    </a:lnR>
+                    <a:lnT w="12700" cmpd="sng">
+                      <a:noFill/>
+                    </a:lnT>
+                    <a:lnB w="12700" cmpd="sng">
+                      <a:noFill/>
+                    </a:lnB>
+                    <a:lnTlToBr w="12700" cmpd="sng">
+                      <a:noFill/>
+                      <a:prstDash val="solid"/>
+                    </a:lnTlToBr>
+                    <a:lnBlToTr w="12700" cmpd="sng">
+                      <a:noFill/>
+                      <a:prstDash val="solid"/>
+                    </a:lnBlToTr>
+                    <a:noFill/>
+                  </a:tcPr>
+                </a:tc>
+                <a:tc>
+                  <a:txBody>
+                    <a:bodyPr/>
+                    <a:lstStyle/>
+                    <a:p>
+                      <a:pPr algn="ctr"/>
+                      <a:r>
+                        <a:rPr lang="en-US" dirty="0" smtClean="0">
+                          <a:solidFill>
+                            <a:srgbClr val="00B050"/>
+                          </a:solidFill>
+                        </a:rPr>
+                        <a:t>Yes</a:t>
+                      </a:r>
+                      <a:endParaRPr lang="en-US" dirty="0"/>
+                    </a:p>
+                  </a:txBody>
+                  <a:tcPr>
+                    <a:lnL w="12700" cmpd="sng">
+                      <a:noFill/>
+                    </a:lnL>
+                    <a:lnR w="12700" cmpd="sng">
+                      <a:noFill/>
+                    </a:lnR>
+                    <a:lnT w="12700" cmpd="sng">
+                      <a:noFill/>
+                    </a:lnT>
+                    <a:lnB w="12700" cmpd="sng">
+                      <a:noFill/>
+                    </a:lnB>
+                    <a:lnTlToBr w="12700" cmpd="sng">
+                      <a:noFill/>
+                      <a:prstDash val="solid"/>
+                    </a:lnTlToBr>
+                    <a:lnBlToTr w="12700" cmpd="sng">
+                      <a:noFill/>
+                      <a:prstDash val="solid"/>
+                    </a:lnBlToTr>
+                  </a:tcPr>
+                </a:tc>
+                <a:tc>
+                  <a:txBody>
+                    <a:bodyPr/>
+                    <a:lstStyle/>
+                    <a:p>
+                      <a:pPr algn="ctr"/>
+                      <a:r>
+                        <a:rPr lang="en-US" dirty="0" smtClean="0">
+                          <a:solidFill>
+                            <a:srgbClr val="00B050"/>
+                          </a:solidFill>
+                        </a:rPr>
+                        <a:t>Yes</a:t>
+                      </a:r>
+                      <a:endParaRPr lang="en-US" dirty="0"/>
+                    </a:p>
+                  </a:txBody>
+                  <a:tcPr>
+                    <a:lnL w="12700" cmpd="sng">
+                      <a:noFill/>
+                    </a:lnL>
+                    <a:lnR w="12700" cmpd="sng">
+                      <a:noFill/>
+                    </a:lnR>
+                    <a:lnT w="12700" cmpd="sng">
+                      <a:noFill/>
+                    </a:lnT>
+                    <a:lnB w="12700" cmpd="sng">
+                      <a:noFill/>
+                    </a:lnB>
+                    <a:lnTlToBr w="12700" cmpd="sng">
+                      <a:noFill/>
+                      <a:prstDash val="solid"/>
+                    </a:lnTlToBr>
+                    <a:lnBlToTr w="12700" cmpd="sng">
+                      <a:noFill/>
+                      <a:prstDash val="solid"/>
+                    </a:lnBlToTr>
+                  </a:tcPr>
+                </a:tc>
+              </a:tr>
+              <a:tr h="532951">
+                <a:tc>
+                  <a:txBody>
+                    <a:bodyPr/>
+                    <a:lstStyle/>
+                    <a:p>
+                      <a:pPr algn="r"/>
+                      <a:r>
+                        <a:rPr lang="en-US" b="0" dirty="0" smtClean="0">
+                          <a:solidFill>
+                            <a:schemeClr val="accent2">
+                              <a:lumMod val="75000"/>
+                            </a:schemeClr>
+                          </a:solidFill>
+                        </a:rPr>
+                        <a:t>Cloud</a:t>
+                      </a:r>
+                      <a:r>
+                        <a:rPr lang="en-US" b="0" baseline="0" dirty="0" smtClean="0">
+                          <a:solidFill>
+                            <a:schemeClr val="accent2">
+                              <a:lumMod val="75000"/>
+                            </a:schemeClr>
+                          </a:solidFill>
+                        </a:rPr>
+                        <a:t> Aggregation</a:t>
+                      </a:r>
+                      <a:endParaRPr lang="en-US" b="0" dirty="0">
+                        <a:solidFill>
+                          <a:schemeClr val="accent2">
+                            <a:lumMod val="75000"/>
+                          </a:schemeClr>
+                        </a:solidFill>
+                      </a:endParaRPr>
+                    </a:p>
+                  </a:txBody>
+                  <a:tcPr>
+                    <a:lnL w="12700" cmpd="sng">
+                      <a:noFill/>
+                    </a:lnL>
+                    <a:lnR w="12700" cmpd="sng">
+                      <a:noFill/>
+                    </a:lnR>
+                    <a:lnT w="12700" cmpd="sng">
+                      <a:noFill/>
+                    </a:lnT>
+                    <a:lnB w="12700" cmpd="sng">
+                      <a:noFill/>
+                    </a:lnB>
+                    <a:lnTlToBr w="12700" cmpd="sng">
+                      <a:noFill/>
+                      <a:prstDash val="solid"/>
+                    </a:lnTlToBr>
+                    <a:lnBlToTr w="12700" cmpd="sng">
+                      <a:noFill/>
+                      <a:prstDash val="solid"/>
+                    </a:lnBlToTr>
+                    <a:noFill/>
+                  </a:tcPr>
+                </a:tc>
+                <a:tc>
+                  <a:txBody>
+                    <a:bodyPr/>
+                    <a:lstStyle/>
+                    <a:p>
+                      <a:pPr algn="ctr"/>
+                      <a:r>
+                        <a:rPr lang="en-US" dirty="0" smtClean="0">
+                          <a:solidFill>
+                            <a:srgbClr val="00B050"/>
+                          </a:solidFill>
+                        </a:rPr>
+                        <a:t>Yes</a:t>
+                      </a:r>
+                      <a:endParaRPr lang="en-US" dirty="0"/>
+                    </a:p>
+                  </a:txBody>
+                  <a:tcPr>
+                    <a:lnL w="12700" cmpd="sng">
+                      <a:noFill/>
+                    </a:lnL>
+                    <a:lnR w="12700" cmpd="sng">
+                      <a:noFill/>
+                    </a:lnR>
+                    <a:lnT w="12700" cmpd="sng">
+                      <a:noFill/>
+                    </a:lnT>
+                    <a:lnB w="12700" cmpd="sng">
+                      <a:noFill/>
+                    </a:lnB>
+                    <a:lnTlToBr w="12700" cmpd="sng">
+                      <a:noFill/>
+                      <a:prstDash val="solid"/>
+                    </a:lnTlToBr>
+                    <a:lnBlToTr w="12700" cmpd="sng">
+                      <a:noFill/>
+                      <a:prstDash val="solid"/>
+                    </a:lnBlToTr>
+                  </a:tcPr>
+                </a:tc>
+                <a:tc>
+                  <a:txBody>
+                    <a:bodyPr/>
+                    <a:lstStyle/>
+                    <a:p>
+                      <a:pPr algn="ctr"/>
+                      <a:r>
+                        <a:rPr lang="en-US" dirty="0" smtClean="0">
+                          <a:solidFill>
+                            <a:srgbClr val="FF0000"/>
+                          </a:solidFill>
+                        </a:rPr>
+                        <a:t>No</a:t>
+                      </a:r>
+                      <a:endParaRPr lang="en-US" dirty="0"/>
+                    </a:p>
+                  </a:txBody>
+                  <a:tcPr>
+                    <a:lnL w="12700" cmpd="sng">
+                      <a:noFill/>
+                    </a:lnL>
+                    <a:lnR w="12700" cmpd="sng">
+                      <a:noFill/>
+                    </a:lnR>
+                    <a:lnT w="12700" cmpd="sng">
+                      <a:noFill/>
+                    </a:lnT>
+                    <a:lnB w="12700" cmpd="sng">
+                      <a:noFill/>
+                    </a:lnB>
+                    <a:lnTlToBr w="12700" cmpd="sng">
+                      <a:noFill/>
+                      <a:prstDash val="solid"/>
+                    </a:lnTlToBr>
+                    <a:lnBlToTr w="12700" cmpd="sng">
+                      <a:noFill/>
+                      <a:prstDash val="solid"/>
+                    </a:lnBlToTr>
+                  </a:tcPr>
+                </a:tc>
+              </a:tr>
+              <a:tr h="532951">
+                <a:tc>
+                  <a:txBody>
+                    <a:bodyPr/>
+                    <a:lstStyle/>
+                    <a:p>
+                      <a:pPr algn="r"/>
+                      <a:r>
+                        <a:rPr lang="en-US" b="0" dirty="0" smtClean="0">
+                          <a:solidFill>
+                            <a:schemeClr val="accent2">
+                              <a:lumMod val="75000"/>
+                            </a:schemeClr>
+                          </a:solidFill>
+                        </a:rPr>
+                        <a:t>Geolocation Data</a:t>
+                      </a:r>
+                      <a:endParaRPr lang="en-US" b="0" dirty="0">
+                        <a:solidFill>
+                          <a:schemeClr val="accent2">
+                            <a:lumMod val="75000"/>
+                          </a:schemeClr>
+                        </a:solidFill>
+                      </a:endParaRPr>
+                    </a:p>
+                  </a:txBody>
+                  <a:tcPr>
+                    <a:lnL w="12700" cmpd="sng">
+                      <a:noFill/>
+                    </a:lnL>
+                    <a:lnR w="12700" cmpd="sng">
+                      <a:noFill/>
+                    </a:lnR>
+                    <a:lnT w="12700" cmpd="sng">
+                      <a:noFill/>
+                    </a:lnT>
+                    <a:lnB w="12700" cmpd="sng">
+                      <a:noFill/>
+                    </a:lnB>
+                    <a:lnTlToBr w="12700" cmpd="sng">
+                      <a:noFill/>
+                      <a:prstDash val="solid"/>
+                    </a:lnTlToBr>
+                    <a:lnBlToTr w="12700" cmpd="sng">
+                      <a:noFill/>
+                      <a:prstDash val="solid"/>
+                    </a:lnBlToTr>
+                    <a:noFill/>
+                  </a:tcPr>
+                </a:tc>
+                <a:tc>
+                  <a:txBody>
+                    <a:bodyPr/>
+                    <a:lstStyle/>
+                    <a:p>
+                      <a:pPr algn="ctr"/>
+                      <a:r>
+                        <a:rPr lang="en-US" dirty="0" smtClean="0">
+                          <a:solidFill>
+                            <a:srgbClr val="00B050"/>
+                          </a:solidFill>
+                        </a:rPr>
+                        <a:t>Yes</a:t>
+                      </a:r>
+                      <a:endParaRPr lang="en-US" dirty="0"/>
+                    </a:p>
+                  </a:txBody>
+                  <a:tcPr>
+                    <a:lnL w="12700" cmpd="sng">
+                      <a:noFill/>
+                    </a:lnL>
+                    <a:lnR w="12700" cmpd="sng">
+                      <a:noFill/>
+                    </a:lnR>
+                    <a:lnT w="12700" cmpd="sng">
+                      <a:noFill/>
+                    </a:lnT>
+                    <a:lnB w="12700" cmpd="sng">
+                      <a:noFill/>
+                    </a:lnB>
+                    <a:lnTlToBr w="12700" cmpd="sng">
+                      <a:noFill/>
+                      <a:prstDash val="solid"/>
+                    </a:lnTlToBr>
+                    <a:lnBlToTr w="12700" cmpd="sng">
+                      <a:noFill/>
+                      <a:prstDash val="solid"/>
+                    </a:lnBlToTr>
+                  </a:tcPr>
+                </a:tc>
+                <a:tc>
+                  <a:txBody>
+                    <a:bodyPr/>
+                    <a:lstStyle/>
+                    <a:p>
+                      <a:pPr algn="ctr"/>
+                      <a:r>
+                        <a:rPr lang="en-US" dirty="0" smtClean="0">
+                          <a:solidFill>
+                            <a:srgbClr val="FF0000"/>
+                          </a:solidFill>
+                        </a:rPr>
+                        <a:t>No</a:t>
+                      </a:r>
+                      <a:endParaRPr lang="en-US" dirty="0"/>
+                    </a:p>
+                  </a:txBody>
+                  <a:tcPr>
+                    <a:lnL w="12700" cmpd="sng">
+                      <a:noFill/>
+                    </a:lnL>
+                    <a:lnR w="12700" cmpd="sng">
+                      <a:noFill/>
+                    </a:lnR>
+                    <a:lnT w="12700" cmpd="sng">
+                      <a:noFill/>
+                    </a:lnT>
+                    <a:lnB w="12700" cmpd="sng">
+                      <a:noFill/>
+                    </a:lnB>
+                    <a:lnTlToBr w="12700" cmpd="sng">
+                      <a:noFill/>
+                      <a:prstDash val="solid"/>
+                    </a:lnTlToBr>
+                    <a:lnBlToTr w="12700" cmpd="sng">
+                      <a:noFill/>
+                      <a:prstDash val="solid"/>
+                    </a:lnBlToTr>
+                  </a:tcPr>
+                </a:tc>
+              </a:tr>
+              <a:tr h="532951">
+                <a:tc>
+                  <a:txBody>
+                    <a:bodyPr/>
+                    <a:lstStyle/>
+                    <a:p>
+                      <a:pPr algn="r"/>
+                      <a:r>
+                        <a:rPr lang="en-US" b="0" dirty="0" smtClean="0">
+                          <a:solidFill>
+                            <a:schemeClr val="accent2">
+                              <a:lumMod val="75000"/>
+                            </a:schemeClr>
+                          </a:solidFill>
+                        </a:rPr>
+                        <a:t>Data Customization</a:t>
+                      </a:r>
+                      <a:endParaRPr lang="en-US" b="0" dirty="0">
+                        <a:solidFill>
+                          <a:schemeClr val="accent2">
+                            <a:lumMod val="75000"/>
+                          </a:schemeClr>
+                        </a:solidFill>
+                      </a:endParaRPr>
+                    </a:p>
+                  </a:txBody>
+                  <a:tcPr>
+                    <a:lnL w="12700" cmpd="sng">
+                      <a:noFill/>
+                    </a:lnL>
+                    <a:lnR w="12700" cmpd="sng">
+                      <a:noFill/>
+                    </a:lnR>
+                    <a:lnT w="12700" cmpd="sng">
+                      <a:noFill/>
+                    </a:lnT>
+                    <a:lnB w="12700" cmpd="sng">
+                      <a:noFill/>
+                    </a:lnB>
+                    <a:lnTlToBr w="12700" cmpd="sng">
+                      <a:noFill/>
+                      <a:prstDash val="solid"/>
+                    </a:lnTlToBr>
+                    <a:lnBlToTr w="12700" cmpd="sng">
+                      <a:noFill/>
+                      <a:prstDash val="solid"/>
+                    </a:lnBlToTr>
+                    <a:noFill/>
+                  </a:tcPr>
+                </a:tc>
+                <a:tc>
+                  <a:txBody>
+                    <a:bodyPr/>
+                    <a:lstStyle/>
+                    <a:p>
+                      <a:pPr algn="ctr"/>
+                      <a:r>
+                        <a:rPr lang="en-US" dirty="0" smtClean="0">
+                          <a:solidFill>
+                            <a:srgbClr val="00B050"/>
+                          </a:solidFill>
+                        </a:rPr>
+                        <a:t>Yes</a:t>
+                      </a:r>
+                      <a:endParaRPr lang="en-US" dirty="0"/>
+                    </a:p>
+                  </a:txBody>
+                  <a:tcPr>
+                    <a:lnL w="12700" cmpd="sng">
+                      <a:noFill/>
+                    </a:lnL>
+                    <a:lnR w="12700" cmpd="sng">
+                      <a:noFill/>
+                    </a:lnR>
+                    <a:lnT w="12700" cmpd="sng">
+                      <a:noFill/>
+                    </a:lnT>
+                    <a:lnB w="12700" cmpd="sng">
+                      <a:noFill/>
+                    </a:lnB>
+                    <a:lnTlToBr w="12700" cmpd="sng">
+                      <a:noFill/>
+                      <a:prstDash val="solid"/>
+                    </a:lnTlToBr>
+                    <a:lnBlToTr w="12700" cmpd="sng">
+                      <a:noFill/>
+                      <a:prstDash val="solid"/>
+                    </a:lnBlToTr>
+                  </a:tcPr>
+                </a:tc>
+                <a:tc>
+                  <a:txBody>
+                    <a:bodyPr/>
+                    <a:lstStyle/>
+                    <a:p>
+                      <a:pPr algn="ctr"/>
+                      <a:r>
+                        <a:rPr lang="en-US" dirty="0" smtClean="0">
+                          <a:solidFill>
+                            <a:srgbClr val="FF0000"/>
+                          </a:solidFill>
+                        </a:rPr>
+                        <a:t>No</a:t>
+                      </a:r>
+                      <a:endParaRPr lang="en-US" dirty="0"/>
+                    </a:p>
+                  </a:txBody>
+                  <a:tcPr>
+                    <a:lnL w="12700" cmpd="sng">
+                      <a:noFill/>
+                    </a:lnL>
+                    <a:lnR w="12700" cmpd="sng">
+                      <a:noFill/>
+                    </a:lnR>
+                    <a:lnT w="12700" cmpd="sng">
+                      <a:noFill/>
+                    </a:lnT>
+                    <a:lnB w="12700" cmpd="sng">
+                      <a:noFill/>
+                    </a:lnB>
+                    <a:lnTlToBr w="12700" cmpd="sng">
+                      <a:noFill/>
+                      <a:prstDash val="solid"/>
+                    </a:lnTlToBr>
+                    <a:lnBlToTr w="12700" cmpd="sng">
+                      <a:noFill/>
+                      <a:prstDash val="solid"/>
+                    </a:lnBlToTr>
+                  </a:tcPr>
+                </a:tc>
+              </a:tr>
+              <a:tr h="532951">
+                <a:tc>
+                  <a:txBody>
+                    <a:bodyPr/>
+                    <a:lstStyle/>
+                    <a:p>
+                      <a:pPr marL="0" marR="0" lvl="0" indent="0" algn="r" defTabSz="457200" rtl="0" eaLnBrk="1" fontAlgn="auto" latinLnBrk="0" hangingPunct="1">
+                        <a:lnSpc>
+                          <a:spcPct val="100000"/>
+                        </a:lnSpc>
+                        <a:spcBef>
+                          <a:spcPts val="0"/>
+                        </a:spcBef>
+                        <a:spcAft>
+                          <a:spcPts val="0"/>
+                        </a:spcAft>
+                        <a:buClrTx/>
+                        <a:buSzTx/>
+                        <a:buFontTx/>
+                        <a:buNone/>
+                        <a:tabLst/>
+                        <a:defRPr/>
+                      </a:pPr>
+                      <a:r>
+                        <a:rPr lang="en-US" b="0" dirty="0" smtClean="0">
+                          <a:solidFill>
+                            <a:schemeClr val="accent2">
+                              <a:lumMod val="75000"/>
+                            </a:schemeClr>
+                          </a:solidFill>
+                        </a:rPr>
+                        <a:t>HD Video Recording</a:t>
+                      </a:r>
+                    </a:p>
+                    <a:p>
+                      <a:pPr algn="r"/>
+                      <a:endParaRPr lang="en-US" b="0" dirty="0">
+                        <a:solidFill>
+                          <a:schemeClr val="accent2">
+                            <a:lumMod val="75000"/>
+                          </a:schemeClr>
+                        </a:solidFill>
+                      </a:endParaRPr>
+                    </a:p>
+                  </a:txBody>
+                  <a:tcPr>
+                    <a:lnL w="12700" cmpd="sng">
+                      <a:noFill/>
+                    </a:lnL>
+                    <a:lnR w="12700" cmpd="sng">
+                      <a:noFill/>
+                    </a:lnR>
+                    <a:lnT w="12700" cmpd="sng">
+                      <a:noFill/>
+                    </a:lnT>
+                    <a:lnB w="12700" cmpd="sng">
+                      <a:noFill/>
+                    </a:lnB>
+                    <a:lnTlToBr w="12700" cmpd="sng">
+                      <a:noFill/>
+                      <a:prstDash val="solid"/>
+                    </a:lnTlToBr>
+                    <a:lnBlToTr w="12700" cmpd="sng">
+                      <a:noFill/>
+                      <a:prstDash val="solid"/>
+                    </a:lnBlToTr>
+                    <a:noFill/>
+                  </a:tcPr>
+                </a:tc>
+                <a:tc>
+                  <a:txBody>
+                    <a:bodyPr/>
+                    <a:lstStyle/>
+                    <a:p>
+                      <a:pPr algn="ctr"/>
+                      <a:r>
+                        <a:rPr lang="en-US" dirty="0" smtClean="0">
+                          <a:solidFill>
+                            <a:srgbClr val="FF0000"/>
+                          </a:solidFill>
+                        </a:rPr>
+                        <a:t>No</a:t>
+                      </a:r>
+                      <a:endParaRPr lang="en-US" dirty="0"/>
+                    </a:p>
+                  </a:txBody>
+                  <a:tcPr>
+                    <a:lnL w="12700" cmpd="sng">
+                      <a:noFill/>
+                    </a:lnL>
+                    <a:lnR w="12700" cmpd="sng">
+                      <a:noFill/>
+                    </a:lnR>
+                    <a:lnT w="12700" cmpd="sng">
+                      <a:noFill/>
+                    </a:lnT>
+                    <a:lnB w="12700" cmpd="sng">
+                      <a:noFill/>
+                    </a:lnB>
+                    <a:lnTlToBr w="12700" cmpd="sng">
+                      <a:noFill/>
+                      <a:prstDash val="solid"/>
+                    </a:lnTlToBr>
+                    <a:lnBlToTr w="12700" cmpd="sng">
+                      <a:noFill/>
+                      <a:prstDash val="solid"/>
+                    </a:lnBlToTr>
+                  </a:tcPr>
+                </a:tc>
+                <a:tc>
+                  <a:txBody>
+                    <a:bodyPr/>
+                    <a:lstStyle/>
+                    <a:p>
+                      <a:pPr algn="ctr"/>
+                      <a:r>
+                        <a:rPr lang="en-US" dirty="0" smtClean="0">
+                          <a:solidFill>
+                            <a:srgbClr val="00B050"/>
+                          </a:solidFill>
+                        </a:rPr>
+                        <a:t>Yes</a:t>
+                      </a:r>
+                      <a:endParaRPr lang="en-US" dirty="0"/>
+                    </a:p>
+                  </a:txBody>
+                  <a:tcPr>
+                    <a:lnL w="12700" cmpd="sng">
+                      <a:noFill/>
+                    </a:lnL>
+                    <a:lnR w="12700" cmpd="sng">
+                      <a:noFill/>
+                    </a:lnR>
+                    <a:lnT w="12700" cmpd="sng">
+                      <a:noFill/>
+                    </a:lnT>
+                    <a:lnB w="12700" cmpd="sng">
+                      <a:noFill/>
+                    </a:lnB>
+                    <a:lnTlToBr w="12700" cmpd="sng">
+                      <a:noFill/>
+                      <a:prstDash val="solid"/>
+                    </a:lnTlToBr>
+                    <a:lnBlToTr w="12700" cmpd="sng">
+                      <a:noFill/>
+                      <a:prstDash val="solid"/>
+                    </a:lnBlToTr>
+                  </a:tcPr>
+                </a:tc>
+              </a:tr>
+            </a:tbl>
+          </a:graphicData>
+        </a:graphic>
+      </p:graphicFrame>
     </p:spTree>
     <p:extLst>
       <p:ext uri="{BB962C8B-B14F-4D97-AF65-F5344CB8AC3E}">
-        <p14:creationId xmlns:p14="http://schemas.microsoft.com/office/powerpoint/2010/main" val="111047193"/>
+        <p14:creationId xmlns:p14="http://schemas.microsoft.com/office/powerpoint/2010/main" val="363065889"/>
       </p:ext>
     </p:extLst>
   </p:cSld>
@@ -12116,6 +13647,209 @@
 </file>
 
 <file path=ppt/slides/slide7.xml><?xml version="1.0" encoding="utf-8"?>
+<p:sld xmlns:a="http://schemas.openxmlformats.org/drawingml/2006/main" xmlns:r="http://schemas.openxmlformats.org/officeDocument/2006/relationships" xmlns:p="http://schemas.openxmlformats.org/presentationml/2006/main">
+  <p:cSld>
+    <p:spTree>
+      <p:nvGrpSpPr>
+        <p:cNvPr id="1" name=""/>
+        <p:cNvGrpSpPr/>
+        <p:nvPr/>
+      </p:nvGrpSpPr>
+      <p:grpSpPr>
+        <a:xfrm>
+          <a:off x="0" y="0"/>
+          <a:ext cx="0" cy="0"/>
+          <a:chOff x="0" y="0"/>
+          <a:chExt cx="0" cy="0"/>
+        </a:xfrm>
+      </p:grpSpPr>
+      <p:sp>
+        <p:nvSpPr>
+          <p:cNvPr id="2" name="Title 1"/>
+          <p:cNvSpPr>
+            <a:spLocks noGrp="1"/>
+          </p:cNvSpPr>
+          <p:nvPr>
+            <p:ph type="title"/>
+          </p:nvPr>
+        </p:nvSpPr>
+        <p:spPr/>
+        <p:txBody>
+          <a:bodyPr/>
+          <a:lstStyle/>
+          <a:p>
+            <a:pPr algn="r"/>
+            <a:r>
+              <a:rPr lang="en-US" dirty="0"/>
+              <a:t>Property Monitoring Kit: Demo</a:t>
+            </a:r>
+          </a:p>
+        </p:txBody>
+      </p:sp>
+      <p:sp>
+        <p:nvSpPr>
+          <p:cNvPr id="5" name="Footer Placeholder 3"/>
+          <p:cNvSpPr txBox="1">
+            <a:spLocks/>
+          </p:cNvSpPr>
+          <p:nvPr/>
+        </p:nvSpPr>
+        <p:spPr>
+          <a:xfrm>
+            <a:off x="2741612" y="6473736"/>
+            <a:ext cx="7619999" cy="365125"/>
+          </a:xfrm>
+          <a:prstGeom prst="rect">
+            <a:avLst/>
+          </a:prstGeom>
+        </p:spPr>
+        <p:txBody>
+          <a:bodyPr vert="horz" lIns="91440" tIns="45720" rIns="91440" bIns="45720" rtlCol="0" anchor="ctr"/>
+          <a:lstStyle>
+            <a:defPPr>
+              <a:defRPr lang="en-US"/>
+            </a:defPPr>
+            <a:lvl1pPr marL="0" algn="l" defTabSz="914400" rtl="0" eaLnBrk="1" latinLnBrk="0" hangingPunct="1">
+              <a:defRPr sz="900" kern="1200">
+                <a:solidFill>
+                  <a:schemeClr val="tx1">
+                    <a:tint val="75000"/>
+                  </a:schemeClr>
+                </a:solidFill>
+                <a:latin typeface="+mn-lt"/>
+                <a:ea typeface="+mn-ea"/>
+                <a:cs typeface="+mn-cs"/>
+              </a:defRPr>
+            </a:lvl1pPr>
+            <a:lvl2pPr marL="457200" algn="l" defTabSz="914400" rtl="0" eaLnBrk="1" latinLnBrk="0" hangingPunct="1">
+              <a:defRPr sz="1800" kern="1200">
+                <a:solidFill>
+                  <a:schemeClr val="tx1"/>
+                </a:solidFill>
+                <a:latin typeface="+mn-lt"/>
+                <a:ea typeface="+mn-ea"/>
+                <a:cs typeface="+mn-cs"/>
+              </a:defRPr>
+            </a:lvl2pPr>
+            <a:lvl3pPr marL="914400" algn="l" defTabSz="914400" rtl="0" eaLnBrk="1" latinLnBrk="0" hangingPunct="1">
+              <a:defRPr sz="1800" kern="1200">
+                <a:solidFill>
+                  <a:schemeClr val="tx1"/>
+                </a:solidFill>
+                <a:latin typeface="+mn-lt"/>
+                <a:ea typeface="+mn-ea"/>
+                <a:cs typeface="+mn-cs"/>
+              </a:defRPr>
+            </a:lvl3pPr>
+            <a:lvl4pPr marL="1371600" algn="l" defTabSz="914400" rtl="0" eaLnBrk="1" latinLnBrk="0" hangingPunct="1">
+              <a:defRPr sz="1800" kern="1200">
+                <a:solidFill>
+                  <a:schemeClr val="tx1"/>
+                </a:solidFill>
+                <a:latin typeface="+mn-lt"/>
+                <a:ea typeface="+mn-ea"/>
+                <a:cs typeface="+mn-cs"/>
+              </a:defRPr>
+            </a:lvl4pPr>
+            <a:lvl5pPr marL="1828800" algn="l" defTabSz="914400" rtl="0" eaLnBrk="1" latinLnBrk="0" hangingPunct="1">
+              <a:defRPr sz="1800" kern="1200">
+                <a:solidFill>
+                  <a:schemeClr val="tx1"/>
+                </a:solidFill>
+                <a:latin typeface="+mn-lt"/>
+                <a:ea typeface="+mn-ea"/>
+                <a:cs typeface="+mn-cs"/>
+              </a:defRPr>
+            </a:lvl5pPr>
+            <a:lvl6pPr marL="2286000" algn="l" defTabSz="914400" rtl="0" eaLnBrk="1" latinLnBrk="0" hangingPunct="1">
+              <a:defRPr sz="1800" kern="1200">
+                <a:solidFill>
+                  <a:schemeClr val="tx1"/>
+                </a:solidFill>
+                <a:latin typeface="+mn-lt"/>
+                <a:ea typeface="+mn-ea"/>
+                <a:cs typeface="+mn-cs"/>
+              </a:defRPr>
+            </a:lvl6pPr>
+            <a:lvl7pPr marL="2743200" algn="l" defTabSz="914400" rtl="0" eaLnBrk="1" latinLnBrk="0" hangingPunct="1">
+              <a:defRPr sz="1800" kern="1200">
+                <a:solidFill>
+                  <a:schemeClr val="tx1"/>
+                </a:solidFill>
+                <a:latin typeface="+mn-lt"/>
+                <a:ea typeface="+mn-ea"/>
+                <a:cs typeface="+mn-cs"/>
+              </a:defRPr>
+            </a:lvl7pPr>
+            <a:lvl8pPr marL="3200400" algn="l" defTabSz="914400" rtl="0" eaLnBrk="1" latinLnBrk="0" hangingPunct="1">
+              <a:defRPr sz="1800" kern="1200">
+                <a:solidFill>
+                  <a:schemeClr val="tx1"/>
+                </a:solidFill>
+                <a:latin typeface="+mn-lt"/>
+                <a:ea typeface="+mn-ea"/>
+                <a:cs typeface="+mn-cs"/>
+              </a:defRPr>
+            </a:lvl8pPr>
+            <a:lvl9pPr marL="3657600" algn="l" defTabSz="914400" rtl="0" eaLnBrk="1" latinLnBrk="0" hangingPunct="1">
+              <a:defRPr sz="1800" kern="1200">
+                <a:solidFill>
+                  <a:schemeClr val="tx1"/>
+                </a:solidFill>
+                <a:latin typeface="+mn-lt"/>
+                <a:ea typeface="+mn-ea"/>
+                <a:cs typeface="+mn-cs"/>
+              </a:defRPr>
+            </a:lvl9pPr>
+          </a:lstStyle>
+          <a:p>
+            <a:r>
+              <a:rPr lang="en-US" dirty="0">
+                <a:solidFill>
+                  <a:schemeClr val="bg1">
+                    <a:lumMod val="65000"/>
+                  </a:schemeClr>
+                </a:solidFill>
+              </a:rPr>
+              <a:t>Innovation Day | August 23</a:t>
+            </a:r>
+            <a:r>
+              <a:rPr lang="en-US" baseline="30000" dirty="0">
+                <a:solidFill>
+                  <a:schemeClr val="bg1">
+                    <a:lumMod val="65000"/>
+                  </a:schemeClr>
+                </a:solidFill>
+              </a:rPr>
+              <a:t>rd</a:t>
+            </a:r>
+            <a:r>
+              <a:rPr lang="en-US" dirty="0">
+                <a:solidFill>
+                  <a:schemeClr val="bg1">
+                    <a:lumMod val="65000"/>
+                  </a:schemeClr>
+                </a:solidFill>
+              </a:rPr>
+              <a:t> 2018</a:t>
+            </a:r>
+          </a:p>
+        </p:txBody>
+      </p:sp>
+    </p:spTree>
+    <p:extLst>
+      <p:ext uri="{BB962C8B-B14F-4D97-AF65-F5344CB8AC3E}">
+        <p14:creationId xmlns:p14="http://schemas.microsoft.com/office/powerpoint/2010/main" val="4054829181"/>
+      </p:ext>
+    </p:extLst>
+  </p:cSld>
+  <p:clrMapOvr>
+    <a:masterClrMapping/>
+  </p:clrMapOvr>
+</p:sld>
+</file>
+
+<file path=ppt/slides/slide8.xml><?xml version="1.0" encoding="utf-8"?>
 <p:sld xmlns:a="http://schemas.openxmlformats.org/drawingml/2006/main" xmlns:r="http://schemas.openxmlformats.org/officeDocument/2006/relationships" xmlns:p="http://schemas.openxmlformats.org/presentationml/2006/main">
   <p:cSld>
     <p:spTree>
@@ -12262,7 +13996,7 @@
 </p:sld>
 </file>
 
-<file path=ppt/slides/slide8.xml><?xml version="1.0" encoding="utf-8"?>
+<file path=ppt/slides/slide9.xml><?xml version="1.0" encoding="utf-8"?>
 <p:sld xmlns:a="http://schemas.openxmlformats.org/drawingml/2006/main" xmlns:r="http://schemas.openxmlformats.org/officeDocument/2006/relationships" xmlns:p="http://schemas.openxmlformats.org/presentationml/2006/main">
   <p:cSld>
     <p:spTree>
@@ -12485,238 +14219,6 @@
     <p:extLst>
       <p:ext uri="{BB962C8B-B14F-4D97-AF65-F5344CB8AC3E}">
         <p14:creationId xmlns:p14="http://schemas.microsoft.com/office/powerpoint/2010/main" val="3263627320"/>
-      </p:ext>
-    </p:extLst>
-  </p:cSld>
-  <p:clrMapOvr>
-    <a:masterClrMapping/>
-  </p:clrMapOvr>
-</p:sld>
-</file>
-
-<file path=ppt/slides/slide9.xml><?xml version="1.0" encoding="utf-8"?>
-<p:sld xmlns:a="http://schemas.openxmlformats.org/drawingml/2006/main" xmlns:r="http://schemas.openxmlformats.org/officeDocument/2006/relationships" xmlns:p="http://schemas.openxmlformats.org/presentationml/2006/main">
-  <p:cSld>
-    <p:spTree>
-      <p:nvGrpSpPr>
-        <p:cNvPr id="1" name=""/>
-        <p:cNvGrpSpPr/>
-        <p:nvPr/>
-      </p:nvGrpSpPr>
-      <p:grpSpPr>
-        <a:xfrm>
-          <a:off x="0" y="0"/>
-          <a:ext cx="0" cy="0"/>
-          <a:chOff x="0" y="0"/>
-          <a:chExt cx="0" cy="0"/>
-        </a:xfrm>
-      </p:grpSpPr>
-      <p:sp>
-        <p:nvSpPr>
-          <p:cNvPr id="2" name="Title 1"/>
-          <p:cNvSpPr>
-            <a:spLocks noGrp="1"/>
-          </p:cNvSpPr>
-          <p:nvPr>
-            <p:ph type="title"/>
-          </p:nvPr>
-        </p:nvSpPr>
-        <p:spPr/>
-        <p:txBody>
-          <a:bodyPr/>
-          <a:lstStyle/>
-          <a:p>
-            <a:pPr algn="r"/>
-            <a:r>
-              <a:rPr lang="en-US" dirty="0"/>
-              <a:t>Appendix 2: Arduino Kit Cost </a:t>
-            </a:r>
-          </a:p>
-        </p:txBody>
-      </p:sp>
-      <p:sp>
-        <p:nvSpPr>
-          <p:cNvPr id="5" name="Footer Placeholder 3"/>
-          <p:cNvSpPr txBox="1">
-            <a:spLocks/>
-          </p:cNvSpPr>
-          <p:nvPr/>
-        </p:nvSpPr>
-        <p:spPr>
-          <a:xfrm>
-            <a:off x="2741612" y="6473736"/>
-            <a:ext cx="7619999" cy="365125"/>
-          </a:xfrm>
-          <a:prstGeom prst="rect">
-            <a:avLst/>
-          </a:prstGeom>
-        </p:spPr>
-        <p:txBody>
-          <a:bodyPr vert="horz" lIns="91440" tIns="45720" rIns="91440" bIns="45720" rtlCol="0" anchor="ctr"/>
-          <a:lstStyle>
-            <a:defPPr>
-              <a:defRPr lang="en-US"/>
-            </a:defPPr>
-            <a:lvl1pPr marL="0" algn="l" defTabSz="914400" rtl="0" eaLnBrk="1" latinLnBrk="0" hangingPunct="1">
-              <a:defRPr sz="900" kern="1200">
-                <a:solidFill>
-                  <a:schemeClr val="tx1">
-                    <a:tint val="75000"/>
-                  </a:schemeClr>
-                </a:solidFill>
-                <a:latin typeface="+mn-lt"/>
-                <a:ea typeface="+mn-ea"/>
-                <a:cs typeface="+mn-cs"/>
-              </a:defRPr>
-            </a:lvl1pPr>
-            <a:lvl2pPr marL="457200" algn="l" defTabSz="914400" rtl="0" eaLnBrk="1" latinLnBrk="0" hangingPunct="1">
-              <a:defRPr sz="1800" kern="1200">
-                <a:solidFill>
-                  <a:schemeClr val="tx1"/>
-                </a:solidFill>
-                <a:latin typeface="+mn-lt"/>
-                <a:ea typeface="+mn-ea"/>
-                <a:cs typeface="+mn-cs"/>
-              </a:defRPr>
-            </a:lvl2pPr>
-            <a:lvl3pPr marL="914400" algn="l" defTabSz="914400" rtl="0" eaLnBrk="1" latinLnBrk="0" hangingPunct="1">
-              <a:defRPr sz="1800" kern="1200">
-                <a:solidFill>
-                  <a:schemeClr val="tx1"/>
-                </a:solidFill>
-                <a:latin typeface="+mn-lt"/>
-                <a:ea typeface="+mn-ea"/>
-                <a:cs typeface="+mn-cs"/>
-              </a:defRPr>
-            </a:lvl3pPr>
-            <a:lvl4pPr marL="1371600" algn="l" defTabSz="914400" rtl="0" eaLnBrk="1" latinLnBrk="0" hangingPunct="1">
-              <a:defRPr sz="1800" kern="1200">
-                <a:solidFill>
-                  <a:schemeClr val="tx1"/>
-                </a:solidFill>
-                <a:latin typeface="+mn-lt"/>
-                <a:ea typeface="+mn-ea"/>
-                <a:cs typeface="+mn-cs"/>
-              </a:defRPr>
-            </a:lvl4pPr>
-            <a:lvl5pPr marL="1828800" algn="l" defTabSz="914400" rtl="0" eaLnBrk="1" latinLnBrk="0" hangingPunct="1">
-              <a:defRPr sz="1800" kern="1200">
-                <a:solidFill>
-                  <a:schemeClr val="tx1"/>
-                </a:solidFill>
-                <a:latin typeface="+mn-lt"/>
-                <a:ea typeface="+mn-ea"/>
-                <a:cs typeface="+mn-cs"/>
-              </a:defRPr>
-            </a:lvl5pPr>
-            <a:lvl6pPr marL="2286000" algn="l" defTabSz="914400" rtl="0" eaLnBrk="1" latinLnBrk="0" hangingPunct="1">
-              <a:defRPr sz="1800" kern="1200">
-                <a:solidFill>
-                  <a:schemeClr val="tx1"/>
-                </a:solidFill>
-                <a:latin typeface="+mn-lt"/>
-                <a:ea typeface="+mn-ea"/>
-                <a:cs typeface="+mn-cs"/>
-              </a:defRPr>
-            </a:lvl6pPr>
-            <a:lvl7pPr marL="2743200" algn="l" defTabSz="914400" rtl="0" eaLnBrk="1" latinLnBrk="0" hangingPunct="1">
-              <a:defRPr sz="1800" kern="1200">
-                <a:solidFill>
-                  <a:schemeClr val="tx1"/>
-                </a:solidFill>
-                <a:latin typeface="+mn-lt"/>
-                <a:ea typeface="+mn-ea"/>
-                <a:cs typeface="+mn-cs"/>
-              </a:defRPr>
-            </a:lvl7pPr>
-            <a:lvl8pPr marL="3200400" algn="l" defTabSz="914400" rtl="0" eaLnBrk="1" latinLnBrk="0" hangingPunct="1">
-              <a:defRPr sz="1800" kern="1200">
-                <a:solidFill>
-                  <a:schemeClr val="tx1"/>
-                </a:solidFill>
-                <a:latin typeface="+mn-lt"/>
-                <a:ea typeface="+mn-ea"/>
-                <a:cs typeface="+mn-cs"/>
-              </a:defRPr>
-            </a:lvl8pPr>
-            <a:lvl9pPr marL="3657600" algn="l" defTabSz="914400" rtl="0" eaLnBrk="1" latinLnBrk="0" hangingPunct="1">
-              <a:defRPr sz="1800" kern="1200">
-                <a:solidFill>
-                  <a:schemeClr val="tx1"/>
-                </a:solidFill>
-                <a:latin typeface="+mn-lt"/>
-                <a:ea typeface="+mn-ea"/>
-                <a:cs typeface="+mn-cs"/>
-              </a:defRPr>
-            </a:lvl9pPr>
-          </a:lstStyle>
-          <a:p>
-            <a:r>
-              <a:rPr lang="en-US" dirty="0">
-                <a:solidFill>
-                  <a:schemeClr val="bg1">
-                    <a:lumMod val="65000"/>
-                  </a:schemeClr>
-                </a:solidFill>
-              </a:rPr>
-              <a:t>Innovation Day | August 23</a:t>
-            </a:r>
-            <a:r>
-              <a:rPr lang="en-US" baseline="30000" dirty="0">
-                <a:solidFill>
-                  <a:schemeClr val="bg1">
-                    <a:lumMod val="65000"/>
-                  </a:schemeClr>
-                </a:solidFill>
-              </a:rPr>
-              <a:t>rd</a:t>
-            </a:r>
-            <a:r>
-              <a:rPr lang="en-US" dirty="0">
-                <a:solidFill>
-                  <a:schemeClr val="bg1">
-                    <a:lumMod val="65000"/>
-                  </a:schemeClr>
-                </a:solidFill>
-              </a:rPr>
-              <a:t> 2018</a:t>
-            </a:r>
-          </a:p>
-        </p:txBody>
-      </p:sp>
-      <p:pic>
-        <p:nvPicPr>
-          <p:cNvPr id="3" name="Content Placeholder 2"/>
-          <p:cNvPicPr>
-            <a:picLocks noGrp="1" noChangeAspect="1"/>
-          </p:cNvPicPr>
-          <p:nvPr>
-            <p:ph idx="1"/>
-          </p:nvPr>
-        </p:nvPicPr>
-        <p:blipFill>
-          <a:blip r:embed="rId2">
-            <a:extLst>
-              <a:ext uri="{28A0092B-C50C-407E-A947-70E740481C1C}">
-                <a14:useLocalDpi xmlns:a14="http://schemas.microsoft.com/office/drawing/2010/main" val="0"/>
-              </a:ext>
-            </a:extLst>
-          </a:blip>
-          <a:stretch>
-            <a:fillRect/>
-          </a:stretch>
-        </p:blipFill>
-        <p:spPr>
-          <a:xfrm>
-            <a:off x="2798379" y="1622631"/>
-            <a:ext cx="8706233" cy="4918347"/>
-          </a:xfrm>
-        </p:spPr>
-      </p:pic>
-    </p:spTree>
-    <p:extLst>
-      <p:ext uri="{BB962C8B-B14F-4D97-AF65-F5344CB8AC3E}">
-        <p14:creationId xmlns:p14="http://schemas.microsoft.com/office/powerpoint/2010/main" val="3643360109"/>
       </p:ext>
     </p:extLst>
   </p:cSld>
